--- a/medias/help/fiche_perso.pptx
+++ b/medias/help/fiche_perso.pptx
@@ -244,7 +244,7 @@
           <a:p>
             <a:fld id="{73F300BA-884B-492F-9DA2-6FBA3E12B197}" type="datetimeFigureOut">
               <a:rPr lang="fr-FR" smtClean="0"/>
-              <a:t>08/12/2022</a:t>
+              <a:t>28/02/2023</a:t>
             </a:fld>
             <a:endParaRPr lang="fr-FR"/>
           </a:p>
@@ -414,7 +414,7 @@
           <a:p>
             <a:fld id="{73F300BA-884B-492F-9DA2-6FBA3E12B197}" type="datetimeFigureOut">
               <a:rPr lang="fr-FR" smtClean="0"/>
-              <a:t>08/12/2022</a:t>
+              <a:t>28/02/2023</a:t>
             </a:fld>
             <a:endParaRPr lang="fr-FR"/>
           </a:p>
@@ -594,7 +594,7 @@
           <a:p>
             <a:fld id="{73F300BA-884B-492F-9DA2-6FBA3E12B197}" type="datetimeFigureOut">
               <a:rPr lang="fr-FR" smtClean="0"/>
-              <a:t>08/12/2022</a:t>
+              <a:t>28/02/2023</a:t>
             </a:fld>
             <a:endParaRPr lang="fr-FR"/>
           </a:p>
@@ -764,7 +764,7 @@
           <a:p>
             <a:fld id="{73F300BA-884B-492F-9DA2-6FBA3E12B197}" type="datetimeFigureOut">
               <a:rPr lang="fr-FR" smtClean="0"/>
-              <a:t>08/12/2022</a:t>
+              <a:t>28/02/2023</a:t>
             </a:fld>
             <a:endParaRPr lang="fr-FR"/>
           </a:p>
@@ -1008,7 +1008,7 @@
           <a:p>
             <a:fld id="{73F300BA-884B-492F-9DA2-6FBA3E12B197}" type="datetimeFigureOut">
               <a:rPr lang="fr-FR" smtClean="0"/>
-              <a:t>08/12/2022</a:t>
+              <a:t>28/02/2023</a:t>
             </a:fld>
             <a:endParaRPr lang="fr-FR"/>
           </a:p>
@@ -1240,7 +1240,7 @@
           <a:p>
             <a:fld id="{73F300BA-884B-492F-9DA2-6FBA3E12B197}" type="datetimeFigureOut">
               <a:rPr lang="fr-FR" smtClean="0"/>
-              <a:t>08/12/2022</a:t>
+              <a:t>28/02/2023</a:t>
             </a:fld>
             <a:endParaRPr lang="fr-FR"/>
           </a:p>
@@ -1607,7 +1607,7 @@
           <a:p>
             <a:fld id="{73F300BA-884B-492F-9DA2-6FBA3E12B197}" type="datetimeFigureOut">
               <a:rPr lang="fr-FR" smtClean="0"/>
-              <a:t>08/12/2022</a:t>
+              <a:t>28/02/2023</a:t>
             </a:fld>
             <a:endParaRPr lang="fr-FR"/>
           </a:p>
@@ -1725,7 +1725,7 @@
           <a:p>
             <a:fld id="{73F300BA-884B-492F-9DA2-6FBA3E12B197}" type="datetimeFigureOut">
               <a:rPr lang="fr-FR" smtClean="0"/>
-              <a:t>08/12/2022</a:t>
+              <a:t>28/02/2023</a:t>
             </a:fld>
             <a:endParaRPr lang="fr-FR"/>
           </a:p>
@@ -1820,7 +1820,7 @@
           <a:p>
             <a:fld id="{73F300BA-884B-492F-9DA2-6FBA3E12B197}" type="datetimeFigureOut">
               <a:rPr lang="fr-FR" smtClean="0"/>
-              <a:t>08/12/2022</a:t>
+              <a:t>28/02/2023</a:t>
             </a:fld>
             <a:endParaRPr lang="fr-FR"/>
           </a:p>
@@ -2097,7 +2097,7 @@
           <a:p>
             <a:fld id="{73F300BA-884B-492F-9DA2-6FBA3E12B197}" type="datetimeFigureOut">
               <a:rPr lang="fr-FR" smtClean="0"/>
-              <a:t>08/12/2022</a:t>
+              <a:t>28/02/2023</a:t>
             </a:fld>
             <a:endParaRPr lang="fr-FR"/>
           </a:p>
@@ -2354,7 +2354,7 @@
           <a:p>
             <a:fld id="{73F300BA-884B-492F-9DA2-6FBA3E12B197}" type="datetimeFigureOut">
               <a:rPr lang="fr-FR" smtClean="0"/>
-              <a:t>08/12/2022</a:t>
+              <a:t>28/02/2023</a:t>
             </a:fld>
             <a:endParaRPr lang="fr-FR"/>
           </a:p>
@@ -2567,7 +2567,7 @@
           <a:p>
             <a:fld id="{73F300BA-884B-492F-9DA2-6FBA3E12B197}" type="datetimeFigureOut">
               <a:rPr lang="fr-FR" smtClean="0"/>
-              <a:t>08/12/2022</a:t>
+              <a:t>28/02/2023</a:t>
             </a:fld>
             <a:endParaRPr lang="fr-FR"/>
           </a:p>
@@ -8566,7 +8566,7 @@
         </p:nvGrpSpPr>
         <p:grpSpPr>
           <a:xfrm>
-            <a:off x="1883592" y="4423257"/>
+            <a:off x="1882594" y="4423257"/>
             <a:ext cx="1882453" cy="7521925"/>
             <a:chOff x="1767842" y="4365382"/>
             <a:chExt cx="1882453" cy="7521925"/>
@@ -13703,10 +13703,10 @@
             </p:nvGrpSpPr>
             <p:grpSpPr>
               <a:xfrm>
-                <a:off x="91170" y="5495389"/>
-                <a:ext cx="2049500" cy="754225"/>
-                <a:chOff x="91170" y="5507581"/>
-                <a:chExt cx="2049500" cy="754225"/>
+                <a:off x="74571" y="5495389"/>
+                <a:ext cx="2066099" cy="754225"/>
+                <a:chOff x="74571" y="5507581"/>
+                <a:chExt cx="2066099" cy="754225"/>
               </a:xfrm>
             </p:grpSpPr>
             <p:grpSp>
@@ -14293,8 +14293,8 @@
               </p:nvSpPr>
               <p:spPr>
                 <a:xfrm>
-                  <a:off x="434226" y="5860714"/>
-                  <a:ext cx="287258" cy="215444"/>
+                  <a:off x="74571" y="5857067"/>
+                  <a:ext cx="676788" cy="215444"/>
                 </a:xfrm>
                 <a:prstGeom prst="rect">
                   <a:avLst/>
@@ -14315,7 +14315,7 @@
                         </a:schemeClr>
                       </a:solidFill>
                     </a:rPr>
-                    <a:t>10</a:t>
+                    <a:t>[Niveau / 2]</a:t>
                   </a:r>
                 </a:p>
               </p:txBody>
@@ -14334,8 +14334,8 @@
               </p:nvSpPr>
               <p:spPr>
                 <a:xfrm>
-                  <a:off x="1406946" y="5847472"/>
-                  <a:ext cx="676788" cy="215444"/>
+                  <a:off x="1292684" y="5853096"/>
+                  <a:ext cx="824265" cy="215444"/>
                 </a:xfrm>
                 <a:prstGeom prst="rect">
                   <a:avLst/>
@@ -14356,7 +14356,7 @@
                         </a:schemeClr>
                       </a:solidFill>
                     </a:rPr>
-                    <a:t>[Niveau / 2]</a:t>
+                    <a:t>[Niveau / 2 +5]</a:t>
                   </a:r>
                 </a:p>
               </p:txBody>
@@ -14635,10 +14635,10 @@
             </p:nvGrpSpPr>
             <p:grpSpPr>
               <a:xfrm>
-                <a:off x="83178" y="6505219"/>
-                <a:ext cx="2062885" cy="754225"/>
-                <a:chOff x="77785" y="5507581"/>
-                <a:chExt cx="2062885" cy="754225"/>
+                <a:off x="78821" y="6505219"/>
+                <a:ext cx="2067242" cy="754225"/>
+                <a:chOff x="73428" y="5507581"/>
+                <a:chExt cx="2067242" cy="754225"/>
               </a:xfrm>
             </p:grpSpPr>
             <p:grpSp>
@@ -15222,8 +15222,8 @@
               </p:nvSpPr>
               <p:spPr>
                 <a:xfrm>
-                  <a:off x="442260" y="5865579"/>
-                  <a:ext cx="287258" cy="215444"/>
+                  <a:off x="73428" y="5861277"/>
+                  <a:ext cx="676788" cy="215444"/>
                 </a:xfrm>
                 <a:prstGeom prst="rect">
                   <a:avLst/>
@@ -15242,7 +15242,7 @@
                         <a:srgbClr val="B381D9"/>
                       </a:solidFill>
                     </a:rPr>
-                    <a:t>10</a:t>
+                    <a:t>[Niveau / 2]</a:t>
                   </a:r>
                 </a:p>
               </p:txBody>
@@ -15261,8 +15261,8 @@
               </p:nvSpPr>
               <p:spPr>
                 <a:xfrm>
-                  <a:off x="1406642" y="5851192"/>
-                  <a:ext cx="676788" cy="215444"/>
+                  <a:off x="1300324" y="5851724"/>
+                  <a:ext cx="824265" cy="215444"/>
                 </a:xfrm>
                 <a:prstGeom prst="rect">
                   <a:avLst/>
@@ -15281,7 +15281,7 @@
                         <a:srgbClr val="B381D9"/>
                       </a:solidFill>
                     </a:rPr>
-                    <a:t>[Niveau / 2]</a:t>
+                    <a:t>[Niveau / 2 +5]</a:t>
                   </a:r>
                 </a:p>
               </p:txBody>
@@ -15424,10 +15424,10 @@
           </p:nvGrpSpPr>
           <p:grpSpPr>
             <a:xfrm>
-              <a:off x="72573" y="7185420"/>
-              <a:ext cx="2068097" cy="1067420"/>
-              <a:chOff x="72573" y="7185420"/>
-              <a:chExt cx="2068097" cy="1067420"/>
+              <a:off x="66255" y="7185420"/>
+              <a:ext cx="2074415" cy="1067420"/>
+              <a:chOff x="66255" y="7185420"/>
+              <a:chExt cx="2074415" cy="1067420"/>
             </a:xfrm>
           </p:grpSpPr>
           <p:sp>
@@ -15554,10 +15554,10 @@
             </p:nvGrpSpPr>
             <p:grpSpPr>
               <a:xfrm>
-                <a:off x="72573" y="7495461"/>
-                <a:ext cx="2068097" cy="757379"/>
-                <a:chOff x="72573" y="5504427"/>
-                <a:chExt cx="2068097" cy="757379"/>
+                <a:off x="66255" y="7495461"/>
+                <a:ext cx="2074415" cy="757379"/>
+                <a:chOff x="66255" y="5504427"/>
+                <a:chExt cx="2074415" cy="757379"/>
               </a:xfrm>
             </p:grpSpPr>
             <p:grpSp>
@@ -16141,8 +16141,8 @@
               </p:nvSpPr>
               <p:spPr>
                 <a:xfrm>
-                  <a:off x="428205" y="5865860"/>
-                  <a:ext cx="287258" cy="215444"/>
+                  <a:off x="66255" y="5865860"/>
+                  <a:ext cx="676788" cy="215444"/>
                 </a:xfrm>
                 <a:prstGeom prst="rect">
                   <a:avLst/>
@@ -16161,7 +16161,7 @@
                         <a:srgbClr val="B49F86"/>
                       </a:solidFill>
                     </a:rPr>
-                    <a:t>10</a:t>
+                    <a:t>[Niveau / 2]</a:t>
                   </a:r>
                 </a:p>
               </p:txBody>
@@ -16180,8 +16180,8 @@
               </p:nvSpPr>
               <p:spPr>
                 <a:xfrm>
-                  <a:off x="1413873" y="5851447"/>
-                  <a:ext cx="676788" cy="215444"/>
+                  <a:off x="1280523" y="5851447"/>
+                  <a:ext cx="801823" cy="215444"/>
                 </a:xfrm>
                 <a:prstGeom prst="rect">
                   <a:avLst/>
@@ -16200,7 +16200,7 @@
                         <a:srgbClr val="B49F86"/>
                       </a:solidFill>
                     </a:rPr>
-                    <a:t>[Niveau / 2]</a:t>
+                    <a:t>[Niveau / 2 +5]</a:t>
                   </a:r>
                 </a:p>
               </p:txBody>
@@ -17061,8 +17061,8 @@
               </p:nvSpPr>
               <p:spPr>
                 <a:xfrm>
-                  <a:off x="438393" y="5856360"/>
-                  <a:ext cx="287258" cy="215444"/>
+                  <a:off x="68823" y="5856360"/>
+                  <a:ext cx="676788" cy="215444"/>
                 </a:xfrm>
                 <a:prstGeom prst="rect">
                   <a:avLst/>
@@ -17081,7 +17081,7 @@
                         <a:srgbClr val="ED7049"/>
                       </a:solidFill>
                     </a:rPr>
-                    <a:t>10</a:t>
+                    <a:t>[Niveau / 2]</a:t>
                   </a:r>
                 </a:p>
               </p:txBody>
@@ -17100,8 +17100,8 @@
               </p:nvSpPr>
               <p:spPr>
                 <a:xfrm>
-                  <a:off x="1397797" y="5851282"/>
-                  <a:ext cx="699230" cy="215444"/>
+                  <a:off x="1275877" y="5851282"/>
+                  <a:ext cx="801823" cy="215444"/>
                 </a:xfrm>
                 <a:prstGeom prst="rect">
                   <a:avLst/>
@@ -17120,7 +17120,7 @@
                         <a:srgbClr val="ED7049"/>
                       </a:solidFill>
                     </a:rPr>
-                    <a:t>[Niveau / 2]</a:t>
+                    <a:t>[Niveau / 2 +5]</a:t>
                   </a:r>
                 </a:p>
               </p:txBody>
@@ -17264,10 +17264,10 @@
           </p:nvGrpSpPr>
           <p:grpSpPr>
             <a:xfrm>
-              <a:off x="66383" y="9224764"/>
-              <a:ext cx="2069434" cy="1057489"/>
-              <a:chOff x="66383" y="9224764"/>
-              <a:chExt cx="2069434" cy="1057489"/>
+              <a:off x="64717" y="9224764"/>
+              <a:ext cx="2071100" cy="1057489"/>
+              <a:chOff x="64717" y="9224764"/>
+              <a:chExt cx="2071100" cy="1057489"/>
             </a:xfrm>
           </p:grpSpPr>
           <p:sp>
@@ -17394,10 +17394,10 @@
             </p:nvGrpSpPr>
             <p:grpSpPr>
               <a:xfrm>
-                <a:off x="66383" y="9528028"/>
-                <a:ext cx="2069434" cy="754225"/>
-                <a:chOff x="71236" y="5507581"/>
-                <a:chExt cx="2069434" cy="754225"/>
+                <a:off x="64717" y="9528028"/>
+                <a:ext cx="2071100" cy="754225"/>
+                <a:chOff x="69570" y="5507581"/>
+                <a:chExt cx="2071100" cy="754225"/>
               </a:xfrm>
             </p:grpSpPr>
             <p:grpSp>
@@ -18007,8 +18007,8 @@
               </p:nvSpPr>
               <p:spPr>
                 <a:xfrm>
-                  <a:off x="442950" y="5860927"/>
-                  <a:ext cx="287258" cy="215444"/>
+                  <a:off x="69570" y="5860927"/>
+                  <a:ext cx="676788" cy="215444"/>
                 </a:xfrm>
                 <a:prstGeom prst="rect">
                   <a:avLst/>
@@ -18027,7 +18027,7 @@
                         <a:srgbClr val="76B54B"/>
                       </a:solidFill>
                     </a:rPr>
-                    <a:t>10</a:t>
+                    <a:t>[Niveau / 2]</a:t>
                   </a:r>
                 </a:p>
               </p:txBody>
@@ -18046,8 +18046,8 @@
               </p:nvSpPr>
               <p:spPr>
                 <a:xfrm>
-                  <a:off x="1412925" y="5833212"/>
-                  <a:ext cx="676788" cy="215444"/>
+                  <a:off x="1275765" y="5833212"/>
+                  <a:ext cx="801823" cy="215444"/>
                 </a:xfrm>
                 <a:prstGeom prst="rect">
                   <a:avLst/>
@@ -18066,7 +18066,7 @@
                         <a:srgbClr val="76B54B"/>
                       </a:solidFill>
                     </a:rPr>
-                    <a:t>[Niveau / 2]</a:t>
+                    <a:t>[Niveau / 2 +5]</a:t>
                   </a:r>
                 </a:p>
               </p:txBody>
@@ -18958,8 +18958,8 @@
               </p:nvSpPr>
               <p:spPr>
                 <a:xfrm>
-                  <a:off x="442950" y="5861571"/>
-                  <a:ext cx="287258" cy="215444"/>
+                  <a:off x="61950" y="5861571"/>
+                  <a:ext cx="676788" cy="215444"/>
                 </a:xfrm>
                 <a:prstGeom prst="rect">
                   <a:avLst/>
@@ -18975,13 +18975,10 @@
                   <a:r>
                     <a:rPr lang="fr-FR" sz="800" dirty="0">
                       <a:solidFill>
-                        <a:schemeClr val="accent1">
-                          <a:lumMod val="60000"/>
-                          <a:lumOff val="40000"/>
-                        </a:schemeClr>
+                        <a:srgbClr val="8FAADC"/>
                       </a:solidFill>
                     </a:rPr>
-                    <a:t>10</a:t>
+                    <a:t>[Niveau / 2]</a:t>
                   </a:r>
                 </a:p>
               </p:txBody>
@@ -19000,8 +18997,8 @@
               </p:nvSpPr>
               <p:spPr>
                 <a:xfrm>
-                  <a:off x="1774769" y="5862051"/>
-                  <a:ext cx="287258" cy="215444"/>
+                  <a:off x="1283279" y="5843001"/>
+                  <a:ext cx="801823" cy="215444"/>
                 </a:xfrm>
                 <a:prstGeom prst="rect">
                   <a:avLst/>
@@ -19017,13 +19014,10 @@
                   <a:r>
                     <a:rPr lang="fr-FR" sz="800" dirty="0">
                       <a:solidFill>
-                        <a:schemeClr val="accent1">
-                          <a:lumMod val="60000"/>
-                          <a:lumOff val="40000"/>
-                        </a:schemeClr>
+                        <a:srgbClr val="8FAADC"/>
                       </a:solidFill>
                     </a:rPr>
-                    <a:t>10</a:t>
+                    <a:t>[Niveau / 2 +5]</a:t>
                   </a:r>
                 </a:p>
               </p:txBody>
@@ -29335,15 +29329,18 @@
                 <a:effectLst/>
                 <a:latin typeface="Segoe UI" panose="020B0502040204020203" pitchFamily="34" charset="0"/>
               </a:rPr>
-              <a:t>β 1.1</a:t>
+              <a:t>β 1.</a:t>
             </a:r>
-            <a:endParaRPr lang="fr-FR" sz="1000" b="0" i="0" dirty="0">
-              <a:solidFill>
-                <a:srgbClr val="90A4AE"/>
-              </a:solidFill>
-              <a:effectLst/>
-              <a:latin typeface="Segoe UI" panose="020B0502040204020203" pitchFamily="34" charset="0"/>
-            </a:endParaRPr>
+            <a:r>
+              <a:rPr lang="fr-FR" sz="1000" b="0" i="0" dirty="0">
+                <a:solidFill>
+                  <a:srgbClr val="90A4AE"/>
+                </a:solidFill>
+                <a:effectLst/>
+                <a:latin typeface="Segoe UI" panose="020B0502040204020203" pitchFamily="34" charset="0"/>
+              </a:rPr>
+              <a:t>3</a:t>
+            </a:r>
           </a:p>
           <a:p>
             <a:pPr algn="ctr"/>
@@ -29354,7 +29351,7 @@
                 </a:solidFill>
                 <a:latin typeface="Segoe UI" panose="020B0502040204020203" pitchFamily="34" charset="0"/>
               </a:rPr>
-              <a:t>Version fiche personnage 1.0</a:t>
+              <a:t>Version fiche personnage 1.1</a:t>
             </a:r>
             <a:endParaRPr lang="fr-FR" sz="1000" dirty="0"/>
           </a:p>
@@ -40696,15 +40693,18 @@
                 <a:effectLst/>
                 <a:latin typeface="Segoe UI" panose="020B0502040204020203" pitchFamily="34" charset="0"/>
               </a:rPr>
-              <a:t>β 1.1</a:t>
+              <a:t>β 1.</a:t>
             </a:r>
-            <a:endParaRPr lang="fr-FR" sz="1000" b="0" i="0" dirty="0">
-              <a:solidFill>
-                <a:srgbClr val="90A4AE"/>
-              </a:solidFill>
-              <a:effectLst/>
-              <a:latin typeface="Segoe UI" panose="020B0502040204020203" pitchFamily="34" charset="0"/>
-            </a:endParaRPr>
+            <a:r>
+              <a:rPr lang="fr-FR" sz="1000" b="0" i="0" dirty="0">
+                <a:solidFill>
+                  <a:srgbClr val="90A4AE"/>
+                </a:solidFill>
+                <a:effectLst/>
+                <a:latin typeface="Segoe UI" panose="020B0502040204020203" pitchFamily="34" charset="0"/>
+              </a:rPr>
+              <a:t>3</a:t>
+            </a:r>
           </a:p>
           <a:p>
             <a:pPr algn="ctr"/>
@@ -40715,7 +40715,7 @@
                 </a:solidFill>
                 <a:latin typeface="Segoe UI" panose="020B0502040204020203" pitchFamily="34" charset="0"/>
               </a:rPr>
-              <a:t>Version fiche personnage 1.0</a:t>
+              <a:t>Version fiche personnage 1.1</a:t>
             </a:r>
             <a:endParaRPr lang="fr-FR" sz="1000" dirty="0"/>
           </a:p>

--- a/medias/help/fiche_perso.pptx
+++ b/medias/help/fiche_perso.pptx
@@ -244,7 +244,7 @@
           <a:p>
             <a:fld id="{73F300BA-884B-492F-9DA2-6FBA3E12B197}" type="datetimeFigureOut">
               <a:rPr lang="fr-FR" smtClean="0"/>
-              <a:t>28/02/2023</a:t>
+              <a:t>04/04/2023</a:t>
             </a:fld>
             <a:endParaRPr lang="fr-FR"/>
           </a:p>
@@ -414,7 +414,7 @@
           <a:p>
             <a:fld id="{73F300BA-884B-492F-9DA2-6FBA3E12B197}" type="datetimeFigureOut">
               <a:rPr lang="fr-FR" smtClean="0"/>
-              <a:t>28/02/2023</a:t>
+              <a:t>04/04/2023</a:t>
             </a:fld>
             <a:endParaRPr lang="fr-FR"/>
           </a:p>
@@ -594,7 +594,7 @@
           <a:p>
             <a:fld id="{73F300BA-884B-492F-9DA2-6FBA3E12B197}" type="datetimeFigureOut">
               <a:rPr lang="fr-FR" smtClean="0"/>
-              <a:t>28/02/2023</a:t>
+              <a:t>04/04/2023</a:t>
             </a:fld>
             <a:endParaRPr lang="fr-FR"/>
           </a:p>
@@ -764,7 +764,7 @@
           <a:p>
             <a:fld id="{73F300BA-884B-492F-9DA2-6FBA3E12B197}" type="datetimeFigureOut">
               <a:rPr lang="fr-FR" smtClean="0"/>
-              <a:t>28/02/2023</a:t>
+              <a:t>04/04/2023</a:t>
             </a:fld>
             <a:endParaRPr lang="fr-FR"/>
           </a:p>
@@ -1008,7 +1008,7 @@
           <a:p>
             <a:fld id="{73F300BA-884B-492F-9DA2-6FBA3E12B197}" type="datetimeFigureOut">
               <a:rPr lang="fr-FR" smtClean="0"/>
-              <a:t>28/02/2023</a:t>
+              <a:t>04/04/2023</a:t>
             </a:fld>
             <a:endParaRPr lang="fr-FR"/>
           </a:p>
@@ -1240,7 +1240,7 @@
           <a:p>
             <a:fld id="{73F300BA-884B-492F-9DA2-6FBA3E12B197}" type="datetimeFigureOut">
               <a:rPr lang="fr-FR" smtClean="0"/>
-              <a:t>28/02/2023</a:t>
+              <a:t>04/04/2023</a:t>
             </a:fld>
             <a:endParaRPr lang="fr-FR"/>
           </a:p>
@@ -1607,7 +1607,7 @@
           <a:p>
             <a:fld id="{73F300BA-884B-492F-9DA2-6FBA3E12B197}" type="datetimeFigureOut">
               <a:rPr lang="fr-FR" smtClean="0"/>
-              <a:t>28/02/2023</a:t>
+              <a:t>04/04/2023</a:t>
             </a:fld>
             <a:endParaRPr lang="fr-FR"/>
           </a:p>
@@ -1725,7 +1725,7 @@
           <a:p>
             <a:fld id="{73F300BA-884B-492F-9DA2-6FBA3E12B197}" type="datetimeFigureOut">
               <a:rPr lang="fr-FR" smtClean="0"/>
-              <a:t>28/02/2023</a:t>
+              <a:t>04/04/2023</a:t>
             </a:fld>
             <a:endParaRPr lang="fr-FR"/>
           </a:p>
@@ -1820,7 +1820,7 @@
           <a:p>
             <a:fld id="{73F300BA-884B-492F-9DA2-6FBA3E12B197}" type="datetimeFigureOut">
               <a:rPr lang="fr-FR" smtClean="0"/>
-              <a:t>28/02/2023</a:t>
+              <a:t>04/04/2023</a:t>
             </a:fld>
             <a:endParaRPr lang="fr-FR"/>
           </a:p>
@@ -2097,7 +2097,7 @@
           <a:p>
             <a:fld id="{73F300BA-884B-492F-9DA2-6FBA3E12B197}" type="datetimeFigureOut">
               <a:rPr lang="fr-FR" smtClean="0"/>
-              <a:t>28/02/2023</a:t>
+              <a:t>04/04/2023</a:t>
             </a:fld>
             <a:endParaRPr lang="fr-FR"/>
           </a:p>
@@ -2354,7 +2354,7 @@
           <a:p>
             <a:fld id="{73F300BA-884B-492F-9DA2-6FBA3E12B197}" type="datetimeFigureOut">
               <a:rPr lang="fr-FR" smtClean="0"/>
-              <a:t>28/02/2023</a:t>
+              <a:t>04/04/2023</a:t>
             </a:fld>
             <a:endParaRPr lang="fr-FR"/>
           </a:p>
@@ -2567,7 +2567,7 @@
           <a:p>
             <a:fld id="{73F300BA-884B-492F-9DA2-6FBA3E12B197}" type="datetimeFigureOut">
               <a:rPr lang="fr-FR" smtClean="0"/>
-              <a:t>28/02/2023</a:t>
+              <a:t>04/04/2023</a:t>
             </a:fld>
             <a:endParaRPr lang="fr-FR"/>
           </a:p>
@@ -6189,8 +6189,8 @@
         </p:blipFill>
         <p:spPr bwMode="auto">
           <a:xfrm>
-            <a:off x="8167043" y="11827691"/>
-            <a:ext cx="1127991" cy="625388"/>
+            <a:off x="8303592" y="11959727"/>
+            <a:ext cx="889842" cy="493352"/>
           </a:xfrm>
           <a:prstGeom prst="rect">
             <a:avLst/>
@@ -7918,639 +7918,6 @@
             </p:txBody>
           </p:sp>
         </p:grpSp>
-      </p:grpSp>
-      <p:grpSp>
-        <p:nvGrpSpPr>
-          <p:cNvPr id="109" name="Groupe 108">
-            <a:extLst>
-              <a:ext uri="{FF2B5EF4-FFF2-40B4-BE49-F238E27FC236}">
-                <a16:creationId xmlns:a16="http://schemas.microsoft.com/office/drawing/2014/main" id="{D68CC80F-6095-49B7-9323-BF6340832E93}"/>
-              </a:ext>
-            </a:extLst>
-          </p:cNvPr>
-          <p:cNvGrpSpPr/>
-          <p:nvPr/>
-        </p:nvGrpSpPr>
-        <p:grpSpPr>
-          <a:xfrm>
-            <a:off x="7767742" y="2064804"/>
-            <a:ext cx="1600717" cy="1200514"/>
-            <a:chOff x="2255003" y="3635706"/>
-            <a:chExt cx="1600717" cy="1200514"/>
-          </a:xfrm>
-        </p:grpSpPr>
-        <p:grpSp>
-          <p:nvGrpSpPr>
-            <p:cNvPr id="99" name="Groupe 98">
-              <a:extLst>
-                <a:ext uri="{FF2B5EF4-FFF2-40B4-BE49-F238E27FC236}">
-                  <a16:creationId xmlns:a16="http://schemas.microsoft.com/office/drawing/2014/main" id="{5FC27AB8-C388-4A3D-97D1-A2FA8985B915}"/>
-                </a:ext>
-              </a:extLst>
-            </p:cNvPr>
-            <p:cNvGrpSpPr/>
-            <p:nvPr/>
-          </p:nvGrpSpPr>
-          <p:grpSpPr>
-            <a:xfrm>
-              <a:off x="2276455" y="3972857"/>
-              <a:ext cx="1579265" cy="863363"/>
-              <a:chOff x="2084666" y="4211556"/>
-              <a:chExt cx="1118224" cy="863363"/>
-            </a:xfrm>
-          </p:grpSpPr>
-          <p:grpSp>
-            <p:nvGrpSpPr>
-              <p:cNvPr id="95" name="Groupe 94">
-                <a:extLst>
-                  <a:ext uri="{FF2B5EF4-FFF2-40B4-BE49-F238E27FC236}">
-                    <a16:creationId xmlns:a16="http://schemas.microsoft.com/office/drawing/2014/main" id="{017F1504-3B83-41C4-954F-CC64E50F6554}"/>
-                  </a:ext>
-                </a:extLst>
-              </p:cNvPr>
-              <p:cNvGrpSpPr/>
-              <p:nvPr/>
-            </p:nvGrpSpPr>
-            <p:grpSpPr>
-              <a:xfrm>
-                <a:off x="2084666" y="4211556"/>
-                <a:ext cx="1118224" cy="863363"/>
-                <a:chOff x="4011" y="0"/>
-                <a:chExt cx="1716367" cy="281354"/>
-              </a:xfrm>
-            </p:grpSpPr>
-            <p:sp>
-              <p:nvSpPr>
-                <p:cNvPr id="96" name="Rectangle : coins arrondis 95">
-                  <a:extLst>
-                    <a:ext uri="{FF2B5EF4-FFF2-40B4-BE49-F238E27FC236}">
-                      <a16:creationId xmlns:a16="http://schemas.microsoft.com/office/drawing/2014/main" id="{7984ECD9-EE00-40B9-BD3E-D662517D0D41}"/>
-                    </a:ext>
-                  </a:extLst>
-                </p:cNvPr>
-                <p:cNvSpPr/>
-                <p:nvPr/>
-              </p:nvSpPr>
-              <p:spPr>
-                <a:xfrm>
-                  <a:off x="4011" y="0"/>
-                  <a:ext cx="1716367" cy="281354"/>
-                </a:xfrm>
-                <a:prstGeom prst="roundRect">
-                  <a:avLst/>
-                </a:prstGeom>
-                <a:solidFill>
-                  <a:schemeClr val="accent2">
-                    <a:lumMod val="20000"/>
-                    <a:lumOff val="80000"/>
-                  </a:schemeClr>
-                </a:solidFill>
-                <a:ln>
-                  <a:solidFill>
-                    <a:schemeClr val="accent2">
-                      <a:lumMod val="50000"/>
-                    </a:schemeClr>
-                  </a:solidFill>
-                </a:ln>
-              </p:spPr>
-              <p:style>
-                <a:lnRef idx="2">
-                  <a:schemeClr val="accent1">
-                    <a:shade val="50000"/>
-                  </a:schemeClr>
-                </a:lnRef>
-                <a:fillRef idx="1">
-                  <a:schemeClr val="accent1"/>
-                </a:fillRef>
-                <a:effectRef idx="0">
-                  <a:schemeClr val="accent1"/>
-                </a:effectRef>
-                <a:fontRef idx="minor">
-                  <a:schemeClr val="lt1"/>
-                </a:fontRef>
-              </p:style>
-              <p:txBody>
-                <a:bodyPr rot="0" spcFirstLastPara="0" vert="horz" wrap="square" lIns="91440" tIns="45720" rIns="91440" bIns="45720" numCol="1" spcCol="0" rtlCol="0" fromWordArt="0" anchor="ctr" anchorCtr="0" forceAA="0" compatLnSpc="1">
-                  <a:prstTxWarp prst="textNoShape">
-                    <a:avLst/>
-                  </a:prstTxWarp>
-                  <a:noAutofit/>
-                </a:bodyPr>
-                <a:lstStyle/>
-                <a:p>
-                  <a:pPr algn="ctr">
-                    <a:lnSpc>
-                      <a:spcPct val="107000"/>
-                    </a:lnSpc>
-                    <a:spcAft>
-                      <a:spcPts val="800"/>
-                    </a:spcAft>
-                  </a:pPr>
-                  <a:r>
-                    <a:rPr lang="fr-FR" sz="700" dirty="0">
-                      <a:solidFill>
-                        <a:srgbClr val="00695C"/>
-                      </a:solidFill>
-                      <a:effectLst/>
-                      <a:ea typeface="Calibri" panose="020F0502020204030204" pitchFamily="34" charset="0"/>
-                      <a:cs typeface="Times New Roman" panose="02020603050405020304" pitchFamily="18" charset="0"/>
-                    </a:rPr>
-                    <a:t> </a:t>
-                  </a:r>
-                  <a:r>
-                    <a:rPr lang="fr-FR" sz="2800" b="1" dirty="0">
-                      <a:solidFill>
-                        <a:schemeClr val="accent2">
-                          <a:lumMod val="50000"/>
-                        </a:schemeClr>
-                      </a:solidFill>
-                      <a:effectLst/>
-                      <a:ea typeface="Calibri" panose="020F0502020204030204" pitchFamily="34" charset="0"/>
-                      <a:cs typeface="Times New Roman" panose="02020603050405020304" pitchFamily="18" charset="0"/>
-                    </a:rPr>
-                    <a:t>/</a:t>
-                  </a:r>
-                  <a:endParaRPr lang="fr-FR" sz="1400" b="1" dirty="0">
-                    <a:solidFill>
-                      <a:schemeClr val="accent2">
-                        <a:lumMod val="50000"/>
-                      </a:schemeClr>
-                    </a:solidFill>
-                    <a:effectLst/>
-                    <a:ea typeface="Calibri" panose="020F0502020204030204" pitchFamily="34" charset="0"/>
-                    <a:cs typeface="Times New Roman" panose="02020603050405020304" pitchFamily="18" charset="0"/>
-                  </a:endParaRPr>
-                </a:p>
-              </p:txBody>
-            </p:sp>
-            <p:sp>
-              <p:nvSpPr>
-                <p:cNvPr id="97" name="Zone de texte 8">
-                  <a:extLst>
-                    <a:ext uri="{FF2B5EF4-FFF2-40B4-BE49-F238E27FC236}">
-                      <a16:creationId xmlns:a16="http://schemas.microsoft.com/office/drawing/2014/main" id="{ECA0706B-F61A-4BC0-AC70-407C9B775BE5}"/>
-                    </a:ext>
-                  </a:extLst>
-                </p:cNvPr>
-                <p:cNvSpPr txBox="1"/>
-                <p:nvPr/>
-              </p:nvSpPr>
-              <p:spPr>
-                <a:xfrm>
-                  <a:off x="88060" y="0"/>
-                  <a:ext cx="683946" cy="115387"/>
-                </a:xfrm>
-                <a:prstGeom prst="rect">
-                  <a:avLst/>
-                </a:prstGeom>
-                <a:noFill/>
-                <a:ln w="6350">
-                  <a:noFill/>
-                </a:ln>
-              </p:spPr>
-              <p:txBody>
-                <a:bodyPr rot="0" spcFirstLastPara="0" vert="horz" wrap="square" lIns="91440" tIns="45720" rIns="91440" bIns="45720" numCol="1" spcCol="0" rtlCol="0" fromWordArt="0" anchor="t" anchorCtr="0" forceAA="0" compatLnSpc="1">
-                  <a:prstTxWarp prst="textNoShape">
-                    <a:avLst/>
-                  </a:prstTxWarp>
-                  <a:noAutofit/>
-                </a:bodyPr>
-                <a:lstStyle/>
-                <a:p>
-                  <a:pPr>
-                    <a:lnSpc>
-                      <a:spcPct val="107000"/>
-                    </a:lnSpc>
-                    <a:spcAft>
-                      <a:spcPts val="800"/>
-                    </a:spcAft>
-                  </a:pPr>
-                  <a:r>
-                    <a:rPr lang="fr-FR" sz="1200" dirty="0">
-                      <a:solidFill>
-                        <a:schemeClr val="accent2">
-                          <a:lumMod val="50000"/>
-                        </a:schemeClr>
-                      </a:solidFill>
-                      <a:latin typeface="Calibri" panose="020F0502020204030204" pitchFamily="34" charset="0"/>
-                      <a:ea typeface="Calibri" panose="020F0502020204030204" pitchFamily="34" charset="0"/>
-                      <a:cs typeface="Times New Roman" panose="02020603050405020304" pitchFamily="18" charset="0"/>
-                    </a:rPr>
-                    <a:t>Actuel</a:t>
-                  </a:r>
-                  <a:endParaRPr lang="fr-FR" sz="2400" dirty="0">
-                    <a:solidFill>
-                      <a:schemeClr val="accent2">
-                        <a:lumMod val="50000"/>
-                      </a:schemeClr>
-                    </a:solidFill>
-                    <a:effectLst/>
-                    <a:latin typeface="Calibri" panose="020F0502020204030204" pitchFamily="34" charset="0"/>
-                    <a:ea typeface="Calibri" panose="020F0502020204030204" pitchFamily="34" charset="0"/>
-                    <a:cs typeface="Times New Roman" panose="02020603050405020304" pitchFamily="18" charset="0"/>
-                  </a:endParaRPr>
-                </a:p>
-              </p:txBody>
-            </p:sp>
-          </p:grpSp>
-          <p:sp>
-            <p:nvSpPr>
-              <p:cNvPr id="98" name="Zone de texte 8">
-                <a:extLst>
-                  <a:ext uri="{FF2B5EF4-FFF2-40B4-BE49-F238E27FC236}">
-                    <a16:creationId xmlns:a16="http://schemas.microsoft.com/office/drawing/2014/main" id="{735A5408-7CD3-4587-8418-33555B67C36F}"/>
-                  </a:ext>
-                </a:extLst>
-              </p:cNvPr>
-              <p:cNvSpPr txBox="1"/>
-              <p:nvPr/>
-            </p:nvSpPr>
-            <p:spPr>
-              <a:xfrm>
-                <a:off x="2759129" y="4216874"/>
-                <a:ext cx="386975" cy="354078"/>
-              </a:xfrm>
-              <a:prstGeom prst="rect">
-                <a:avLst/>
-              </a:prstGeom>
-              <a:noFill/>
-              <a:ln w="6350">
-                <a:noFill/>
-              </a:ln>
-            </p:spPr>
-            <p:txBody>
-              <a:bodyPr rot="0" spcFirstLastPara="0" vert="horz" wrap="square" lIns="91440" tIns="45720" rIns="91440" bIns="45720" numCol="1" spcCol="0" rtlCol="0" fromWordArt="0" anchor="t" anchorCtr="0" forceAA="0" compatLnSpc="1">
-                <a:prstTxWarp prst="textNoShape">
-                  <a:avLst/>
-                </a:prstTxWarp>
-                <a:noAutofit/>
-              </a:bodyPr>
-              <a:lstStyle/>
-              <a:p>
-                <a:pPr algn="r">
-                  <a:lnSpc>
-                    <a:spcPct val="107000"/>
-                  </a:lnSpc>
-                  <a:spcAft>
-                    <a:spcPts val="800"/>
-                  </a:spcAft>
-                </a:pPr>
-                <a:r>
-                  <a:rPr lang="fr-FR" sz="1200" dirty="0">
-                    <a:solidFill>
-                      <a:schemeClr val="accent2">
-                        <a:lumMod val="50000"/>
-                      </a:schemeClr>
-                    </a:solidFill>
-                    <a:latin typeface="Calibri" panose="020F0502020204030204" pitchFamily="34" charset="0"/>
-                    <a:ea typeface="Calibri" panose="020F0502020204030204" pitchFamily="34" charset="0"/>
-                    <a:cs typeface="Times New Roman" panose="02020603050405020304" pitchFamily="18" charset="0"/>
-                  </a:rPr>
-                  <a:t>Max</a:t>
-                </a:r>
-                <a:endParaRPr lang="fr-FR" sz="2400" dirty="0">
-                  <a:solidFill>
-                    <a:schemeClr val="accent2">
-                      <a:lumMod val="50000"/>
-                    </a:schemeClr>
-                  </a:solidFill>
-                  <a:effectLst/>
-                  <a:latin typeface="Calibri" panose="020F0502020204030204" pitchFamily="34" charset="0"/>
-                  <a:ea typeface="Calibri" panose="020F0502020204030204" pitchFamily="34" charset="0"/>
-                  <a:cs typeface="Times New Roman" panose="02020603050405020304" pitchFamily="18" charset="0"/>
-                </a:endParaRPr>
-              </a:p>
-            </p:txBody>
-          </p:sp>
-        </p:grpSp>
-        <p:sp>
-          <p:nvSpPr>
-            <p:cNvPr id="106" name="ZoneTexte 105">
-              <a:extLst>
-                <a:ext uri="{FF2B5EF4-FFF2-40B4-BE49-F238E27FC236}">
-                  <a16:creationId xmlns:a16="http://schemas.microsoft.com/office/drawing/2014/main" id="{27115ACB-8FBB-45D7-BC5E-8A6C1D9C7461}"/>
-                </a:ext>
-              </a:extLst>
-            </p:cNvPr>
-            <p:cNvSpPr txBox="1"/>
-            <p:nvPr/>
-          </p:nvSpPr>
-          <p:spPr>
-            <a:xfrm>
-              <a:off x="2255003" y="3635706"/>
-              <a:ext cx="1579265" cy="369332"/>
-            </a:xfrm>
-            <a:prstGeom prst="rect">
-              <a:avLst/>
-            </a:prstGeom>
-            <a:noFill/>
-          </p:spPr>
-          <p:txBody>
-            <a:bodyPr wrap="square" rtlCol="0">
-              <a:spAutoFit/>
-            </a:bodyPr>
-            <a:lstStyle/>
-            <a:p>
-              <a:pPr algn="ctr"/>
-              <a:r>
-                <a:rPr lang="fr-FR" dirty="0">
-                  <a:solidFill>
-                    <a:schemeClr val="accent2">
-                      <a:lumMod val="50000"/>
-                    </a:schemeClr>
-                  </a:solidFill>
-                </a:rPr>
-                <a:t>Points de vie</a:t>
-              </a:r>
-            </a:p>
-          </p:txBody>
-        </p:sp>
-      </p:grpSp>
-      <p:grpSp>
-        <p:nvGrpSpPr>
-          <p:cNvPr id="108" name="Groupe 107">
-            <a:extLst>
-              <a:ext uri="{FF2B5EF4-FFF2-40B4-BE49-F238E27FC236}">
-                <a16:creationId xmlns:a16="http://schemas.microsoft.com/office/drawing/2014/main" id="{0FE13280-52BA-4512-9726-C8C337E4C492}"/>
-              </a:ext>
-            </a:extLst>
-          </p:cNvPr>
-          <p:cNvGrpSpPr/>
-          <p:nvPr/>
-        </p:nvGrpSpPr>
-        <p:grpSpPr>
-          <a:xfrm>
-            <a:off x="7789194" y="3539438"/>
-            <a:ext cx="1579265" cy="894463"/>
-            <a:chOff x="2276455" y="4896980"/>
-            <a:chExt cx="1579265" cy="894463"/>
-          </a:xfrm>
-        </p:grpSpPr>
-        <p:sp>
-          <p:nvSpPr>
-            <p:cNvPr id="104" name="Rectangle : coins arrondis 103">
-              <a:extLst>
-                <a:ext uri="{FF2B5EF4-FFF2-40B4-BE49-F238E27FC236}">
-                  <a16:creationId xmlns:a16="http://schemas.microsoft.com/office/drawing/2014/main" id="{B1E01E29-5C04-42B0-AE65-05B3FA731881}"/>
-                </a:ext>
-              </a:extLst>
-            </p:cNvPr>
-            <p:cNvSpPr/>
-            <p:nvPr/>
-          </p:nvSpPr>
-          <p:spPr>
-            <a:xfrm>
-              <a:off x="2276455" y="5183176"/>
-              <a:ext cx="1579265" cy="608267"/>
-            </a:xfrm>
-            <a:prstGeom prst="roundRect">
-              <a:avLst/>
-            </a:prstGeom>
-            <a:solidFill>
-              <a:schemeClr val="tx2">
-                <a:lumMod val="20000"/>
-                <a:lumOff val="80000"/>
-              </a:schemeClr>
-            </a:solidFill>
-            <a:ln>
-              <a:solidFill>
-                <a:schemeClr val="tx2">
-                  <a:lumMod val="75000"/>
-                </a:schemeClr>
-              </a:solidFill>
-            </a:ln>
-          </p:spPr>
-          <p:style>
-            <a:lnRef idx="2">
-              <a:schemeClr val="accent1">
-                <a:shade val="50000"/>
-              </a:schemeClr>
-            </a:lnRef>
-            <a:fillRef idx="1">
-              <a:schemeClr val="accent1"/>
-            </a:fillRef>
-            <a:effectRef idx="0">
-              <a:schemeClr val="accent1"/>
-            </a:effectRef>
-            <a:fontRef idx="minor">
-              <a:schemeClr val="lt1"/>
-            </a:fontRef>
-          </p:style>
-          <p:txBody>
-            <a:bodyPr rot="0" spcFirstLastPara="0" vert="horz" wrap="square" lIns="91440" tIns="45720" rIns="91440" bIns="45720" numCol="1" spcCol="0" rtlCol="0" fromWordArt="0" anchor="ctr" anchorCtr="0" forceAA="0" compatLnSpc="1">
-              <a:prstTxWarp prst="textNoShape">
-                <a:avLst/>
-              </a:prstTxWarp>
-              <a:noAutofit/>
-            </a:bodyPr>
-            <a:lstStyle/>
-            <a:p>
-              <a:pPr algn="ctr">
-                <a:lnSpc>
-                  <a:spcPct val="107000"/>
-                </a:lnSpc>
-                <a:spcAft>
-                  <a:spcPts val="800"/>
-                </a:spcAft>
-              </a:pPr>
-              <a:endParaRPr lang="fr-FR" sz="1400" b="1" dirty="0">
-                <a:solidFill>
-                  <a:schemeClr val="accent2">
-                    <a:lumMod val="50000"/>
-                  </a:schemeClr>
-                </a:solidFill>
-                <a:effectLst/>
-                <a:ea typeface="Calibri" panose="020F0502020204030204" pitchFamily="34" charset="0"/>
-                <a:cs typeface="Times New Roman" panose="02020603050405020304" pitchFamily="18" charset="0"/>
-              </a:endParaRPr>
-            </a:p>
-          </p:txBody>
-        </p:sp>
-        <p:sp>
-          <p:nvSpPr>
-            <p:cNvPr id="107" name="ZoneTexte 106">
-              <a:extLst>
-                <a:ext uri="{FF2B5EF4-FFF2-40B4-BE49-F238E27FC236}">
-                  <a16:creationId xmlns:a16="http://schemas.microsoft.com/office/drawing/2014/main" id="{835BD753-2EA0-4E21-BCCE-797BFCD5C6AC}"/>
-                </a:ext>
-              </a:extLst>
-            </p:cNvPr>
-            <p:cNvSpPr txBox="1"/>
-            <p:nvPr/>
-          </p:nvSpPr>
-          <p:spPr>
-            <a:xfrm>
-              <a:off x="2356479" y="4896980"/>
-              <a:ext cx="1421731" cy="276999"/>
-            </a:xfrm>
-            <a:prstGeom prst="rect">
-              <a:avLst/>
-            </a:prstGeom>
-            <a:noFill/>
-          </p:spPr>
-          <p:txBody>
-            <a:bodyPr wrap="square" rtlCol="0">
-              <a:spAutoFit/>
-            </a:bodyPr>
-            <a:lstStyle/>
-            <a:p>
-              <a:pPr algn="ctr"/>
-              <a:r>
-                <a:rPr lang="fr-FR" sz="1200" dirty="0">
-                  <a:solidFill>
-                    <a:schemeClr val="tx2">
-                      <a:lumMod val="75000"/>
-                    </a:schemeClr>
-                  </a:solidFill>
-                </a:rPr>
-                <a:t>Points de boucliers</a:t>
-              </a:r>
-            </a:p>
-          </p:txBody>
-        </p:sp>
-      </p:grpSp>
-      <p:grpSp>
-        <p:nvGrpSpPr>
-          <p:cNvPr id="110" name="Groupe 109">
-            <a:extLst>
-              <a:ext uri="{FF2B5EF4-FFF2-40B4-BE49-F238E27FC236}">
-                <a16:creationId xmlns:a16="http://schemas.microsoft.com/office/drawing/2014/main" id="{C1FB9031-E2AD-4716-B9C7-D5E28DB966B1}"/>
-              </a:ext>
-            </a:extLst>
-          </p:cNvPr>
-          <p:cNvGrpSpPr/>
-          <p:nvPr/>
-        </p:nvGrpSpPr>
-        <p:grpSpPr>
-          <a:xfrm>
-            <a:off x="7641539" y="4424107"/>
-            <a:ext cx="1806944" cy="894463"/>
-            <a:chOff x="2128801" y="4896980"/>
-            <a:chExt cx="1806944" cy="894463"/>
-          </a:xfrm>
-        </p:grpSpPr>
-        <p:sp>
-          <p:nvSpPr>
-            <p:cNvPr id="111" name="Rectangle : coins arrondis 110">
-              <a:extLst>
-                <a:ext uri="{FF2B5EF4-FFF2-40B4-BE49-F238E27FC236}">
-                  <a16:creationId xmlns:a16="http://schemas.microsoft.com/office/drawing/2014/main" id="{5EFEEEA5-ABF2-4665-911D-E54CE1693B35}"/>
-                </a:ext>
-              </a:extLst>
-            </p:cNvPr>
-            <p:cNvSpPr/>
-            <p:nvPr/>
-          </p:nvSpPr>
-          <p:spPr>
-            <a:xfrm>
-              <a:off x="2276455" y="5183176"/>
-              <a:ext cx="1579265" cy="608267"/>
-            </a:xfrm>
-            <a:prstGeom prst="roundRect">
-              <a:avLst/>
-            </a:prstGeom>
-            <a:solidFill>
-              <a:schemeClr val="accent4">
-                <a:lumMod val="20000"/>
-                <a:lumOff val="80000"/>
-              </a:schemeClr>
-            </a:solidFill>
-            <a:ln>
-              <a:solidFill>
-                <a:schemeClr val="accent4">
-                  <a:lumMod val="50000"/>
-                </a:schemeClr>
-              </a:solidFill>
-            </a:ln>
-          </p:spPr>
-          <p:style>
-            <a:lnRef idx="2">
-              <a:schemeClr val="accent1">
-                <a:shade val="50000"/>
-              </a:schemeClr>
-            </a:lnRef>
-            <a:fillRef idx="1">
-              <a:schemeClr val="accent1"/>
-            </a:fillRef>
-            <a:effectRef idx="0">
-              <a:schemeClr val="accent1"/>
-            </a:effectRef>
-            <a:fontRef idx="minor">
-              <a:schemeClr val="lt1"/>
-            </a:fontRef>
-          </p:style>
-          <p:txBody>
-            <a:bodyPr rot="0" spcFirstLastPara="0" vert="horz" wrap="square" lIns="91440" tIns="45720" rIns="91440" bIns="45720" numCol="1" spcCol="0" rtlCol="0" fromWordArt="0" anchor="ctr" anchorCtr="0" forceAA="0" compatLnSpc="1">
-              <a:prstTxWarp prst="textNoShape">
-                <a:avLst/>
-              </a:prstTxWarp>
-              <a:noAutofit/>
-            </a:bodyPr>
-            <a:lstStyle/>
-            <a:p>
-              <a:pPr algn="ctr">
-                <a:lnSpc>
-                  <a:spcPct val="107000"/>
-                </a:lnSpc>
-                <a:spcAft>
-                  <a:spcPts val="800"/>
-                </a:spcAft>
-              </a:pPr>
-              <a:endParaRPr lang="fr-FR" sz="1400" b="1" dirty="0">
-                <a:solidFill>
-                  <a:schemeClr val="accent2">
-                    <a:lumMod val="50000"/>
-                  </a:schemeClr>
-                </a:solidFill>
-                <a:effectLst/>
-                <a:ea typeface="Calibri" panose="020F0502020204030204" pitchFamily="34" charset="0"/>
-                <a:cs typeface="Times New Roman" panose="02020603050405020304" pitchFamily="18" charset="0"/>
-              </a:endParaRPr>
-            </a:p>
-          </p:txBody>
-        </p:sp>
-        <p:sp>
-          <p:nvSpPr>
-            <p:cNvPr id="112" name="ZoneTexte 111">
-              <a:extLst>
-                <a:ext uri="{FF2B5EF4-FFF2-40B4-BE49-F238E27FC236}">
-                  <a16:creationId xmlns:a16="http://schemas.microsoft.com/office/drawing/2014/main" id="{8906B582-441B-4B99-96EC-9E9A96F39ED5}"/>
-                </a:ext>
-              </a:extLst>
-            </p:cNvPr>
-            <p:cNvSpPr txBox="1"/>
-            <p:nvPr/>
-          </p:nvSpPr>
-          <p:spPr>
-            <a:xfrm>
-              <a:off x="2128801" y="4896980"/>
-              <a:ext cx="1806944" cy="276999"/>
-            </a:xfrm>
-            <a:prstGeom prst="rect">
-              <a:avLst/>
-            </a:prstGeom>
-            <a:noFill/>
-          </p:spPr>
-          <p:txBody>
-            <a:bodyPr wrap="square" rtlCol="0">
-              <a:spAutoFit/>
-            </a:bodyPr>
-            <a:lstStyle/>
-            <a:p>
-              <a:pPr algn="ctr"/>
-              <a:r>
-                <a:rPr lang="fr-FR" sz="1200" dirty="0">
-                  <a:solidFill>
-                    <a:schemeClr val="accent4">
-                      <a:lumMod val="50000"/>
-                    </a:schemeClr>
-                  </a:solidFill>
-                </a:rPr>
-                <a:t>Points de vie temporaire</a:t>
-              </a:r>
-            </a:p>
-          </p:txBody>
-        </p:sp>
       </p:grpSp>
       <p:grpSp>
         <p:nvGrpSpPr>
@@ -19531,144 +18898,6 @@
       </p:sp>
       <p:sp>
         <p:nvSpPr>
-          <p:cNvPr id="390" name="Zone de texte 80">
-            <a:extLst>
-              <a:ext uri="{FF2B5EF4-FFF2-40B4-BE49-F238E27FC236}">
-                <a16:creationId xmlns:a16="http://schemas.microsoft.com/office/drawing/2014/main" id="{309B032C-FF8E-4C91-95F8-4D54B5F88D17}"/>
-              </a:ext>
-            </a:extLst>
-          </p:cNvPr>
-          <p:cNvSpPr txBox="1"/>
-          <p:nvPr/>
-        </p:nvSpPr>
-        <p:spPr>
-          <a:xfrm>
-            <a:off x="7810646" y="3228780"/>
-            <a:ext cx="1579265" cy="293622"/>
-          </a:xfrm>
-          <a:prstGeom prst="rect">
-            <a:avLst/>
-          </a:prstGeom>
-          <a:noFill/>
-          <a:ln w="6350">
-            <a:noFill/>
-          </a:ln>
-        </p:spPr>
-        <p:txBody>
-          <a:bodyPr rot="0" spcFirstLastPara="0" vert="horz" wrap="none" lIns="91440" tIns="45720" rIns="91440" bIns="45720" numCol="1" spcCol="0" rtlCol="0" fromWordArt="0" anchor="t" anchorCtr="0" forceAA="0" compatLnSpc="1">
-            <a:prstTxWarp prst="textNoShape">
-              <a:avLst/>
-            </a:prstTxWarp>
-            <a:noAutofit/>
-          </a:bodyPr>
-          <a:lstStyle/>
-          <a:p>
-            <a:pPr algn="ctr"/>
-            <a:r>
-              <a:rPr lang="fr-FR" sz="800" dirty="0">
-                <a:solidFill>
-                  <a:srgbClr val="BFBFBF"/>
-                </a:solidFill>
-                <a:effectLst/>
-                <a:latin typeface="Segoe UI Semibold" panose="020B0702040204020203" pitchFamily="34" charset="0"/>
-                <a:ea typeface="Calibri" panose="020F0502020204030204" pitchFamily="34" charset="0"/>
-                <a:cs typeface="Times New Roman" panose="02020603050405020304" pitchFamily="18" charset="0"/>
-              </a:rPr>
-              <a:t>[</a:t>
-            </a:r>
-            <a:r>
-              <a:rPr lang="fr-FR" sz="800" dirty="0">
-                <a:solidFill>
-                  <a:srgbClr val="BFBFBF"/>
-                </a:solidFill>
-                <a:latin typeface="Segoe UI Semibold" panose="020B0702040204020203" pitchFamily="34" charset="0"/>
-                <a:ea typeface="Calibri" panose="020F0502020204030204" pitchFamily="34" charset="0"/>
-                <a:cs typeface="Times New Roman" panose="02020603050405020304" pitchFamily="18" charset="0"/>
-              </a:rPr>
-              <a:t>Jet de classe dépendant du niveau</a:t>
-            </a:r>
-          </a:p>
-          <a:p>
-            <a:pPr algn="ctr"/>
-            <a:r>
-              <a:rPr lang="fr-FR" sz="800" dirty="0">
-                <a:solidFill>
-                  <a:srgbClr val="BFBFBF"/>
-                </a:solidFill>
-                <a:latin typeface="Segoe UI Semibold" panose="020B0702040204020203" pitchFamily="34" charset="0"/>
-                <a:ea typeface="Calibri" panose="020F0502020204030204" pitchFamily="34" charset="0"/>
-                <a:cs typeface="Times New Roman" panose="02020603050405020304" pitchFamily="18" charset="0"/>
-              </a:rPr>
-              <a:t>+ </a:t>
-            </a:r>
-            <a:r>
-              <a:rPr lang="fr-FR" sz="800" dirty="0">
-                <a:solidFill>
-                  <a:srgbClr val="BFBFBF"/>
-                </a:solidFill>
-                <a:effectLst/>
-                <a:latin typeface="Segoe UI Semibold" panose="020B0702040204020203" pitchFamily="34" charset="0"/>
-                <a:ea typeface="Calibri" panose="020F0502020204030204" pitchFamily="34" charset="0"/>
-                <a:cs typeface="Times New Roman" panose="02020603050405020304" pitchFamily="18" charset="0"/>
-              </a:rPr>
-              <a:t>Vitalité +</a:t>
-            </a:r>
-            <a:r>
-              <a:rPr lang="fr-FR" sz="800" dirty="0">
-                <a:solidFill>
-                  <a:srgbClr val="BFBFBF"/>
-                </a:solidFill>
-                <a:latin typeface="Segoe UI Semibold" panose="020B0702040204020203" pitchFamily="34" charset="0"/>
-                <a:ea typeface="Calibri" panose="020F0502020204030204" pitchFamily="34" charset="0"/>
-                <a:cs typeface="Times New Roman" panose="02020603050405020304" pitchFamily="18" charset="0"/>
-              </a:rPr>
-              <a:t> </a:t>
-            </a:r>
-            <a:r>
-              <a:rPr lang="fr-FR" sz="800" dirty="0" err="1">
-                <a:solidFill>
-                  <a:srgbClr val="BFBFBF"/>
-                </a:solidFill>
-                <a:latin typeface="Segoe UI Semibold" panose="020B0702040204020203" pitchFamily="34" charset="0"/>
-                <a:ea typeface="Calibri" panose="020F0502020204030204" pitchFamily="34" charset="0"/>
-                <a:cs typeface="Times New Roman" panose="02020603050405020304" pitchFamily="18" charset="0"/>
-              </a:rPr>
-              <a:t>equip</a:t>
-            </a:r>
-            <a:r>
-              <a:rPr lang="fr-FR" sz="800" dirty="0">
-                <a:solidFill>
-                  <a:srgbClr val="BFBFBF"/>
-                </a:solidFill>
-                <a:latin typeface="Segoe UI Semibold" panose="020B0702040204020203" pitchFamily="34" charset="0"/>
-                <a:ea typeface="Calibri" panose="020F0502020204030204" pitchFamily="34" charset="0"/>
-                <a:cs typeface="Times New Roman" panose="02020603050405020304" pitchFamily="18" charset="0"/>
-              </a:rPr>
-              <a:t>.</a:t>
-            </a:r>
-            <a:r>
-              <a:rPr lang="fr-FR" sz="800" dirty="0">
-                <a:solidFill>
-                  <a:srgbClr val="BFBFBF"/>
-                </a:solidFill>
-                <a:effectLst/>
-                <a:latin typeface="Segoe UI Semibold" panose="020B0702040204020203" pitchFamily="34" charset="0"/>
-                <a:ea typeface="Calibri" panose="020F0502020204030204" pitchFamily="34" charset="0"/>
-                <a:cs typeface="Times New Roman" panose="02020603050405020304" pitchFamily="18" charset="0"/>
-              </a:rPr>
-              <a:t>]</a:t>
-            </a:r>
-            <a:endParaRPr lang="fr-FR" sz="1600" dirty="0">
-              <a:effectLst/>
-              <a:latin typeface="Calibri" panose="020F0502020204030204" pitchFamily="34" charset="0"/>
-              <a:ea typeface="Calibri" panose="020F0502020204030204" pitchFamily="34" charset="0"/>
-              <a:cs typeface="Times New Roman" panose="02020603050405020304" pitchFamily="18" charset="0"/>
-            </a:endParaRPr>
-          </a:p>
-        </p:txBody>
-      </p:sp>
-      <p:sp>
-        <p:nvSpPr>
           <p:cNvPr id="400" name="Zone de texte 80">
             <a:extLst>
               <a:ext uri="{FF2B5EF4-FFF2-40B4-BE49-F238E27FC236}">
@@ -19897,103 +19126,6 @@
               </a:rPr>
               <a:t>6</a:t>
             </a:r>
-          </a:p>
-        </p:txBody>
-      </p:sp>
-      <p:sp>
-        <p:nvSpPr>
-          <p:cNvPr id="441" name="Zone de texte 80">
-            <a:extLst>
-              <a:ext uri="{FF2B5EF4-FFF2-40B4-BE49-F238E27FC236}">
-                <a16:creationId xmlns:a16="http://schemas.microsoft.com/office/drawing/2014/main" id="{12376C06-21FF-44B0-B578-E3C1FB520796}"/>
-              </a:ext>
-            </a:extLst>
-          </p:cNvPr>
-          <p:cNvSpPr txBox="1"/>
-          <p:nvPr/>
-        </p:nvSpPr>
-        <p:spPr>
-          <a:xfrm rot="16200000">
-            <a:off x="9087907" y="10374295"/>
-            <a:ext cx="695585" cy="209550"/>
-          </a:xfrm>
-          <a:prstGeom prst="rect">
-            <a:avLst/>
-          </a:prstGeom>
-          <a:noFill/>
-          <a:ln w="6350">
-            <a:noFill/>
-          </a:ln>
-        </p:spPr>
-        <p:txBody>
-          <a:bodyPr rot="0" spcFirstLastPara="0" vert="horz" wrap="none" lIns="91440" tIns="45720" rIns="91440" bIns="45720" numCol="1" spcCol="0" rtlCol="0" fromWordArt="0" anchor="t" anchorCtr="0" forceAA="0" compatLnSpc="1">
-            <a:prstTxWarp prst="textNoShape">
-              <a:avLst/>
-            </a:prstTxWarp>
-            <a:noAutofit/>
-          </a:bodyPr>
-          <a:lstStyle/>
-          <a:p>
-            <a:pPr algn="ctr">
-              <a:lnSpc>
-                <a:spcPct val="107000"/>
-              </a:lnSpc>
-              <a:spcAft>
-                <a:spcPts val="800"/>
-              </a:spcAft>
-            </a:pPr>
-            <a:r>
-              <a:rPr lang="fr-FR" sz="800" dirty="0">
-                <a:solidFill>
-                  <a:srgbClr val="BFBFBF"/>
-                </a:solidFill>
-                <a:effectLst/>
-                <a:latin typeface="Segoe UI Semibold" panose="020B0702040204020203" pitchFamily="34" charset="0"/>
-                <a:ea typeface="Calibri" panose="020F0502020204030204" pitchFamily="34" charset="0"/>
-                <a:cs typeface="Times New Roman" panose="02020603050405020304" pitchFamily="18" charset="0"/>
-              </a:rPr>
-              <a:t>[</a:t>
-            </a:r>
-            <a:r>
-              <a:rPr lang="fr-FR" sz="800" dirty="0" err="1">
-                <a:solidFill>
-                  <a:srgbClr val="BFBFBF"/>
-                </a:solidFill>
-                <a:latin typeface="Segoe UI Semibold" panose="020B0702040204020203" pitchFamily="34" charset="0"/>
-                <a:ea typeface="Calibri" panose="020F0502020204030204" pitchFamily="34" charset="0"/>
-                <a:cs typeface="Times New Roman" panose="02020603050405020304" pitchFamily="18" charset="0"/>
-              </a:rPr>
-              <a:t>equip</a:t>
-            </a:r>
-            <a:r>
-              <a:rPr lang="fr-FR" sz="800" dirty="0">
-                <a:solidFill>
-                  <a:srgbClr val="BFBFBF"/>
-                </a:solidFill>
-                <a:latin typeface="Segoe UI Semibold" panose="020B0702040204020203" pitchFamily="34" charset="0"/>
-                <a:ea typeface="Calibri" panose="020F0502020204030204" pitchFamily="34" charset="0"/>
-                <a:cs typeface="Times New Roman" panose="02020603050405020304" pitchFamily="18" charset="0"/>
-              </a:rPr>
-              <a:t>.</a:t>
-            </a:r>
-            <a:r>
-              <a:rPr lang="fr-FR" sz="800" dirty="0">
-                <a:solidFill>
-                  <a:srgbClr val="BFBFBF"/>
-                </a:solidFill>
-                <a:effectLst/>
-                <a:latin typeface="Segoe UI Semibold" panose="020B0702040204020203" pitchFamily="34" charset="0"/>
-                <a:ea typeface="Calibri" panose="020F0502020204030204" pitchFamily="34" charset="0"/>
-                <a:cs typeface="Times New Roman" panose="02020603050405020304" pitchFamily="18" charset="0"/>
-              </a:rPr>
-              <a:t>]</a:t>
-            </a:r>
-            <a:endParaRPr lang="fr-FR" sz="1600" dirty="0">
-              <a:effectLst/>
-              <a:latin typeface="Calibri" panose="020F0502020204030204" pitchFamily="34" charset="0"/>
-              <a:ea typeface="Calibri" panose="020F0502020204030204" pitchFamily="34" charset="0"/>
-              <a:cs typeface="Times New Roman" panose="02020603050405020304" pitchFamily="18" charset="0"/>
-            </a:endParaRPr>
           </a:p>
         </p:txBody>
       </p:sp>
@@ -20453,149 +19585,6 @@
           </p:txBody>
         </p:sp>
       </p:grpSp>
-      <p:grpSp>
-        <p:nvGrpSpPr>
-          <p:cNvPr id="403" name="Groupe 402">
-            <a:extLst>
-              <a:ext uri="{FF2B5EF4-FFF2-40B4-BE49-F238E27FC236}">
-                <a16:creationId xmlns:a16="http://schemas.microsoft.com/office/drawing/2014/main" id="{B46BA024-07DE-23CF-F181-3621E83A5E38}"/>
-              </a:ext>
-            </a:extLst>
-          </p:cNvPr>
-          <p:cNvGrpSpPr/>
-          <p:nvPr/>
-        </p:nvGrpSpPr>
-        <p:grpSpPr>
-          <a:xfrm>
-            <a:off x="1412297" y="4525547"/>
-            <a:ext cx="756186" cy="765377"/>
-            <a:chOff x="411579" y="4299239"/>
-            <a:chExt cx="976025" cy="765377"/>
-          </a:xfrm>
-        </p:grpSpPr>
-        <p:sp>
-          <p:nvSpPr>
-            <p:cNvPr id="404" name="Rectangle : coins arrondis 403">
-              <a:extLst>
-                <a:ext uri="{FF2B5EF4-FFF2-40B4-BE49-F238E27FC236}">
-                  <a16:creationId xmlns:a16="http://schemas.microsoft.com/office/drawing/2014/main" id="{BFE96D8A-92B5-A7B3-185A-7D0DE54BFEEA}"/>
-                </a:ext>
-              </a:extLst>
-            </p:cNvPr>
-            <p:cNvSpPr/>
-            <p:nvPr/>
-          </p:nvSpPr>
-          <p:spPr>
-            <a:xfrm>
-              <a:off x="591518" y="4731920"/>
-              <a:ext cx="620879" cy="332696"/>
-            </a:xfrm>
-            <a:prstGeom prst="roundRect">
-              <a:avLst/>
-            </a:prstGeom>
-            <a:solidFill>
-              <a:schemeClr val="tx2">
-                <a:lumMod val="20000"/>
-                <a:lumOff val="80000"/>
-              </a:schemeClr>
-            </a:solidFill>
-            <a:ln>
-              <a:solidFill>
-                <a:schemeClr val="tx2">
-                  <a:lumMod val="75000"/>
-                </a:schemeClr>
-              </a:solidFill>
-            </a:ln>
-          </p:spPr>
-          <p:style>
-            <a:lnRef idx="2">
-              <a:schemeClr val="accent1">
-                <a:shade val="50000"/>
-              </a:schemeClr>
-            </a:lnRef>
-            <a:fillRef idx="1">
-              <a:schemeClr val="accent1"/>
-            </a:fillRef>
-            <a:effectRef idx="0">
-              <a:schemeClr val="accent1"/>
-            </a:effectRef>
-            <a:fontRef idx="minor">
-              <a:schemeClr val="lt1"/>
-            </a:fontRef>
-          </p:style>
-          <p:txBody>
-            <a:bodyPr rot="0" spcFirstLastPara="0" vert="horz" wrap="square" lIns="91440" tIns="45720" rIns="91440" bIns="45720" numCol="1" spcCol="0" rtlCol="0" fromWordArt="0" anchor="ctr" anchorCtr="0" forceAA="0" compatLnSpc="1">
-              <a:prstTxWarp prst="textNoShape">
-                <a:avLst/>
-              </a:prstTxWarp>
-              <a:noAutofit/>
-            </a:bodyPr>
-            <a:lstStyle/>
-            <a:p>
-              <a:pPr algn="ctr">
-                <a:lnSpc>
-                  <a:spcPct val="107000"/>
-                </a:lnSpc>
-                <a:spcAft>
-                  <a:spcPts val="800"/>
-                </a:spcAft>
-              </a:pPr>
-              <a:endParaRPr lang="fr-FR" sz="1400" b="1" dirty="0">
-                <a:solidFill>
-                  <a:schemeClr val="accent2">
-                    <a:lumMod val="50000"/>
-                  </a:schemeClr>
-                </a:solidFill>
-                <a:effectLst/>
-                <a:ea typeface="Calibri" panose="020F0502020204030204" pitchFamily="34" charset="0"/>
-                <a:cs typeface="Times New Roman" panose="02020603050405020304" pitchFamily="18" charset="0"/>
-              </a:endParaRPr>
-            </a:p>
-          </p:txBody>
-        </p:sp>
-        <p:sp>
-          <p:nvSpPr>
-            <p:cNvPr id="405" name="ZoneTexte 404">
-              <a:extLst>
-                <a:ext uri="{FF2B5EF4-FFF2-40B4-BE49-F238E27FC236}">
-                  <a16:creationId xmlns:a16="http://schemas.microsoft.com/office/drawing/2014/main" id="{7974927D-7DC5-11D0-8678-A07CA29F3180}"/>
-                </a:ext>
-              </a:extLst>
-            </p:cNvPr>
-            <p:cNvSpPr txBox="1"/>
-            <p:nvPr/>
-          </p:nvSpPr>
-          <p:spPr>
-            <a:xfrm>
-              <a:off x="411579" y="4299239"/>
-              <a:ext cx="976025" cy="461665"/>
-            </a:xfrm>
-            <a:prstGeom prst="rect">
-              <a:avLst/>
-            </a:prstGeom>
-            <a:noFill/>
-          </p:spPr>
-          <p:txBody>
-            <a:bodyPr wrap="square" rtlCol="0">
-              <a:spAutoFit/>
-            </a:bodyPr>
-            <a:lstStyle/>
-            <a:p>
-              <a:pPr algn="ctr"/>
-              <a:r>
-                <a:rPr lang="fr-FR" sz="1200" dirty="0">
-                  <a:solidFill>
-                    <a:schemeClr val="tx2">
-                      <a:lumMod val="75000"/>
-                    </a:schemeClr>
-                  </a:solidFill>
-                </a:rPr>
-                <a:t>PA restants</a:t>
-              </a:r>
-            </a:p>
-          </p:txBody>
-        </p:sp>
-      </p:grpSp>
       <p:sp>
         <p:nvSpPr>
           <p:cNvPr id="408" name="Zone de texte 80">
@@ -21044,127 +20033,572 @@
           </p:txBody>
         </p:sp>
       </p:grpSp>
-      <p:sp>
-        <p:nvSpPr>
-          <p:cNvPr id="448" name="ZoneTexte 447">
+      <p:grpSp>
+        <p:nvGrpSpPr>
+          <p:cNvPr id="60" name="Groupe 59">
             <a:extLst>
               <a:ext uri="{FF2B5EF4-FFF2-40B4-BE49-F238E27FC236}">
-                <a16:creationId xmlns:a16="http://schemas.microsoft.com/office/drawing/2014/main" id="{27E21E7E-5030-1DD9-5138-6C566AE195CA}"/>
+                <a16:creationId xmlns:a16="http://schemas.microsoft.com/office/drawing/2014/main" id="{CF9FE703-AEBA-04F5-034F-771E6703BDC5}"/>
               </a:ext>
             </a:extLst>
           </p:cNvPr>
-          <p:cNvSpPr txBox="1"/>
+          <p:cNvGrpSpPr/>
           <p:nvPr/>
-        </p:nvSpPr>
-        <p:spPr>
+        </p:nvGrpSpPr>
+        <p:grpSpPr>
           <a:xfrm>
-            <a:off x="9118245" y="5099963"/>
-            <a:ext cx="233667" cy="230832"/>
+            <a:off x="7767742" y="2025688"/>
+            <a:ext cx="1622169" cy="1254398"/>
+            <a:chOff x="7767742" y="2064804"/>
+            <a:chExt cx="1622169" cy="1254398"/>
           </a:xfrm>
-          <a:prstGeom prst="rect">
-            <a:avLst/>
-          </a:prstGeom>
-          <a:noFill/>
-        </p:spPr>
-        <p:txBody>
-          <a:bodyPr wrap="square" rtlCol="0">
-            <a:spAutoFit/>
-          </a:bodyPr>
-          <a:lstStyle/>
-          <a:p>
-            <a:r>
-              <a:rPr lang="fr-FR" sz="900" dirty="0">
-                <a:solidFill>
-                  <a:schemeClr val="accent4">
-                    <a:lumMod val="75000"/>
-                  </a:schemeClr>
-                </a:solidFill>
-              </a:rPr>
-              <a:t>∞</a:t>
-            </a:r>
-          </a:p>
-        </p:txBody>
-      </p:sp>
-      <p:sp>
-        <p:nvSpPr>
-          <p:cNvPr id="449" name="ZoneTexte 448">
-            <a:extLst>
-              <a:ext uri="{FF2B5EF4-FFF2-40B4-BE49-F238E27FC236}">
-                <a16:creationId xmlns:a16="http://schemas.microsoft.com/office/drawing/2014/main" id="{5986101D-EF6C-4826-8DD2-2B71B11C23F1}"/>
-              </a:ext>
-            </a:extLst>
-          </p:cNvPr>
-          <p:cNvSpPr txBox="1"/>
-          <p:nvPr/>
-        </p:nvSpPr>
-        <p:spPr>
-          <a:xfrm>
-            <a:off x="9125260" y="4210599"/>
-            <a:ext cx="233667" cy="230832"/>
-          </a:xfrm>
-          <a:prstGeom prst="rect">
-            <a:avLst/>
-          </a:prstGeom>
-          <a:noFill/>
-        </p:spPr>
-        <p:txBody>
-          <a:bodyPr wrap="square" rtlCol="0">
-            <a:spAutoFit/>
-          </a:bodyPr>
-          <a:lstStyle/>
-          <a:p>
-            <a:r>
-              <a:rPr lang="fr-FR" sz="900" dirty="0">
-                <a:solidFill>
-                  <a:schemeClr val="tx2">
-                    <a:lumMod val="75000"/>
-                  </a:schemeClr>
-                </a:solidFill>
-              </a:rPr>
-              <a:t>∞</a:t>
-            </a:r>
-          </a:p>
-        </p:txBody>
-      </p:sp>
-      <p:sp>
-        <p:nvSpPr>
-          <p:cNvPr id="450" name="ZoneTexte 449">
-            <a:extLst>
-              <a:ext uri="{FF2B5EF4-FFF2-40B4-BE49-F238E27FC236}">
-                <a16:creationId xmlns:a16="http://schemas.microsoft.com/office/drawing/2014/main" id="{33E1DC60-5CDE-C55B-9390-A7F116FDA158}"/>
-              </a:ext>
-            </a:extLst>
-          </p:cNvPr>
-          <p:cNvSpPr txBox="1"/>
-          <p:nvPr/>
-        </p:nvSpPr>
-        <p:spPr>
-          <a:xfrm>
-            <a:off x="9125260" y="3027957"/>
-            <a:ext cx="233667" cy="230832"/>
-          </a:xfrm>
-          <a:prstGeom prst="rect">
-            <a:avLst/>
-          </a:prstGeom>
-          <a:noFill/>
-        </p:spPr>
-        <p:txBody>
-          <a:bodyPr wrap="square" rtlCol="0">
-            <a:spAutoFit/>
-          </a:bodyPr>
-          <a:lstStyle/>
-          <a:p>
-            <a:r>
-              <a:rPr lang="fr-FR" sz="900" dirty="0">
-                <a:solidFill>
-                  <a:srgbClr val="EF8B47"/>
-                </a:solidFill>
-              </a:rPr>
-              <a:t>∞</a:t>
-            </a:r>
-          </a:p>
-        </p:txBody>
-      </p:sp>
+        </p:grpSpPr>
+        <p:sp>
+          <p:nvSpPr>
+            <p:cNvPr id="390" name="Zone de texte 80">
+              <a:extLst>
+                <a:ext uri="{FF2B5EF4-FFF2-40B4-BE49-F238E27FC236}">
+                  <a16:creationId xmlns:a16="http://schemas.microsoft.com/office/drawing/2014/main" id="{309B032C-FF8E-4C91-95F8-4D54B5F88D17}"/>
+                </a:ext>
+              </a:extLst>
+            </p:cNvPr>
+            <p:cNvSpPr txBox="1"/>
+            <p:nvPr/>
+          </p:nvSpPr>
+          <p:spPr>
+            <a:xfrm>
+              <a:off x="7810646" y="3025580"/>
+              <a:ext cx="1579265" cy="293622"/>
+            </a:xfrm>
+            <a:prstGeom prst="rect">
+              <a:avLst/>
+            </a:prstGeom>
+            <a:noFill/>
+            <a:ln w="6350">
+              <a:noFill/>
+            </a:ln>
+          </p:spPr>
+          <p:txBody>
+            <a:bodyPr rot="0" spcFirstLastPara="0" vert="horz" wrap="none" lIns="91440" tIns="45720" rIns="91440" bIns="45720" numCol="1" spcCol="0" rtlCol="0" fromWordArt="0" anchor="t" anchorCtr="0" forceAA="0" compatLnSpc="1">
+              <a:prstTxWarp prst="textNoShape">
+                <a:avLst/>
+              </a:prstTxWarp>
+              <a:noAutofit/>
+            </a:bodyPr>
+            <a:lstStyle/>
+            <a:p>
+              <a:pPr algn="ctr"/>
+              <a:r>
+                <a:rPr lang="fr-FR" sz="800" dirty="0">
+                  <a:solidFill>
+                    <a:srgbClr val="BFBFBF"/>
+                  </a:solidFill>
+                  <a:effectLst/>
+                  <a:latin typeface="Segoe UI Semibold" panose="020B0702040204020203" pitchFamily="34" charset="0"/>
+                  <a:ea typeface="Calibri" panose="020F0502020204030204" pitchFamily="34" charset="0"/>
+                  <a:cs typeface="Times New Roman" panose="02020603050405020304" pitchFamily="18" charset="0"/>
+                </a:rPr>
+                <a:t>[</a:t>
+              </a:r>
+              <a:r>
+                <a:rPr lang="fr-FR" sz="800" dirty="0">
+                  <a:solidFill>
+                    <a:srgbClr val="BFBFBF"/>
+                  </a:solidFill>
+                  <a:latin typeface="Segoe UI Semibold" panose="020B0702040204020203" pitchFamily="34" charset="0"/>
+                  <a:ea typeface="Calibri" panose="020F0502020204030204" pitchFamily="34" charset="0"/>
+                  <a:cs typeface="Times New Roman" panose="02020603050405020304" pitchFamily="18" charset="0"/>
+                </a:rPr>
+                <a:t>Jet de classe dépendant du niveau</a:t>
+              </a:r>
+            </a:p>
+            <a:p>
+              <a:pPr algn="ctr"/>
+              <a:r>
+                <a:rPr lang="fr-FR" sz="800" dirty="0">
+                  <a:solidFill>
+                    <a:srgbClr val="BFBFBF"/>
+                  </a:solidFill>
+                  <a:latin typeface="Segoe UI Semibold" panose="020B0702040204020203" pitchFamily="34" charset="0"/>
+                  <a:ea typeface="Calibri" panose="020F0502020204030204" pitchFamily="34" charset="0"/>
+                  <a:cs typeface="Times New Roman" panose="02020603050405020304" pitchFamily="18" charset="0"/>
+                </a:rPr>
+                <a:t>+ </a:t>
+              </a:r>
+              <a:r>
+                <a:rPr lang="fr-FR" sz="800" dirty="0">
+                  <a:solidFill>
+                    <a:srgbClr val="BFBFBF"/>
+                  </a:solidFill>
+                  <a:effectLst/>
+                  <a:latin typeface="Segoe UI Semibold" panose="020B0702040204020203" pitchFamily="34" charset="0"/>
+                  <a:ea typeface="Calibri" panose="020F0502020204030204" pitchFamily="34" charset="0"/>
+                  <a:cs typeface="Times New Roman" panose="02020603050405020304" pitchFamily="18" charset="0"/>
+                </a:rPr>
+                <a:t>Vitalité +</a:t>
+              </a:r>
+              <a:r>
+                <a:rPr lang="fr-FR" sz="800" dirty="0">
+                  <a:solidFill>
+                    <a:srgbClr val="BFBFBF"/>
+                  </a:solidFill>
+                  <a:latin typeface="Segoe UI Semibold" panose="020B0702040204020203" pitchFamily="34" charset="0"/>
+                  <a:ea typeface="Calibri" panose="020F0502020204030204" pitchFamily="34" charset="0"/>
+                  <a:cs typeface="Times New Roman" panose="02020603050405020304" pitchFamily="18" charset="0"/>
+                </a:rPr>
+                <a:t> </a:t>
+              </a:r>
+              <a:r>
+                <a:rPr lang="fr-FR" sz="800" dirty="0" err="1">
+                  <a:solidFill>
+                    <a:srgbClr val="BFBFBF"/>
+                  </a:solidFill>
+                  <a:latin typeface="Segoe UI Semibold" panose="020B0702040204020203" pitchFamily="34" charset="0"/>
+                  <a:ea typeface="Calibri" panose="020F0502020204030204" pitchFamily="34" charset="0"/>
+                  <a:cs typeface="Times New Roman" panose="02020603050405020304" pitchFamily="18" charset="0"/>
+                </a:rPr>
+                <a:t>equip</a:t>
+              </a:r>
+              <a:r>
+                <a:rPr lang="fr-FR" sz="800" dirty="0">
+                  <a:solidFill>
+                    <a:srgbClr val="BFBFBF"/>
+                  </a:solidFill>
+                  <a:latin typeface="Segoe UI Semibold" panose="020B0702040204020203" pitchFamily="34" charset="0"/>
+                  <a:ea typeface="Calibri" panose="020F0502020204030204" pitchFamily="34" charset="0"/>
+                  <a:cs typeface="Times New Roman" panose="02020603050405020304" pitchFamily="18" charset="0"/>
+                </a:rPr>
+                <a:t>.</a:t>
+              </a:r>
+              <a:r>
+                <a:rPr lang="fr-FR" sz="800" dirty="0">
+                  <a:solidFill>
+                    <a:srgbClr val="BFBFBF"/>
+                  </a:solidFill>
+                  <a:effectLst/>
+                  <a:latin typeface="Segoe UI Semibold" panose="020B0702040204020203" pitchFamily="34" charset="0"/>
+                  <a:ea typeface="Calibri" panose="020F0502020204030204" pitchFamily="34" charset="0"/>
+                  <a:cs typeface="Times New Roman" panose="02020603050405020304" pitchFamily="18" charset="0"/>
+                </a:rPr>
+                <a:t>]</a:t>
+              </a:r>
+              <a:endParaRPr lang="fr-FR" sz="1600" dirty="0">
+                <a:effectLst/>
+                <a:latin typeface="Calibri" panose="020F0502020204030204" pitchFamily="34" charset="0"/>
+                <a:ea typeface="Calibri" panose="020F0502020204030204" pitchFamily="34" charset="0"/>
+                <a:cs typeface="Times New Roman" panose="02020603050405020304" pitchFamily="18" charset="0"/>
+              </a:endParaRPr>
+            </a:p>
+          </p:txBody>
+        </p:sp>
+        <p:grpSp>
+          <p:nvGrpSpPr>
+            <p:cNvPr id="45" name="Groupe 44">
+              <a:extLst>
+                <a:ext uri="{FF2B5EF4-FFF2-40B4-BE49-F238E27FC236}">
+                  <a16:creationId xmlns:a16="http://schemas.microsoft.com/office/drawing/2014/main" id="{D881FB98-A8D6-B78D-25E5-21670E5A5FD6}"/>
+                </a:ext>
+              </a:extLst>
+            </p:cNvPr>
+            <p:cNvGrpSpPr/>
+            <p:nvPr/>
+          </p:nvGrpSpPr>
+          <p:grpSpPr>
+            <a:xfrm>
+              <a:off x="7767742" y="2064804"/>
+              <a:ext cx="1600717" cy="988245"/>
+              <a:chOff x="7767742" y="2064804"/>
+              <a:chExt cx="1600717" cy="988245"/>
+            </a:xfrm>
+          </p:grpSpPr>
+          <p:grpSp>
+            <p:nvGrpSpPr>
+              <p:cNvPr id="109" name="Groupe 108">
+                <a:extLst>
+                  <a:ext uri="{FF2B5EF4-FFF2-40B4-BE49-F238E27FC236}">
+                    <a16:creationId xmlns:a16="http://schemas.microsoft.com/office/drawing/2014/main" id="{D68CC80F-6095-49B7-9323-BF6340832E93}"/>
+                  </a:ext>
+                </a:extLst>
+              </p:cNvPr>
+              <p:cNvGrpSpPr/>
+              <p:nvPr/>
+            </p:nvGrpSpPr>
+            <p:grpSpPr>
+              <a:xfrm>
+                <a:off x="7767742" y="2064804"/>
+                <a:ext cx="1600717" cy="985152"/>
+                <a:chOff x="2255003" y="3635706"/>
+                <a:chExt cx="1600717" cy="985152"/>
+              </a:xfrm>
+            </p:grpSpPr>
+            <p:grpSp>
+              <p:nvGrpSpPr>
+                <p:cNvPr id="99" name="Groupe 98">
+                  <a:extLst>
+                    <a:ext uri="{FF2B5EF4-FFF2-40B4-BE49-F238E27FC236}">
+                      <a16:creationId xmlns:a16="http://schemas.microsoft.com/office/drawing/2014/main" id="{5FC27AB8-C388-4A3D-97D1-A2FA8985B915}"/>
+                    </a:ext>
+                  </a:extLst>
+                </p:cNvPr>
+                <p:cNvGrpSpPr/>
+                <p:nvPr/>
+              </p:nvGrpSpPr>
+              <p:grpSpPr>
+                <a:xfrm>
+                  <a:off x="2276455" y="3972857"/>
+                  <a:ext cx="1579265" cy="648001"/>
+                  <a:chOff x="2084666" y="4211556"/>
+                  <a:chExt cx="1118224" cy="648001"/>
+                </a:xfrm>
+              </p:grpSpPr>
+              <p:grpSp>
+                <p:nvGrpSpPr>
+                  <p:cNvPr id="95" name="Groupe 94">
+                    <a:extLst>
+                      <a:ext uri="{FF2B5EF4-FFF2-40B4-BE49-F238E27FC236}">
+                        <a16:creationId xmlns:a16="http://schemas.microsoft.com/office/drawing/2014/main" id="{017F1504-3B83-41C4-954F-CC64E50F6554}"/>
+                      </a:ext>
+                    </a:extLst>
+                  </p:cNvPr>
+                  <p:cNvGrpSpPr/>
+                  <p:nvPr/>
+                </p:nvGrpSpPr>
+                <p:grpSpPr>
+                  <a:xfrm>
+                    <a:off x="2084666" y="4211556"/>
+                    <a:ext cx="1118224" cy="648001"/>
+                    <a:chOff x="4011" y="0"/>
+                    <a:chExt cx="1716367" cy="211172"/>
+                  </a:xfrm>
+                </p:grpSpPr>
+                <p:sp>
+                  <p:nvSpPr>
+                    <p:cNvPr id="96" name="Rectangle : coins arrondis 95">
+                      <a:extLst>
+                        <a:ext uri="{FF2B5EF4-FFF2-40B4-BE49-F238E27FC236}">
+                          <a16:creationId xmlns:a16="http://schemas.microsoft.com/office/drawing/2014/main" id="{7984ECD9-EE00-40B9-BD3E-D662517D0D41}"/>
+                        </a:ext>
+                      </a:extLst>
+                    </p:cNvPr>
+                    <p:cNvSpPr/>
+                    <p:nvPr/>
+                  </p:nvSpPr>
+                  <p:spPr>
+                    <a:xfrm>
+                      <a:off x="4011" y="0"/>
+                      <a:ext cx="1716367" cy="211172"/>
+                    </a:xfrm>
+                    <a:prstGeom prst="roundRect">
+                      <a:avLst/>
+                    </a:prstGeom>
+                    <a:solidFill>
+                      <a:schemeClr val="accent2">
+                        <a:lumMod val="20000"/>
+                        <a:lumOff val="80000"/>
+                      </a:schemeClr>
+                    </a:solidFill>
+                    <a:ln>
+                      <a:solidFill>
+                        <a:schemeClr val="accent2">
+                          <a:lumMod val="50000"/>
+                        </a:schemeClr>
+                      </a:solidFill>
+                    </a:ln>
+                  </p:spPr>
+                  <p:style>
+                    <a:lnRef idx="2">
+                      <a:schemeClr val="accent1">
+                        <a:shade val="50000"/>
+                      </a:schemeClr>
+                    </a:lnRef>
+                    <a:fillRef idx="1">
+                      <a:schemeClr val="accent1"/>
+                    </a:fillRef>
+                    <a:effectRef idx="0">
+                      <a:schemeClr val="accent1"/>
+                    </a:effectRef>
+                    <a:fontRef idx="minor">
+                      <a:schemeClr val="lt1"/>
+                    </a:fontRef>
+                  </p:style>
+                  <p:txBody>
+                    <a:bodyPr rot="0" spcFirstLastPara="0" vert="horz" wrap="square" lIns="91440" tIns="45720" rIns="91440" bIns="45720" numCol="1" spcCol="0" rtlCol="0" fromWordArt="0" anchor="ctr" anchorCtr="0" forceAA="0" compatLnSpc="1">
+                      <a:prstTxWarp prst="textNoShape">
+                        <a:avLst/>
+                      </a:prstTxWarp>
+                      <a:noAutofit/>
+                    </a:bodyPr>
+                    <a:lstStyle/>
+                    <a:p>
+                      <a:pPr algn="ctr">
+                        <a:lnSpc>
+                          <a:spcPct val="107000"/>
+                        </a:lnSpc>
+                        <a:spcAft>
+                          <a:spcPts val="800"/>
+                        </a:spcAft>
+                      </a:pPr>
+                      <a:r>
+                        <a:rPr lang="fr-FR" sz="700" dirty="0">
+                          <a:solidFill>
+                            <a:srgbClr val="00695C"/>
+                          </a:solidFill>
+                          <a:effectLst/>
+                          <a:ea typeface="Calibri" panose="020F0502020204030204" pitchFamily="34" charset="0"/>
+                          <a:cs typeface="Times New Roman" panose="02020603050405020304" pitchFamily="18" charset="0"/>
+                        </a:rPr>
+                        <a:t> </a:t>
+                      </a:r>
+                      <a:r>
+                        <a:rPr lang="fr-FR" sz="2800" b="1" dirty="0">
+                          <a:solidFill>
+                            <a:schemeClr val="accent2">
+                              <a:lumMod val="50000"/>
+                            </a:schemeClr>
+                          </a:solidFill>
+                          <a:effectLst/>
+                          <a:ea typeface="Calibri" panose="020F0502020204030204" pitchFamily="34" charset="0"/>
+                          <a:cs typeface="Times New Roman" panose="02020603050405020304" pitchFamily="18" charset="0"/>
+                        </a:rPr>
+                        <a:t>/</a:t>
+                      </a:r>
+                      <a:endParaRPr lang="fr-FR" sz="1400" b="1" dirty="0">
+                        <a:solidFill>
+                          <a:schemeClr val="accent2">
+                            <a:lumMod val="50000"/>
+                          </a:schemeClr>
+                        </a:solidFill>
+                        <a:effectLst/>
+                        <a:ea typeface="Calibri" panose="020F0502020204030204" pitchFamily="34" charset="0"/>
+                        <a:cs typeface="Times New Roman" panose="02020603050405020304" pitchFamily="18" charset="0"/>
+                      </a:endParaRPr>
+                    </a:p>
+                  </p:txBody>
+                </p:sp>
+                <p:sp>
+                  <p:nvSpPr>
+                    <p:cNvPr id="97" name="Zone de texte 8">
+                      <a:extLst>
+                        <a:ext uri="{FF2B5EF4-FFF2-40B4-BE49-F238E27FC236}">
+                          <a16:creationId xmlns:a16="http://schemas.microsoft.com/office/drawing/2014/main" id="{ECA0706B-F61A-4BC0-AC70-407C9B775BE5}"/>
+                        </a:ext>
+                      </a:extLst>
+                    </p:cNvPr>
+                    <p:cNvSpPr txBox="1"/>
+                    <p:nvPr/>
+                  </p:nvSpPr>
+                  <p:spPr>
+                    <a:xfrm>
+                      <a:off x="88060" y="0"/>
+                      <a:ext cx="683946" cy="115387"/>
+                    </a:xfrm>
+                    <a:prstGeom prst="rect">
+                      <a:avLst/>
+                    </a:prstGeom>
+                    <a:noFill/>
+                    <a:ln w="6350">
+                      <a:noFill/>
+                    </a:ln>
+                  </p:spPr>
+                  <p:txBody>
+                    <a:bodyPr rot="0" spcFirstLastPara="0" vert="horz" wrap="square" lIns="91440" tIns="45720" rIns="91440" bIns="45720" numCol="1" spcCol="0" rtlCol="0" fromWordArt="0" anchor="t" anchorCtr="0" forceAA="0" compatLnSpc="1">
+                      <a:prstTxWarp prst="textNoShape">
+                        <a:avLst/>
+                      </a:prstTxWarp>
+                      <a:noAutofit/>
+                    </a:bodyPr>
+                    <a:lstStyle/>
+                    <a:p>
+                      <a:pPr>
+                        <a:lnSpc>
+                          <a:spcPct val="107000"/>
+                        </a:lnSpc>
+                        <a:spcAft>
+                          <a:spcPts val="800"/>
+                        </a:spcAft>
+                      </a:pPr>
+                      <a:r>
+                        <a:rPr lang="fr-FR" sz="1200" dirty="0">
+                          <a:solidFill>
+                            <a:schemeClr val="accent2">
+                              <a:lumMod val="50000"/>
+                            </a:schemeClr>
+                          </a:solidFill>
+                          <a:latin typeface="Calibri" panose="020F0502020204030204" pitchFamily="34" charset="0"/>
+                          <a:ea typeface="Calibri" panose="020F0502020204030204" pitchFamily="34" charset="0"/>
+                          <a:cs typeface="Times New Roman" panose="02020603050405020304" pitchFamily="18" charset="0"/>
+                        </a:rPr>
+                        <a:t>Actuel</a:t>
+                      </a:r>
+                      <a:endParaRPr lang="fr-FR" sz="2400" dirty="0">
+                        <a:solidFill>
+                          <a:schemeClr val="accent2">
+                            <a:lumMod val="50000"/>
+                          </a:schemeClr>
+                        </a:solidFill>
+                        <a:effectLst/>
+                        <a:latin typeface="Calibri" panose="020F0502020204030204" pitchFamily="34" charset="0"/>
+                        <a:ea typeface="Calibri" panose="020F0502020204030204" pitchFamily="34" charset="0"/>
+                        <a:cs typeface="Times New Roman" panose="02020603050405020304" pitchFamily="18" charset="0"/>
+                      </a:endParaRPr>
+                    </a:p>
+                  </p:txBody>
+                </p:sp>
+              </p:grpSp>
+              <p:sp>
+                <p:nvSpPr>
+                  <p:cNvPr id="98" name="Zone de texte 8">
+                    <a:extLst>
+                      <a:ext uri="{FF2B5EF4-FFF2-40B4-BE49-F238E27FC236}">
+                        <a16:creationId xmlns:a16="http://schemas.microsoft.com/office/drawing/2014/main" id="{735A5408-7CD3-4587-8418-33555B67C36F}"/>
+                      </a:ext>
+                    </a:extLst>
+                  </p:cNvPr>
+                  <p:cNvSpPr txBox="1"/>
+                  <p:nvPr/>
+                </p:nvSpPr>
+                <p:spPr>
+                  <a:xfrm>
+                    <a:off x="2759129" y="4216874"/>
+                    <a:ext cx="386975" cy="354078"/>
+                  </a:xfrm>
+                  <a:prstGeom prst="rect">
+                    <a:avLst/>
+                  </a:prstGeom>
+                  <a:noFill/>
+                  <a:ln w="6350">
+                    <a:noFill/>
+                  </a:ln>
+                </p:spPr>
+                <p:txBody>
+                  <a:bodyPr rot="0" spcFirstLastPara="0" vert="horz" wrap="square" lIns="91440" tIns="45720" rIns="91440" bIns="45720" numCol="1" spcCol="0" rtlCol="0" fromWordArt="0" anchor="t" anchorCtr="0" forceAA="0" compatLnSpc="1">
+                    <a:prstTxWarp prst="textNoShape">
+                      <a:avLst/>
+                    </a:prstTxWarp>
+                    <a:noAutofit/>
+                  </a:bodyPr>
+                  <a:lstStyle/>
+                  <a:p>
+                    <a:pPr algn="r">
+                      <a:lnSpc>
+                        <a:spcPct val="107000"/>
+                      </a:lnSpc>
+                      <a:spcAft>
+                        <a:spcPts val="800"/>
+                      </a:spcAft>
+                    </a:pPr>
+                    <a:r>
+                      <a:rPr lang="fr-FR" sz="1200" dirty="0">
+                        <a:solidFill>
+                          <a:schemeClr val="accent2">
+                            <a:lumMod val="50000"/>
+                          </a:schemeClr>
+                        </a:solidFill>
+                        <a:latin typeface="Calibri" panose="020F0502020204030204" pitchFamily="34" charset="0"/>
+                        <a:ea typeface="Calibri" panose="020F0502020204030204" pitchFamily="34" charset="0"/>
+                        <a:cs typeface="Times New Roman" panose="02020603050405020304" pitchFamily="18" charset="0"/>
+                      </a:rPr>
+                      <a:t>Max</a:t>
+                    </a:r>
+                    <a:endParaRPr lang="fr-FR" sz="2400" dirty="0">
+                      <a:solidFill>
+                        <a:schemeClr val="accent2">
+                          <a:lumMod val="50000"/>
+                        </a:schemeClr>
+                      </a:solidFill>
+                      <a:effectLst/>
+                      <a:latin typeface="Calibri" panose="020F0502020204030204" pitchFamily="34" charset="0"/>
+                      <a:ea typeface="Calibri" panose="020F0502020204030204" pitchFamily="34" charset="0"/>
+                      <a:cs typeface="Times New Roman" panose="02020603050405020304" pitchFamily="18" charset="0"/>
+                    </a:endParaRPr>
+                  </a:p>
+                </p:txBody>
+              </p:sp>
+            </p:grpSp>
+            <p:sp>
+              <p:nvSpPr>
+                <p:cNvPr id="106" name="ZoneTexte 105">
+                  <a:extLst>
+                    <a:ext uri="{FF2B5EF4-FFF2-40B4-BE49-F238E27FC236}">
+                      <a16:creationId xmlns:a16="http://schemas.microsoft.com/office/drawing/2014/main" id="{27115ACB-8FBB-45D7-BC5E-8A6C1D9C7461}"/>
+                    </a:ext>
+                  </a:extLst>
+                </p:cNvPr>
+                <p:cNvSpPr txBox="1"/>
+                <p:nvPr/>
+              </p:nvSpPr>
+              <p:spPr>
+                <a:xfrm>
+                  <a:off x="2255003" y="3635706"/>
+                  <a:ext cx="1579265" cy="369332"/>
+                </a:xfrm>
+                <a:prstGeom prst="rect">
+                  <a:avLst/>
+                </a:prstGeom>
+                <a:noFill/>
+              </p:spPr>
+              <p:txBody>
+                <a:bodyPr wrap="square" rtlCol="0">
+                  <a:spAutoFit/>
+                </a:bodyPr>
+                <a:lstStyle/>
+                <a:p>
+                  <a:pPr algn="ctr"/>
+                  <a:r>
+                    <a:rPr lang="fr-FR" dirty="0">
+                      <a:solidFill>
+                        <a:schemeClr val="accent2">
+                          <a:lumMod val="50000"/>
+                        </a:schemeClr>
+                      </a:solidFill>
+                    </a:rPr>
+                    <a:t>Points de vie</a:t>
+                  </a:r>
+                </a:p>
+              </p:txBody>
+            </p:sp>
+          </p:grpSp>
+          <p:sp>
+            <p:nvSpPr>
+              <p:cNvPr id="450" name="ZoneTexte 449">
+                <a:extLst>
+                  <a:ext uri="{FF2B5EF4-FFF2-40B4-BE49-F238E27FC236}">
+                    <a16:creationId xmlns:a16="http://schemas.microsoft.com/office/drawing/2014/main" id="{33E1DC60-5CDE-C55B-9390-A7F116FDA158}"/>
+                  </a:ext>
+                </a:extLst>
+              </p:cNvPr>
+              <p:cNvSpPr txBox="1"/>
+              <p:nvPr/>
+            </p:nvSpPr>
+            <p:spPr>
+              <a:xfrm>
+                <a:off x="9117640" y="2822217"/>
+                <a:ext cx="233667" cy="230832"/>
+              </a:xfrm>
+              <a:prstGeom prst="rect">
+                <a:avLst/>
+              </a:prstGeom>
+              <a:noFill/>
+            </p:spPr>
+            <p:txBody>
+              <a:bodyPr wrap="square" rtlCol="0">
+                <a:spAutoFit/>
+              </a:bodyPr>
+              <a:lstStyle/>
+              <a:p>
+                <a:r>
+                  <a:rPr lang="fr-FR" sz="900" dirty="0">
+                    <a:solidFill>
+                      <a:srgbClr val="EF8B47"/>
+                    </a:solidFill>
+                  </a:rPr>
+                  <a:t>∞</a:t>
+                </a:r>
+              </a:p>
+            </p:txBody>
+          </p:sp>
+        </p:grpSp>
+      </p:grpSp>
       <p:cxnSp>
         <p:nvCxnSpPr>
           <p:cNvPr id="35" name="Connecteur droit 34">
@@ -21341,88 +20775,519 @@
           </a:fontRef>
         </p:style>
       </p:cxnSp>
-      <p:sp>
-        <p:nvSpPr>
-          <p:cNvPr id="61" name="ZoneTexte 60">
+      <p:grpSp>
+        <p:nvGrpSpPr>
+          <p:cNvPr id="42" name="Groupe 41">
             <a:extLst>
               <a:ext uri="{FF2B5EF4-FFF2-40B4-BE49-F238E27FC236}">
-                <a16:creationId xmlns:a16="http://schemas.microsoft.com/office/drawing/2014/main" id="{B121C602-3A92-9F2E-673B-19CF88C1C2EE}"/>
+                <a16:creationId xmlns:a16="http://schemas.microsoft.com/office/drawing/2014/main" id="{0472CD97-D8AE-9009-BE29-6B41275F9474}"/>
               </a:ext>
             </a:extLst>
           </p:cNvPr>
-          <p:cNvSpPr txBox="1"/>
+          <p:cNvGrpSpPr/>
           <p:nvPr/>
-        </p:nvSpPr>
-        <p:spPr>
+        </p:nvGrpSpPr>
+        <p:grpSpPr>
           <a:xfrm>
-            <a:off x="7783615" y="4713517"/>
-            <a:ext cx="233667" cy="230832"/>
+            <a:off x="7641539" y="4777167"/>
+            <a:ext cx="1806944" cy="838108"/>
+            <a:chOff x="7641539" y="4431727"/>
+            <a:chExt cx="1806944" cy="838108"/>
           </a:xfrm>
-          <a:prstGeom prst="rect">
-            <a:avLst/>
-          </a:prstGeom>
-          <a:noFill/>
-        </p:spPr>
-        <p:txBody>
-          <a:bodyPr wrap="square" rtlCol="0">
-            <a:spAutoFit/>
-          </a:bodyPr>
-          <a:lstStyle/>
-          <a:p>
-            <a:r>
-              <a:rPr lang="fr-FR" sz="900" dirty="0">
+        </p:grpSpPr>
+        <p:grpSp>
+          <p:nvGrpSpPr>
+            <p:cNvPr id="33" name="Groupe 32">
+              <a:extLst>
+                <a:ext uri="{FF2B5EF4-FFF2-40B4-BE49-F238E27FC236}">
+                  <a16:creationId xmlns:a16="http://schemas.microsoft.com/office/drawing/2014/main" id="{C926B6CD-A5FA-4FD1-4A79-2CD384DCCA9B}"/>
+                </a:ext>
+              </a:extLst>
+            </p:cNvPr>
+            <p:cNvGrpSpPr/>
+            <p:nvPr/>
+          </p:nvGrpSpPr>
+          <p:grpSpPr>
+            <a:xfrm>
+              <a:off x="7641539" y="4431727"/>
+              <a:ext cx="1806944" cy="838108"/>
+              <a:chOff x="7641539" y="4424107"/>
+              <a:chExt cx="1806944" cy="838108"/>
+            </a:xfrm>
+          </p:grpSpPr>
+          <p:grpSp>
+            <p:nvGrpSpPr>
+              <p:cNvPr id="110" name="Groupe 109">
+                <a:extLst>
+                  <a:ext uri="{FF2B5EF4-FFF2-40B4-BE49-F238E27FC236}">
+                    <a16:creationId xmlns:a16="http://schemas.microsoft.com/office/drawing/2014/main" id="{C1FB9031-E2AD-4716-B9C7-D5E28DB966B1}"/>
+                  </a:ext>
+                </a:extLst>
+              </p:cNvPr>
+              <p:cNvGrpSpPr/>
+              <p:nvPr/>
+            </p:nvGrpSpPr>
+            <p:grpSpPr>
+              <a:xfrm>
+                <a:off x="7641539" y="4424107"/>
+                <a:ext cx="1806944" cy="790195"/>
+                <a:chOff x="2128801" y="4896980"/>
+                <a:chExt cx="1806944" cy="790195"/>
+              </a:xfrm>
+            </p:grpSpPr>
+            <p:sp>
+              <p:nvSpPr>
+                <p:cNvPr id="111" name="Rectangle : coins arrondis 110">
+                  <a:extLst>
+                    <a:ext uri="{FF2B5EF4-FFF2-40B4-BE49-F238E27FC236}">
+                      <a16:creationId xmlns:a16="http://schemas.microsoft.com/office/drawing/2014/main" id="{5EFEEEA5-ABF2-4665-911D-E54CE1693B35}"/>
+                    </a:ext>
+                  </a:extLst>
+                </p:cNvPr>
+                <p:cNvSpPr/>
+                <p:nvPr/>
+              </p:nvSpPr>
+              <p:spPr>
+                <a:xfrm>
+                  <a:off x="2276455" y="5183175"/>
+                  <a:ext cx="1579265" cy="504000"/>
+                </a:xfrm>
+                <a:prstGeom prst="roundRect">
+                  <a:avLst/>
+                </a:prstGeom>
                 <a:solidFill>
                   <a:schemeClr val="accent4">
-                    <a:lumMod val="75000"/>
+                    <a:lumMod val="20000"/>
+                    <a:lumOff val="80000"/>
                   </a:schemeClr>
                 </a:solidFill>
-              </a:rPr>
-              <a:t>0</a:t>
-            </a:r>
-          </a:p>
-        </p:txBody>
-      </p:sp>
-      <p:sp>
-        <p:nvSpPr>
-          <p:cNvPr id="62" name="ZoneTexte 61">
+                <a:ln>
+                  <a:solidFill>
+                    <a:schemeClr val="accent4">
+                      <a:lumMod val="50000"/>
+                    </a:schemeClr>
+                  </a:solidFill>
+                </a:ln>
+              </p:spPr>
+              <p:style>
+                <a:lnRef idx="2">
+                  <a:schemeClr val="accent1">
+                    <a:shade val="50000"/>
+                  </a:schemeClr>
+                </a:lnRef>
+                <a:fillRef idx="1">
+                  <a:schemeClr val="accent1"/>
+                </a:fillRef>
+                <a:effectRef idx="0">
+                  <a:schemeClr val="accent1"/>
+                </a:effectRef>
+                <a:fontRef idx="minor">
+                  <a:schemeClr val="lt1"/>
+                </a:fontRef>
+              </p:style>
+              <p:txBody>
+                <a:bodyPr rot="0" spcFirstLastPara="0" vert="horz" wrap="square" lIns="91440" tIns="45720" rIns="91440" bIns="45720" numCol="1" spcCol="0" rtlCol="0" fromWordArt="0" anchor="ctr" anchorCtr="0" forceAA="0" compatLnSpc="1">
+                  <a:prstTxWarp prst="textNoShape">
+                    <a:avLst/>
+                  </a:prstTxWarp>
+                  <a:noAutofit/>
+                </a:bodyPr>
+                <a:lstStyle/>
+                <a:p>
+                  <a:pPr algn="ctr">
+                    <a:lnSpc>
+                      <a:spcPct val="107000"/>
+                    </a:lnSpc>
+                    <a:spcAft>
+                      <a:spcPts val="800"/>
+                    </a:spcAft>
+                  </a:pPr>
+                  <a:endParaRPr lang="fr-FR" sz="1400" b="1" dirty="0">
+                    <a:solidFill>
+                      <a:schemeClr val="accent2">
+                        <a:lumMod val="50000"/>
+                      </a:schemeClr>
+                    </a:solidFill>
+                    <a:effectLst/>
+                    <a:ea typeface="Calibri" panose="020F0502020204030204" pitchFamily="34" charset="0"/>
+                    <a:cs typeface="Times New Roman" panose="02020603050405020304" pitchFamily="18" charset="0"/>
+                  </a:endParaRPr>
+                </a:p>
+              </p:txBody>
+            </p:sp>
+            <p:sp>
+              <p:nvSpPr>
+                <p:cNvPr id="112" name="ZoneTexte 111">
+                  <a:extLst>
+                    <a:ext uri="{FF2B5EF4-FFF2-40B4-BE49-F238E27FC236}">
+                      <a16:creationId xmlns:a16="http://schemas.microsoft.com/office/drawing/2014/main" id="{8906B582-441B-4B99-96EC-9E9A96F39ED5}"/>
+                    </a:ext>
+                  </a:extLst>
+                </p:cNvPr>
+                <p:cNvSpPr txBox="1"/>
+                <p:nvPr/>
+              </p:nvSpPr>
+              <p:spPr>
+                <a:xfrm>
+                  <a:off x="2128801" y="4896980"/>
+                  <a:ext cx="1806944" cy="276999"/>
+                </a:xfrm>
+                <a:prstGeom prst="rect">
+                  <a:avLst/>
+                </a:prstGeom>
+                <a:noFill/>
+              </p:spPr>
+              <p:txBody>
+                <a:bodyPr wrap="square" rtlCol="0">
+                  <a:spAutoFit/>
+                </a:bodyPr>
+                <a:lstStyle/>
+                <a:p>
+                  <a:pPr algn="ctr"/>
+                  <a:r>
+                    <a:rPr lang="fr-FR" sz="1200" dirty="0">
+                      <a:solidFill>
+                        <a:schemeClr val="accent4">
+                          <a:lumMod val="50000"/>
+                        </a:schemeClr>
+                      </a:solidFill>
+                    </a:rPr>
+                    <a:t>Points de vie temporaire</a:t>
+                  </a:r>
+                </a:p>
+              </p:txBody>
+            </p:sp>
+          </p:grpSp>
+          <p:sp>
+            <p:nvSpPr>
+              <p:cNvPr id="448" name="ZoneTexte 447">
+                <a:extLst>
+                  <a:ext uri="{FF2B5EF4-FFF2-40B4-BE49-F238E27FC236}">
+                    <a16:creationId xmlns:a16="http://schemas.microsoft.com/office/drawing/2014/main" id="{27E21E7E-5030-1DD9-5138-6C566AE195CA}"/>
+                  </a:ext>
+                </a:extLst>
+              </p:cNvPr>
+              <p:cNvSpPr txBox="1"/>
+              <p:nvPr/>
+            </p:nvSpPr>
+            <p:spPr>
+              <a:xfrm>
+                <a:off x="9118245" y="5031383"/>
+                <a:ext cx="233667" cy="230832"/>
+              </a:xfrm>
+              <a:prstGeom prst="rect">
+                <a:avLst/>
+              </a:prstGeom>
+              <a:noFill/>
+            </p:spPr>
+            <p:txBody>
+              <a:bodyPr wrap="square" rtlCol="0">
+                <a:spAutoFit/>
+              </a:bodyPr>
+              <a:lstStyle/>
+              <a:p>
+                <a:r>
+                  <a:rPr lang="fr-FR" sz="900" dirty="0">
+                    <a:solidFill>
+                      <a:schemeClr val="accent4">
+                        <a:lumMod val="75000"/>
+                      </a:schemeClr>
+                    </a:solidFill>
+                  </a:rPr>
+                  <a:t>∞</a:t>
+                </a:r>
+              </a:p>
+            </p:txBody>
+          </p:sp>
+        </p:grpSp>
+        <p:sp>
+          <p:nvSpPr>
+            <p:cNvPr id="61" name="ZoneTexte 60">
+              <a:extLst>
+                <a:ext uri="{FF2B5EF4-FFF2-40B4-BE49-F238E27FC236}">
+                  <a16:creationId xmlns:a16="http://schemas.microsoft.com/office/drawing/2014/main" id="{B121C602-3A92-9F2E-673B-19CF88C1C2EE}"/>
+                </a:ext>
+              </a:extLst>
+            </p:cNvPr>
+            <p:cNvSpPr txBox="1"/>
+            <p:nvPr/>
+          </p:nvSpPr>
+          <p:spPr>
+            <a:xfrm>
+              <a:off x="7783615" y="4713517"/>
+              <a:ext cx="233667" cy="230832"/>
+            </a:xfrm>
+            <a:prstGeom prst="rect">
+              <a:avLst/>
+            </a:prstGeom>
+            <a:noFill/>
+          </p:spPr>
+          <p:txBody>
+            <a:bodyPr wrap="square" rtlCol="0">
+              <a:spAutoFit/>
+            </a:bodyPr>
+            <a:lstStyle/>
+            <a:p>
+              <a:r>
+                <a:rPr lang="fr-FR" sz="900" dirty="0">
+                  <a:solidFill>
+                    <a:schemeClr val="accent4">
+                      <a:lumMod val="75000"/>
+                    </a:schemeClr>
+                  </a:solidFill>
+                </a:rPr>
+                <a:t>0</a:t>
+              </a:r>
+            </a:p>
+          </p:txBody>
+        </p:sp>
+      </p:grpSp>
+      <p:grpSp>
+        <p:nvGrpSpPr>
+          <p:cNvPr id="44" name="Groupe 43">
             <a:extLst>
               <a:ext uri="{FF2B5EF4-FFF2-40B4-BE49-F238E27FC236}">
-                <a16:creationId xmlns:a16="http://schemas.microsoft.com/office/drawing/2014/main" id="{E6F0A290-4EDB-10FB-B171-817865B4F3C3}"/>
+                <a16:creationId xmlns:a16="http://schemas.microsoft.com/office/drawing/2014/main" id="{25B14DF6-116E-34B0-6A9E-772E7554C776}"/>
               </a:ext>
             </a:extLst>
           </p:cNvPr>
-          <p:cNvSpPr txBox="1"/>
+          <p:cNvGrpSpPr/>
           <p:nvPr/>
-        </p:nvSpPr>
-        <p:spPr>
+        </p:nvGrpSpPr>
+        <p:grpSpPr>
           <a:xfrm>
-            <a:off x="7785343" y="3819286"/>
-            <a:ext cx="233667" cy="230832"/>
+            <a:off x="7785343" y="3901642"/>
+            <a:ext cx="1583116" cy="833413"/>
+            <a:chOff x="7785343" y="3539438"/>
+            <a:chExt cx="1583116" cy="833413"/>
           </a:xfrm>
-          <a:prstGeom prst="rect">
-            <a:avLst/>
-          </a:prstGeom>
-          <a:noFill/>
-        </p:spPr>
-        <p:txBody>
-          <a:bodyPr wrap="square" rtlCol="0">
-            <a:spAutoFit/>
-          </a:bodyPr>
-          <a:lstStyle/>
-          <a:p>
-            <a:r>
-              <a:rPr lang="fr-FR" sz="900" dirty="0">
+        </p:grpSpPr>
+        <p:grpSp>
+          <p:nvGrpSpPr>
+            <p:cNvPr id="108" name="Groupe 107">
+              <a:extLst>
+                <a:ext uri="{FF2B5EF4-FFF2-40B4-BE49-F238E27FC236}">
+                  <a16:creationId xmlns:a16="http://schemas.microsoft.com/office/drawing/2014/main" id="{0FE13280-52BA-4512-9726-C8C337E4C492}"/>
+                </a:ext>
+              </a:extLst>
+            </p:cNvPr>
+            <p:cNvGrpSpPr/>
+            <p:nvPr/>
+          </p:nvGrpSpPr>
+          <p:grpSpPr>
+            <a:xfrm>
+              <a:off x="7789194" y="3539438"/>
+              <a:ext cx="1579265" cy="790196"/>
+              <a:chOff x="2276455" y="4896980"/>
+              <a:chExt cx="1579265" cy="790196"/>
+            </a:xfrm>
+          </p:grpSpPr>
+          <p:sp>
+            <p:nvSpPr>
+              <p:cNvPr id="104" name="Rectangle : coins arrondis 103">
+                <a:extLst>
+                  <a:ext uri="{FF2B5EF4-FFF2-40B4-BE49-F238E27FC236}">
+                    <a16:creationId xmlns:a16="http://schemas.microsoft.com/office/drawing/2014/main" id="{B1E01E29-5C04-42B0-AE65-05B3FA731881}"/>
+                  </a:ext>
+                </a:extLst>
+              </p:cNvPr>
+              <p:cNvSpPr/>
+              <p:nvPr/>
+            </p:nvSpPr>
+            <p:spPr>
+              <a:xfrm>
+                <a:off x="2276455" y="5183176"/>
+                <a:ext cx="1579265" cy="504000"/>
+              </a:xfrm>
+              <a:prstGeom prst="roundRect">
+                <a:avLst/>
+              </a:prstGeom>
+              <a:solidFill>
+                <a:schemeClr val="tx2">
+                  <a:lumMod val="20000"/>
+                  <a:lumOff val="80000"/>
+                </a:schemeClr>
+              </a:solidFill>
+              <a:ln>
                 <a:solidFill>
                   <a:schemeClr val="tx2">
                     <a:lumMod val="75000"/>
                   </a:schemeClr>
                 </a:solidFill>
-              </a:rPr>
-              <a:t>0</a:t>
-            </a:r>
-          </a:p>
-        </p:txBody>
-      </p:sp>
+              </a:ln>
+            </p:spPr>
+            <p:style>
+              <a:lnRef idx="2">
+                <a:schemeClr val="accent1">
+                  <a:shade val="50000"/>
+                </a:schemeClr>
+              </a:lnRef>
+              <a:fillRef idx="1">
+                <a:schemeClr val="accent1"/>
+              </a:fillRef>
+              <a:effectRef idx="0">
+                <a:schemeClr val="accent1"/>
+              </a:effectRef>
+              <a:fontRef idx="minor">
+                <a:schemeClr val="lt1"/>
+              </a:fontRef>
+            </p:style>
+            <p:txBody>
+              <a:bodyPr rot="0" spcFirstLastPara="0" vert="horz" wrap="square" lIns="91440" tIns="45720" rIns="91440" bIns="45720" numCol="1" spcCol="0" rtlCol="0" fromWordArt="0" anchor="ctr" anchorCtr="0" forceAA="0" compatLnSpc="1">
+                <a:prstTxWarp prst="textNoShape">
+                  <a:avLst/>
+                </a:prstTxWarp>
+                <a:noAutofit/>
+              </a:bodyPr>
+              <a:lstStyle/>
+              <a:p>
+                <a:pPr algn="ctr">
+                  <a:lnSpc>
+                    <a:spcPct val="107000"/>
+                  </a:lnSpc>
+                  <a:spcAft>
+                    <a:spcPts val="800"/>
+                  </a:spcAft>
+                </a:pPr>
+                <a:endParaRPr lang="fr-FR" sz="1400" b="1" dirty="0">
+                  <a:solidFill>
+                    <a:schemeClr val="accent2">
+                      <a:lumMod val="50000"/>
+                    </a:schemeClr>
+                  </a:solidFill>
+                  <a:effectLst/>
+                  <a:ea typeface="Calibri" panose="020F0502020204030204" pitchFamily="34" charset="0"/>
+                  <a:cs typeface="Times New Roman" panose="02020603050405020304" pitchFamily="18" charset="0"/>
+                </a:endParaRPr>
+              </a:p>
+            </p:txBody>
+          </p:sp>
+          <p:sp>
+            <p:nvSpPr>
+              <p:cNvPr id="107" name="ZoneTexte 106">
+                <a:extLst>
+                  <a:ext uri="{FF2B5EF4-FFF2-40B4-BE49-F238E27FC236}">
+                    <a16:creationId xmlns:a16="http://schemas.microsoft.com/office/drawing/2014/main" id="{835BD753-2EA0-4E21-BCCE-797BFCD5C6AC}"/>
+                  </a:ext>
+                </a:extLst>
+              </p:cNvPr>
+              <p:cNvSpPr txBox="1"/>
+              <p:nvPr/>
+            </p:nvSpPr>
+            <p:spPr>
+              <a:xfrm>
+                <a:off x="2356479" y="4896980"/>
+                <a:ext cx="1421731" cy="276999"/>
+              </a:xfrm>
+              <a:prstGeom prst="rect">
+                <a:avLst/>
+              </a:prstGeom>
+              <a:noFill/>
+            </p:spPr>
+            <p:txBody>
+              <a:bodyPr wrap="square" rtlCol="0">
+                <a:spAutoFit/>
+              </a:bodyPr>
+              <a:lstStyle/>
+              <a:p>
+                <a:pPr algn="ctr"/>
+                <a:r>
+                  <a:rPr lang="fr-FR" sz="1200" dirty="0">
+                    <a:solidFill>
+                      <a:schemeClr val="tx2">
+                        <a:lumMod val="75000"/>
+                      </a:schemeClr>
+                    </a:solidFill>
+                  </a:rPr>
+                  <a:t>Points de boucliers</a:t>
+                </a:r>
+              </a:p>
+            </p:txBody>
+          </p:sp>
+        </p:grpSp>
+        <p:sp>
+          <p:nvSpPr>
+            <p:cNvPr id="449" name="ZoneTexte 448">
+              <a:extLst>
+                <a:ext uri="{FF2B5EF4-FFF2-40B4-BE49-F238E27FC236}">
+                  <a16:creationId xmlns:a16="http://schemas.microsoft.com/office/drawing/2014/main" id="{5986101D-EF6C-4826-8DD2-2B71B11C23F1}"/>
+                </a:ext>
+              </a:extLst>
+            </p:cNvPr>
+            <p:cNvSpPr txBox="1"/>
+            <p:nvPr/>
+          </p:nvSpPr>
+          <p:spPr>
+            <a:xfrm>
+              <a:off x="9125260" y="4142019"/>
+              <a:ext cx="233667" cy="230832"/>
+            </a:xfrm>
+            <a:prstGeom prst="rect">
+              <a:avLst/>
+            </a:prstGeom>
+            <a:noFill/>
+          </p:spPr>
+          <p:txBody>
+            <a:bodyPr wrap="square" rtlCol="0">
+              <a:spAutoFit/>
+            </a:bodyPr>
+            <a:lstStyle/>
+            <a:p>
+              <a:r>
+                <a:rPr lang="fr-FR" sz="900" dirty="0">
+                  <a:solidFill>
+                    <a:schemeClr val="tx2">
+                      <a:lumMod val="75000"/>
+                    </a:schemeClr>
+                  </a:solidFill>
+                </a:rPr>
+                <a:t>∞</a:t>
+              </a:r>
+            </a:p>
+          </p:txBody>
+        </p:sp>
+        <p:sp>
+          <p:nvSpPr>
+            <p:cNvPr id="62" name="ZoneTexte 61">
+              <a:extLst>
+                <a:ext uri="{FF2B5EF4-FFF2-40B4-BE49-F238E27FC236}">
+                  <a16:creationId xmlns:a16="http://schemas.microsoft.com/office/drawing/2014/main" id="{E6F0A290-4EDB-10FB-B171-817865B4F3C3}"/>
+                </a:ext>
+              </a:extLst>
+            </p:cNvPr>
+            <p:cNvSpPr txBox="1"/>
+            <p:nvPr/>
+          </p:nvSpPr>
+          <p:spPr>
+            <a:xfrm>
+              <a:off x="7785343" y="3819286"/>
+              <a:ext cx="233667" cy="230832"/>
+            </a:xfrm>
+            <a:prstGeom prst="rect">
+              <a:avLst/>
+            </a:prstGeom>
+            <a:noFill/>
+          </p:spPr>
+          <p:txBody>
+            <a:bodyPr wrap="square" rtlCol="0">
+              <a:spAutoFit/>
+            </a:bodyPr>
+            <a:lstStyle/>
+            <a:p>
+              <a:r>
+                <a:rPr lang="fr-FR" sz="900" dirty="0">
+                  <a:solidFill>
+                    <a:schemeClr val="tx2">
+                      <a:lumMod val="75000"/>
+                    </a:schemeClr>
+                  </a:solidFill>
+                </a:rPr>
+                <a:t>0</a:t>
+              </a:r>
+            </a:p>
+          </p:txBody>
+        </p:sp>
+      </p:grpSp>
       <p:grpSp>
         <p:nvGrpSpPr>
           <p:cNvPr id="2071" name="Groupe 2070">
@@ -21437,7 +21302,7 @@
         </p:nvGrpSpPr>
         <p:grpSpPr>
           <a:xfrm>
-            <a:off x="7737266" y="5520237"/>
+            <a:off x="7737266" y="5757981"/>
             <a:ext cx="1720348" cy="3333468"/>
             <a:chOff x="7737266" y="5520237"/>
             <a:chExt cx="1720348" cy="3333468"/>
@@ -24079,10 +23944,10 @@
       </p:grpSp>
       <p:grpSp>
         <p:nvGrpSpPr>
-          <p:cNvPr id="2063" name="Groupe 2062">
+          <p:cNvPr id="452" name="Groupe 451">
             <a:extLst>
               <a:ext uri="{FF2B5EF4-FFF2-40B4-BE49-F238E27FC236}">
-                <a16:creationId xmlns:a16="http://schemas.microsoft.com/office/drawing/2014/main" id="{56E16FA4-7F91-FF56-F66E-8D2870DD0E1B}"/>
+                <a16:creationId xmlns:a16="http://schemas.microsoft.com/office/drawing/2014/main" id="{EC1A5B52-111A-B9B3-8835-3A5D4D8FB49F}"/>
               </a:ext>
             </a:extLst>
           </p:cNvPr>
@@ -24091,18 +23956,115 @@
         </p:nvGrpSpPr>
         <p:grpSpPr>
           <a:xfrm>
-            <a:off x="7827062" y="8955876"/>
+            <a:off x="7827062" y="9083892"/>
             <a:ext cx="1770373" cy="2751004"/>
             <a:chOff x="7827062" y="8955876"/>
             <a:chExt cx="1770373" cy="2751004"/>
           </a:xfrm>
         </p:grpSpPr>
+        <p:sp>
+          <p:nvSpPr>
+            <p:cNvPr id="441" name="Zone de texte 80">
+              <a:extLst>
+                <a:ext uri="{FF2B5EF4-FFF2-40B4-BE49-F238E27FC236}">
+                  <a16:creationId xmlns:a16="http://schemas.microsoft.com/office/drawing/2014/main" id="{12376C06-21FF-44B0-B578-E3C1FB520796}"/>
+                </a:ext>
+              </a:extLst>
+            </p:cNvPr>
+            <p:cNvSpPr txBox="1"/>
+            <p:nvPr/>
+          </p:nvSpPr>
+          <p:spPr>
+            <a:xfrm rot="16200000">
+              <a:off x="9087907" y="10374295"/>
+              <a:ext cx="695585" cy="209550"/>
+            </a:xfrm>
+            <a:prstGeom prst="rect">
+              <a:avLst/>
+            </a:prstGeom>
+            <a:noFill/>
+            <a:ln w="6350">
+              <a:noFill/>
+            </a:ln>
+          </p:spPr>
+          <p:txBody>
+            <a:bodyPr rot="0" spcFirstLastPara="0" vert="horz" wrap="none" lIns="91440" tIns="45720" rIns="91440" bIns="45720" numCol="1" spcCol="0" rtlCol="0" fromWordArt="0" anchor="t" anchorCtr="0" forceAA="0" compatLnSpc="1">
+              <a:prstTxWarp prst="textNoShape">
+                <a:avLst/>
+              </a:prstTxWarp>
+              <a:noAutofit/>
+            </a:bodyPr>
+            <a:lstStyle/>
+            <a:p>
+              <a:pPr algn="ctr">
+                <a:lnSpc>
+                  <a:spcPct val="107000"/>
+                </a:lnSpc>
+                <a:spcAft>
+                  <a:spcPts val="800"/>
+                </a:spcAft>
+              </a:pPr>
+              <a:r>
+                <a:rPr lang="fr-FR" sz="800" dirty="0">
+                  <a:solidFill>
+                    <a:srgbClr val="BFBFBF"/>
+                  </a:solidFill>
+                  <a:effectLst/>
+                  <a:latin typeface="Segoe UI Semibold" panose="020B0702040204020203" pitchFamily="34" charset="0"/>
+                  <a:ea typeface="Calibri" panose="020F0502020204030204" pitchFamily="34" charset="0"/>
+                  <a:cs typeface="Times New Roman" panose="02020603050405020304" pitchFamily="18" charset="0"/>
+                </a:rPr>
+                <a:t>[</a:t>
+              </a:r>
+              <a:r>
+                <a:rPr lang="fr-FR" sz="800" dirty="0" err="1">
+                  <a:solidFill>
+                    <a:srgbClr val="BFBFBF"/>
+                  </a:solidFill>
+                  <a:latin typeface="Segoe UI Semibold" panose="020B0702040204020203" pitchFamily="34" charset="0"/>
+                  <a:ea typeface="Calibri" panose="020F0502020204030204" pitchFamily="34" charset="0"/>
+                  <a:cs typeface="Times New Roman" panose="02020603050405020304" pitchFamily="18" charset="0"/>
+                </a:rPr>
+                <a:t>equip</a:t>
+              </a:r>
+              <a:r>
+                <a:rPr lang="fr-FR" sz="800" dirty="0">
+                  <a:solidFill>
+                    <a:srgbClr val="BFBFBF"/>
+                  </a:solidFill>
+                  <a:latin typeface="Segoe UI Semibold" panose="020B0702040204020203" pitchFamily="34" charset="0"/>
+                  <a:ea typeface="Calibri" panose="020F0502020204030204" pitchFamily="34" charset="0"/>
+                  <a:cs typeface="Times New Roman" panose="02020603050405020304" pitchFamily="18" charset="0"/>
+                </a:rPr>
+                <a:t>.</a:t>
+              </a:r>
+              <a:r>
+                <a:rPr lang="fr-FR" sz="800" dirty="0">
+                  <a:solidFill>
+                    <a:srgbClr val="BFBFBF"/>
+                  </a:solidFill>
+                  <a:effectLst/>
+                  <a:latin typeface="Segoe UI Semibold" panose="020B0702040204020203" pitchFamily="34" charset="0"/>
+                  <a:ea typeface="Calibri" panose="020F0502020204030204" pitchFamily="34" charset="0"/>
+                  <a:cs typeface="Times New Roman" panose="02020603050405020304" pitchFamily="18" charset="0"/>
+                </a:rPr>
+                <a:t>]</a:t>
+              </a:r>
+              <a:endParaRPr lang="fr-FR" sz="1600" dirty="0">
+                <a:effectLst/>
+                <a:latin typeface="Calibri" panose="020F0502020204030204" pitchFamily="34" charset="0"/>
+                <a:ea typeface="Calibri" panose="020F0502020204030204" pitchFamily="34" charset="0"/>
+                <a:cs typeface="Times New Roman" panose="02020603050405020304" pitchFamily="18" charset="0"/>
+              </a:endParaRPr>
+            </a:p>
+          </p:txBody>
+        </p:sp>
         <p:grpSp>
           <p:nvGrpSpPr>
-            <p:cNvPr id="134" name="Groupe 133">
+            <p:cNvPr id="2063" name="Groupe 2062">
               <a:extLst>
                 <a:ext uri="{FF2B5EF4-FFF2-40B4-BE49-F238E27FC236}">
-                  <a16:creationId xmlns:a16="http://schemas.microsoft.com/office/drawing/2014/main" id="{1F035DD5-A484-40C4-98D6-0A45C29A95BB}"/>
+                  <a16:creationId xmlns:a16="http://schemas.microsoft.com/office/drawing/2014/main" id="{56E16FA4-7F91-FF56-F66E-8D2870DD0E1B}"/>
                 </a:ext>
               </a:extLst>
             </p:cNvPr>
@@ -24112,17 +24074,17 @@
           <p:grpSpPr>
             <a:xfrm>
               <a:off x="7827062" y="8955876"/>
-              <a:ext cx="1770373" cy="2746748"/>
-              <a:chOff x="7822185" y="7848643"/>
-              <a:chExt cx="1770373" cy="2746748"/>
+              <a:ext cx="1770373" cy="2751004"/>
+              <a:chOff x="7827062" y="8955876"/>
+              <a:chExt cx="1770373" cy="2751004"/>
             </a:xfrm>
           </p:grpSpPr>
           <p:grpSp>
             <p:nvGrpSpPr>
-              <p:cNvPr id="101" name="Groupe 100">
+              <p:cNvPr id="134" name="Groupe 133">
                 <a:extLst>
                   <a:ext uri="{FF2B5EF4-FFF2-40B4-BE49-F238E27FC236}">
-                    <a16:creationId xmlns:a16="http://schemas.microsoft.com/office/drawing/2014/main" id="{236BFCCA-330A-4F3F-941F-0AB06BD47850}"/>
+                    <a16:creationId xmlns:a16="http://schemas.microsoft.com/office/drawing/2014/main" id="{1F035DD5-A484-40C4-98D6-0A45C29A95BB}"/>
                   </a:ext>
                 </a:extLst>
               </p:cNvPr>
@@ -24131,58 +24093,18 @@
             </p:nvGrpSpPr>
             <p:grpSpPr>
               <a:xfrm>
-                <a:off x="7822185" y="7848643"/>
+                <a:off x="7827062" y="8955876"/>
                 <a:ext cx="1770373" cy="2746748"/>
-                <a:chOff x="7914073" y="5333931"/>
+                <a:chOff x="7822185" y="7848643"/>
                 <a:chExt cx="1770373" cy="2746748"/>
               </a:xfrm>
             </p:grpSpPr>
-            <p:sp>
-              <p:nvSpPr>
-                <p:cNvPr id="115" name="ZoneTexte 114">
+            <p:grpSp>
+              <p:nvGrpSpPr>
+                <p:cNvPr id="101" name="Groupe 100">
                   <a:extLst>
                     <a:ext uri="{FF2B5EF4-FFF2-40B4-BE49-F238E27FC236}">
-                      <a16:creationId xmlns:a16="http://schemas.microsoft.com/office/drawing/2014/main" id="{D292B813-05C0-4ED1-B18C-FB51589E92C0}"/>
-                    </a:ext>
-                  </a:extLst>
-                </p:cNvPr>
-                <p:cNvSpPr txBox="1"/>
-                <p:nvPr/>
-              </p:nvSpPr>
-              <p:spPr>
-                <a:xfrm>
-                  <a:off x="8089599" y="5333931"/>
-                  <a:ext cx="1594847" cy="338554"/>
-                </a:xfrm>
-                <a:prstGeom prst="rect">
-                  <a:avLst/>
-                </a:prstGeom>
-                <a:noFill/>
-              </p:spPr>
-              <p:txBody>
-                <a:bodyPr wrap="square" rtlCol="0">
-                  <a:spAutoFit/>
-                </a:bodyPr>
-                <a:lstStyle/>
-                <a:p>
-                  <a:pPr algn="ctr"/>
-                  <a:r>
-                    <a:rPr lang="fr-FR" sz="1600" dirty="0">
-                      <a:solidFill>
-                        <a:srgbClr val="006064"/>
-                      </a:solidFill>
-                    </a:rPr>
-                    <a:t>Résistances</a:t>
-                  </a:r>
-                </a:p>
-              </p:txBody>
-            </p:sp>
-            <p:grpSp>
-              <p:nvGrpSpPr>
-                <p:cNvPr id="117" name="Groupe 116">
-                  <a:extLst>
-                    <a:ext uri="{FF2B5EF4-FFF2-40B4-BE49-F238E27FC236}">
-                      <a16:creationId xmlns:a16="http://schemas.microsoft.com/office/drawing/2014/main" id="{C154D912-DB51-4446-A32B-20EDAB89DA4C}"/>
+                      <a16:creationId xmlns:a16="http://schemas.microsoft.com/office/drawing/2014/main" id="{236BFCCA-330A-4F3F-941F-0AB06BD47850}"/>
                     </a:ext>
                   </a:extLst>
                 </p:cNvPr>
@@ -24191,91 +24113,18 @@
               </p:nvGrpSpPr>
               <p:grpSpPr>
                 <a:xfrm>
-                  <a:off x="7921693" y="5678058"/>
-                  <a:ext cx="1492306" cy="422375"/>
-                  <a:chOff x="7921693" y="5678058"/>
-                  <a:chExt cx="1492306" cy="422375"/>
+                  <a:off x="7822185" y="7848643"/>
+                  <a:ext cx="1770373" cy="2746748"/>
+                  <a:chOff x="7914073" y="5333931"/>
+                  <a:chExt cx="1770373" cy="2746748"/>
                 </a:xfrm>
               </p:grpSpPr>
               <p:sp>
                 <p:nvSpPr>
-                  <p:cNvPr id="114" name="Rectangle : coins arrondis 113">
+                  <p:cNvPr id="115" name="ZoneTexte 114">
                     <a:extLst>
                       <a:ext uri="{FF2B5EF4-FFF2-40B4-BE49-F238E27FC236}">
-                        <a16:creationId xmlns:a16="http://schemas.microsoft.com/office/drawing/2014/main" id="{7A170C9D-1BCF-4FEA-8B11-B51C1BE0ED6A}"/>
-                      </a:ext>
-                    </a:extLst>
-                  </p:cNvPr>
-                  <p:cNvSpPr/>
-                  <p:nvPr/>
-                </p:nvSpPr>
-                <p:spPr>
-                  <a:xfrm>
-                    <a:off x="8793120" y="5678058"/>
-                    <a:ext cx="620879" cy="422375"/>
-                  </a:xfrm>
-                  <a:prstGeom prst="roundRect">
-                    <a:avLst/>
-                  </a:prstGeom>
-                  <a:noFill/>
-                  <a:ln w="19050">
-                    <a:solidFill>
-                      <a:schemeClr val="tx1"/>
-                    </a:solidFill>
-                  </a:ln>
-                </p:spPr>
-                <p:style>
-                  <a:lnRef idx="2">
-                    <a:schemeClr val="accent1">
-                      <a:shade val="50000"/>
-                    </a:schemeClr>
-                  </a:lnRef>
-                  <a:fillRef idx="1">
-                    <a:schemeClr val="accent1"/>
-                  </a:fillRef>
-                  <a:effectRef idx="0">
-                    <a:schemeClr val="accent1"/>
-                  </a:effectRef>
-                  <a:fontRef idx="minor">
-                    <a:schemeClr val="lt1"/>
-                  </a:fontRef>
-                </p:style>
-                <p:txBody>
-                  <a:bodyPr rot="0" spcFirstLastPara="0" vert="horz" wrap="square" lIns="91440" tIns="45720" rIns="91440" bIns="45720" numCol="1" spcCol="0" rtlCol="0" fromWordArt="0" anchor="ctr" anchorCtr="0" forceAA="0" compatLnSpc="1">
-                    <a:prstTxWarp prst="textNoShape">
-                      <a:avLst/>
-                    </a:prstTxWarp>
-                    <a:noAutofit/>
-                  </a:bodyPr>
-                  <a:lstStyle/>
-                  <a:p>
-                    <a:pPr algn="ctr">
-                      <a:lnSpc>
-                        <a:spcPct val="107000"/>
-                      </a:lnSpc>
-                      <a:spcAft>
-                        <a:spcPts val="800"/>
-                      </a:spcAft>
-                    </a:pPr>
-                    <a:endParaRPr lang="fr-FR" sz="1400" b="1" dirty="0">
-                      <a:solidFill>
-                        <a:schemeClr val="accent2">
-                          <a:lumMod val="50000"/>
-                        </a:schemeClr>
-                      </a:solidFill>
-                      <a:effectLst/>
-                      <a:ea typeface="Calibri" panose="020F0502020204030204" pitchFamily="34" charset="0"/>
-                      <a:cs typeface="Times New Roman" panose="02020603050405020304" pitchFamily="18" charset="0"/>
-                    </a:endParaRPr>
-                  </a:p>
-                </p:txBody>
-              </p:sp>
-              <p:sp>
-                <p:nvSpPr>
-                  <p:cNvPr id="116" name="ZoneTexte 115">
-                    <a:extLst>
-                      <a:ext uri="{FF2B5EF4-FFF2-40B4-BE49-F238E27FC236}">
-                        <a16:creationId xmlns:a16="http://schemas.microsoft.com/office/drawing/2014/main" id="{599700BB-7A80-4457-9DE4-A3C9F26E78A1}"/>
+                        <a16:creationId xmlns:a16="http://schemas.microsoft.com/office/drawing/2014/main" id="{D292B813-05C0-4ED1-B18C-FB51589E92C0}"/>
                       </a:ext>
                     </a:extLst>
                   </p:cNvPr>
@@ -24284,8 +24133,8 @@
                 </p:nvSpPr>
                 <p:spPr>
                   <a:xfrm>
-                    <a:off x="7921693" y="5811705"/>
-                    <a:ext cx="863349" cy="276999"/>
+                    <a:off x="8089599" y="5333931"/>
+                    <a:ext cx="1594847" cy="338554"/>
                   </a:xfrm>
                   <a:prstGeom prst="rect">
                     <a:avLst/>
@@ -24298,1337 +24147,960 @@
                   </a:bodyPr>
                   <a:lstStyle/>
                   <a:p>
-                    <a:pPr algn="r"/>
+                    <a:pPr algn="ctr"/>
                     <a:r>
-                      <a:rPr lang="fr-FR" sz="1200" dirty="0"/>
-                      <a:t>Neutre</a:t>
+                      <a:rPr lang="fr-FR" sz="1600" dirty="0">
+                        <a:solidFill>
+                          <a:srgbClr val="006064"/>
+                        </a:solidFill>
+                      </a:rPr>
+                      <a:t>Résistances</a:t>
                     </a:r>
-                    <a:endParaRPr lang="fr-FR" sz="1600" dirty="0"/>
                   </a:p>
                 </p:txBody>
               </p:sp>
-            </p:grpSp>
-            <p:grpSp>
-              <p:nvGrpSpPr>
-                <p:cNvPr id="118" name="Groupe 117">
-                  <a:extLst>
-                    <a:ext uri="{FF2B5EF4-FFF2-40B4-BE49-F238E27FC236}">
-                      <a16:creationId xmlns:a16="http://schemas.microsoft.com/office/drawing/2014/main" id="{5D1D2914-0D3E-4E91-AB23-00A485BC99C5}"/>
-                    </a:ext>
-                  </a:extLst>
-                </p:cNvPr>
-                <p:cNvGrpSpPr/>
-                <p:nvPr/>
-              </p:nvGrpSpPr>
-              <p:grpSpPr>
-                <a:xfrm>
-                  <a:off x="7914073" y="6173120"/>
-                  <a:ext cx="1492306" cy="422375"/>
-                  <a:chOff x="7921693" y="5678058"/>
-                  <a:chExt cx="1492306" cy="422375"/>
-                </a:xfrm>
-              </p:grpSpPr>
-              <p:sp>
-                <p:nvSpPr>
-                  <p:cNvPr id="119" name="Rectangle : coins arrondis 118">
+              <p:grpSp>
+                <p:nvGrpSpPr>
+                  <p:cNvPr id="117" name="Groupe 116">
                     <a:extLst>
                       <a:ext uri="{FF2B5EF4-FFF2-40B4-BE49-F238E27FC236}">
-                        <a16:creationId xmlns:a16="http://schemas.microsoft.com/office/drawing/2014/main" id="{AA931CB7-8A6A-4FD7-B577-41DA0B9C2AA8}"/>
+                        <a16:creationId xmlns:a16="http://schemas.microsoft.com/office/drawing/2014/main" id="{C154D912-DB51-4446-A32B-20EDAB89DA4C}"/>
                       </a:ext>
                     </a:extLst>
                   </p:cNvPr>
-                  <p:cNvSpPr/>
+                  <p:cNvGrpSpPr/>
                   <p:nvPr/>
-                </p:nvSpPr>
-                <p:spPr>
+                </p:nvGrpSpPr>
+                <p:grpSpPr>
                   <a:xfrm>
-                    <a:off x="8793120" y="5678058"/>
-                    <a:ext cx="620879" cy="422375"/>
+                    <a:off x="7921693" y="5678058"/>
+                    <a:ext cx="1492306" cy="422375"/>
+                    <a:chOff x="7921693" y="5678058"/>
+                    <a:chExt cx="1492306" cy="422375"/>
                   </a:xfrm>
-                  <a:prstGeom prst="roundRect">
-                    <a:avLst/>
-                  </a:prstGeom>
-                  <a:noFill/>
-                  <a:ln w="19050">
-                    <a:solidFill>
-                      <a:srgbClr val="64533E"/>
-                    </a:solidFill>
-                  </a:ln>
-                </p:spPr>
-                <p:style>
-                  <a:lnRef idx="2">
-                    <a:schemeClr val="accent1">
-                      <a:shade val="50000"/>
-                    </a:schemeClr>
-                  </a:lnRef>
-                  <a:fillRef idx="1">
-                    <a:schemeClr val="accent1"/>
-                  </a:fillRef>
-                  <a:effectRef idx="0">
-                    <a:schemeClr val="accent1"/>
-                  </a:effectRef>
-                  <a:fontRef idx="minor">
-                    <a:schemeClr val="lt1"/>
-                  </a:fontRef>
-                </p:style>
-                <p:txBody>
-                  <a:bodyPr rot="0" spcFirstLastPara="0" vert="horz" wrap="square" lIns="91440" tIns="45720" rIns="91440" bIns="45720" numCol="1" spcCol="0" rtlCol="0" fromWordArt="0" anchor="ctr" anchorCtr="0" forceAA="0" compatLnSpc="1">
-                    <a:prstTxWarp prst="textNoShape">
+                </p:grpSpPr>
+                <p:sp>
+                  <p:nvSpPr>
+                    <p:cNvPr id="114" name="Rectangle : coins arrondis 113">
+                      <a:extLst>
+                        <a:ext uri="{FF2B5EF4-FFF2-40B4-BE49-F238E27FC236}">
+                          <a16:creationId xmlns:a16="http://schemas.microsoft.com/office/drawing/2014/main" id="{7A170C9D-1BCF-4FEA-8B11-B51C1BE0ED6A}"/>
+                        </a:ext>
+                      </a:extLst>
+                    </p:cNvPr>
+                    <p:cNvSpPr/>
+                    <p:nvPr/>
+                  </p:nvSpPr>
+                  <p:spPr>
+                    <a:xfrm>
+                      <a:off x="8793120" y="5678058"/>
+                      <a:ext cx="620879" cy="422375"/>
+                    </a:xfrm>
+                    <a:prstGeom prst="roundRect">
                       <a:avLst/>
-                    </a:prstTxWarp>
-                    <a:noAutofit/>
-                  </a:bodyPr>
-                  <a:lstStyle/>
-                  <a:p>
-                    <a:pPr algn="ctr">
-                      <a:lnSpc>
-                        <a:spcPct val="107000"/>
-                      </a:lnSpc>
-                      <a:spcAft>
-                        <a:spcPts val="800"/>
-                      </a:spcAft>
-                    </a:pPr>
-                    <a:endParaRPr lang="fr-FR" sz="1400" b="1" dirty="0">
-                      <a:solidFill>
-                        <a:schemeClr val="accent2">
-                          <a:lumMod val="50000"/>
-                        </a:schemeClr>
-                      </a:solidFill>
-                      <a:effectLst/>
-                      <a:ea typeface="Calibri" panose="020F0502020204030204" pitchFamily="34" charset="0"/>
-                      <a:cs typeface="Times New Roman" panose="02020603050405020304" pitchFamily="18" charset="0"/>
-                    </a:endParaRPr>
-                  </a:p>
-                </p:txBody>
-              </p:sp>
-              <p:sp>
-                <p:nvSpPr>
-                  <p:cNvPr id="120" name="ZoneTexte 119">
+                    </a:prstGeom>
+                    <a:noFill/>
+                    <a:ln w="19050">
+                      <a:solidFill>
+                        <a:schemeClr val="tx1"/>
+                      </a:solidFill>
+                    </a:ln>
+                  </p:spPr>
+                  <p:style>
+                    <a:lnRef idx="2">
+                      <a:schemeClr val="accent1">
+                        <a:shade val="50000"/>
+                      </a:schemeClr>
+                    </a:lnRef>
+                    <a:fillRef idx="1">
+                      <a:schemeClr val="accent1"/>
+                    </a:fillRef>
+                    <a:effectRef idx="0">
+                      <a:schemeClr val="accent1"/>
+                    </a:effectRef>
+                    <a:fontRef idx="minor">
+                      <a:schemeClr val="lt1"/>
+                    </a:fontRef>
+                  </p:style>
+                  <p:txBody>
+                    <a:bodyPr rot="0" spcFirstLastPara="0" vert="horz" wrap="square" lIns="91440" tIns="45720" rIns="91440" bIns="45720" numCol="1" spcCol="0" rtlCol="0" fromWordArt="0" anchor="ctr" anchorCtr="0" forceAA="0" compatLnSpc="1">
+                      <a:prstTxWarp prst="textNoShape">
+                        <a:avLst/>
+                      </a:prstTxWarp>
+                      <a:noAutofit/>
+                    </a:bodyPr>
+                    <a:lstStyle/>
+                    <a:p>
+                      <a:pPr algn="ctr">
+                        <a:lnSpc>
+                          <a:spcPct val="107000"/>
+                        </a:lnSpc>
+                        <a:spcAft>
+                          <a:spcPts val="800"/>
+                        </a:spcAft>
+                      </a:pPr>
+                      <a:endParaRPr lang="fr-FR" sz="1400" b="1" dirty="0">
+                        <a:solidFill>
+                          <a:schemeClr val="accent2">
+                            <a:lumMod val="50000"/>
+                          </a:schemeClr>
+                        </a:solidFill>
+                        <a:effectLst/>
+                        <a:ea typeface="Calibri" panose="020F0502020204030204" pitchFamily="34" charset="0"/>
+                        <a:cs typeface="Times New Roman" panose="02020603050405020304" pitchFamily="18" charset="0"/>
+                      </a:endParaRPr>
+                    </a:p>
+                  </p:txBody>
+                </p:sp>
+                <p:sp>
+                  <p:nvSpPr>
+                    <p:cNvPr id="116" name="ZoneTexte 115">
+                      <a:extLst>
+                        <a:ext uri="{FF2B5EF4-FFF2-40B4-BE49-F238E27FC236}">
+                          <a16:creationId xmlns:a16="http://schemas.microsoft.com/office/drawing/2014/main" id="{599700BB-7A80-4457-9DE4-A3C9F26E78A1}"/>
+                        </a:ext>
+                      </a:extLst>
+                    </p:cNvPr>
+                    <p:cNvSpPr txBox="1"/>
+                    <p:nvPr/>
+                  </p:nvSpPr>
+                  <p:spPr>
+                    <a:xfrm>
+                      <a:off x="7921693" y="5811705"/>
+                      <a:ext cx="863349" cy="276999"/>
+                    </a:xfrm>
+                    <a:prstGeom prst="rect">
+                      <a:avLst/>
+                    </a:prstGeom>
+                    <a:noFill/>
+                  </p:spPr>
+                  <p:txBody>
+                    <a:bodyPr wrap="square" rtlCol="0">
+                      <a:spAutoFit/>
+                    </a:bodyPr>
+                    <a:lstStyle/>
+                    <a:p>
+                      <a:pPr algn="r"/>
+                      <a:r>
+                        <a:rPr lang="fr-FR" sz="1200" dirty="0"/>
+                        <a:t>Neutre</a:t>
+                      </a:r>
+                      <a:endParaRPr lang="fr-FR" sz="1600" dirty="0"/>
+                    </a:p>
+                  </p:txBody>
+                </p:sp>
+              </p:grpSp>
+              <p:grpSp>
+                <p:nvGrpSpPr>
+                  <p:cNvPr id="118" name="Groupe 117">
                     <a:extLst>
                       <a:ext uri="{FF2B5EF4-FFF2-40B4-BE49-F238E27FC236}">
-                        <a16:creationId xmlns:a16="http://schemas.microsoft.com/office/drawing/2014/main" id="{3DC43DB5-477A-4A89-BD77-EC7C10459D83}"/>
+                        <a16:creationId xmlns:a16="http://schemas.microsoft.com/office/drawing/2014/main" id="{5D1D2914-0D3E-4E91-AB23-00A485BC99C5}"/>
                       </a:ext>
                     </a:extLst>
                   </p:cNvPr>
-                  <p:cNvSpPr txBox="1"/>
+                  <p:cNvGrpSpPr/>
                   <p:nvPr/>
-                </p:nvSpPr>
-                <p:spPr>
+                </p:nvGrpSpPr>
+                <p:grpSpPr>
                   <a:xfrm>
-                    <a:off x="7921693" y="5811705"/>
-                    <a:ext cx="863349" cy="276999"/>
+                    <a:off x="7914073" y="6173120"/>
+                    <a:ext cx="1492306" cy="422375"/>
+                    <a:chOff x="7921693" y="5678058"/>
+                    <a:chExt cx="1492306" cy="422375"/>
                   </a:xfrm>
-                  <a:prstGeom prst="rect">
-                    <a:avLst/>
-                  </a:prstGeom>
-                  <a:noFill/>
-                </p:spPr>
-                <p:txBody>
-                  <a:bodyPr wrap="square" rtlCol="0">
-                    <a:spAutoFit/>
-                  </a:bodyPr>
-                  <a:lstStyle/>
-                  <a:p>
-                    <a:pPr algn="r"/>
-                    <a:r>
-                      <a:rPr lang="fr-FR" sz="1200" dirty="0">
+                </p:grpSpPr>
+                <p:sp>
+                  <p:nvSpPr>
+                    <p:cNvPr id="119" name="Rectangle : coins arrondis 118">
+                      <a:extLst>
+                        <a:ext uri="{FF2B5EF4-FFF2-40B4-BE49-F238E27FC236}">
+                          <a16:creationId xmlns:a16="http://schemas.microsoft.com/office/drawing/2014/main" id="{AA931CB7-8A6A-4FD7-B577-41DA0B9C2AA8}"/>
+                        </a:ext>
+                      </a:extLst>
+                    </p:cNvPr>
+                    <p:cNvSpPr/>
+                    <p:nvPr/>
+                  </p:nvSpPr>
+                  <p:spPr>
+                    <a:xfrm>
+                      <a:off x="8793120" y="5678058"/>
+                      <a:ext cx="620879" cy="422375"/>
+                    </a:xfrm>
+                    <a:prstGeom prst="roundRect">
+                      <a:avLst/>
+                    </a:prstGeom>
+                    <a:noFill/>
+                    <a:ln w="19050">
+                      <a:solidFill>
+                        <a:srgbClr val="64533E"/>
+                      </a:solidFill>
+                    </a:ln>
+                  </p:spPr>
+                  <p:style>
+                    <a:lnRef idx="2">
+                      <a:schemeClr val="accent1">
+                        <a:shade val="50000"/>
+                      </a:schemeClr>
+                    </a:lnRef>
+                    <a:fillRef idx="1">
+                      <a:schemeClr val="accent1"/>
+                    </a:fillRef>
+                    <a:effectRef idx="0">
+                      <a:schemeClr val="accent1"/>
+                    </a:effectRef>
+                    <a:fontRef idx="minor">
+                      <a:schemeClr val="lt1"/>
+                    </a:fontRef>
+                  </p:style>
+                  <p:txBody>
+                    <a:bodyPr rot="0" spcFirstLastPara="0" vert="horz" wrap="square" lIns="91440" tIns="45720" rIns="91440" bIns="45720" numCol="1" spcCol="0" rtlCol="0" fromWordArt="0" anchor="ctr" anchorCtr="0" forceAA="0" compatLnSpc="1">
+                      <a:prstTxWarp prst="textNoShape">
+                        <a:avLst/>
+                      </a:prstTxWarp>
+                      <a:noAutofit/>
+                    </a:bodyPr>
+                    <a:lstStyle/>
+                    <a:p>
+                      <a:pPr algn="ctr">
+                        <a:lnSpc>
+                          <a:spcPct val="107000"/>
+                        </a:lnSpc>
+                        <a:spcAft>
+                          <a:spcPts val="800"/>
+                        </a:spcAft>
+                      </a:pPr>
+                      <a:endParaRPr lang="fr-FR" sz="1400" b="1" dirty="0">
+                        <a:solidFill>
+                          <a:schemeClr val="accent2">
+                            <a:lumMod val="50000"/>
+                          </a:schemeClr>
+                        </a:solidFill>
+                        <a:effectLst/>
+                        <a:ea typeface="Calibri" panose="020F0502020204030204" pitchFamily="34" charset="0"/>
+                        <a:cs typeface="Times New Roman" panose="02020603050405020304" pitchFamily="18" charset="0"/>
+                      </a:endParaRPr>
+                    </a:p>
+                  </p:txBody>
+                </p:sp>
+                <p:sp>
+                  <p:nvSpPr>
+                    <p:cNvPr id="120" name="ZoneTexte 119">
+                      <a:extLst>
+                        <a:ext uri="{FF2B5EF4-FFF2-40B4-BE49-F238E27FC236}">
+                          <a16:creationId xmlns:a16="http://schemas.microsoft.com/office/drawing/2014/main" id="{3DC43DB5-477A-4A89-BD77-EC7C10459D83}"/>
+                        </a:ext>
+                      </a:extLst>
+                    </p:cNvPr>
+                    <p:cNvSpPr txBox="1"/>
+                    <p:nvPr/>
+                  </p:nvSpPr>
+                  <p:spPr>
+                    <a:xfrm>
+                      <a:off x="7921693" y="5811705"/>
+                      <a:ext cx="863349" cy="276999"/>
+                    </a:xfrm>
+                    <a:prstGeom prst="rect">
+                      <a:avLst/>
+                    </a:prstGeom>
+                    <a:noFill/>
+                  </p:spPr>
+                  <p:txBody>
+                    <a:bodyPr wrap="square" rtlCol="0">
+                      <a:spAutoFit/>
+                    </a:bodyPr>
+                    <a:lstStyle/>
+                    <a:p>
+                      <a:pPr algn="r"/>
+                      <a:r>
+                        <a:rPr lang="fr-FR" sz="1200" dirty="0">
+                          <a:solidFill>
+                            <a:srgbClr val="64533E"/>
+                          </a:solidFill>
+                        </a:rPr>
+                        <a:t>Terre</a:t>
+                      </a:r>
+                      <a:endParaRPr lang="fr-FR" sz="1600" dirty="0">
                         <a:solidFill>
                           <a:srgbClr val="64533E"/>
                         </a:solidFill>
-                      </a:rPr>
-                      <a:t>Terre</a:t>
-                    </a:r>
-                    <a:endParaRPr lang="fr-FR" sz="1600" dirty="0">
-                      <a:solidFill>
-                        <a:srgbClr val="64533E"/>
-                      </a:solidFill>
-                    </a:endParaRPr>
-                  </a:p>
-                </p:txBody>
-              </p:sp>
-            </p:grpSp>
-            <p:grpSp>
-              <p:nvGrpSpPr>
-                <p:cNvPr id="121" name="Groupe 120">
-                  <a:extLst>
-                    <a:ext uri="{FF2B5EF4-FFF2-40B4-BE49-F238E27FC236}">
-                      <a16:creationId xmlns:a16="http://schemas.microsoft.com/office/drawing/2014/main" id="{8DAE78B4-9967-4F7B-A538-D451D22BD2B2}"/>
-                    </a:ext>
-                  </a:extLst>
-                </p:cNvPr>
-                <p:cNvGrpSpPr/>
-                <p:nvPr/>
-              </p:nvGrpSpPr>
-              <p:grpSpPr>
-                <a:xfrm>
-                  <a:off x="7921693" y="6668182"/>
-                  <a:ext cx="1492306" cy="422375"/>
-                  <a:chOff x="7921693" y="5678058"/>
-                  <a:chExt cx="1492306" cy="422375"/>
-                </a:xfrm>
-              </p:grpSpPr>
-              <p:sp>
-                <p:nvSpPr>
-                  <p:cNvPr id="122" name="Rectangle : coins arrondis 121">
+                      </a:endParaRPr>
+                    </a:p>
+                  </p:txBody>
+                </p:sp>
+              </p:grpSp>
+              <p:grpSp>
+                <p:nvGrpSpPr>
+                  <p:cNvPr id="121" name="Groupe 120">
                     <a:extLst>
                       <a:ext uri="{FF2B5EF4-FFF2-40B4-BE49-F238E27FC236}">
-                        <a16:creationId xmlns:a16="http://schemas.microsoft.com/office/drawing/2014/main" id="{91781F66-4F03-402F-B562-AAF501873C76}"/>
+                        <a16:creationId xmlns:a16="http://schemas.microsoft.com/office/drawing/2014/main" id="{8DAE78B4-9967-4F7B-A538-D451D22BD2B2}"/>
                       </a:ext>
                     </a:extLst>
                   </p:cNvPr>
-                  <p:cNvSpPr/>
+                  <p:cNvGrpSpPr/>
                   <p:nvPr/>
-                </p:nvSpPr>
-                <p:spPr>
+                </p:nvGrpSpPr>
+                <p:grpSpPr>
                   <a:xfrm>
-                    <a:off x="8793120" y="5678058"/>
-                    <a:ext cx="620879" cy="422375"/>
+                    <a:off x="7921693" y="6668182"/>
+                    <a:ext cx="1492306" cy="422375"/>
+                    <a:chOff x="7921693" y="5678058"/>
+                    <a:chExt cx="1492306" cy="422375"/>
                   </a:xfrm>
-                  <a:prstGeom prst="roundRect">
-                    <a:avLst/>
-                  </a:prstGeom>
-                  <a:noFill/>
-                  <a:ln w="19050">
-                    <a:solidFill>
-                      <a:srgbClr val="C00000"/>
-                    </a:solidFill>
-                  </a:ln>
-                </p:spPr>
-                <p:style>
-                  <a:lnRef idx="2">
-                    <a:schemeClr val="accent1">
-                      <a:shade val="50000"/>
-                    </a:schemeClr>
-                  </a:lnRef>
-                  <a:fillRef idx="1">
-                    <a:schemeClr val="accent1"/>
-                  </a:fillRef>
-                  <a:effectRef idx="0">
-                    <a:schemeClr val="accent1"/>
-                  </a:effectRef>
-                  <a:fontRef idx="minor">
-                    <a:schemeClr val="lt1"/>
-                  </a:fontRef>
-                </p:style>
-                <p:txBody>
-                  <a:bodyPr rot="0" spcFirstLastPara="0" vert="horz" wrap="square" lIns="91440" tIns="45720" rIns="91440" bIns="45720" numCol="1" spcCol="0" rtlCol="0" fromWordArt="0" anchor="ctr" anchorCtr="0" forceAA="0" compatLnSpc="1">
-                    <a:prstTxWarp prst="textNoShape">
+                </p:grpSpPr>
+                <p:sp>
+                  <p:nvSpPr>
+                    <p:cNvPr id="122" name="Rectangle : coins arrondis 121">
+                      <a:extLst>
+                        <a:ext uri="{FF2B5EF4-FFF2-40B4-BE49-F238E27FC236}">
+                          <a16:creationId xmlns:a16="http://schemas.microsoft.com/office/drawing/2014/main" id="{91781F66-4F03-402F-B562-AAF501873C76}"/>
+                        </a:ext>
+                      </a:extLst>
+                    </p:cNvPr>
+                    <p:cNvSpPr/>
+                    <p:nvPr/>
+                  </p:nvSpPr>
+                  <p:spPr>
+                    <a:xfrm>
+                      <a:off x="8793120" y="5678058"/>
+                      <a:ext cx="620879" cy="422375"/>
+                    </a:xfrm>
+                    <a:prstGeom prst="roundRect">
                       <a:avLst/>
-                    </a:prstTxWarp>
-                    <a:noAutofit/>
-                  </a:bodyPr>
-                  <a:lstStyle/>
-                  <a:p>
-                    <a:pPr algn="ctr">
-                      <a:lnSpc>
-                        <a:spcPct val="107000"/>
-                      </a:lnSpc>
-                      <a:spcAft>
-                        <a:spcPts val="800"/>
-                      </a:spcAft>
-                    </a:pPr>
-                    <a:endParaRPr lang="fr-FR" sz="1400" b="1" dirty="0">
-                      <a:solidFill>
-                        <a:schemeClr val="accent2">
-                          <a:lumMod val="50000"/>
-                        </a:schemeClr>
-                      </a:solidFill>
-                      <a:effectLst/>
-                      <a:ea typeface="Calibri" panose="020F0502020204030204" pitchFamily="34" charset="0"/>
-                      <a:cs typeface="Times New Roman" panose="02020603050405020304" pitchFamily="18" charset="0"/>
-                    </a:endParaRPr>
-                  </a:p>
-                </p:txBody>
-              </p:sp>
-              <p:sp>
-                <p:nvSpPr>
-                  <p:cNvPr id="123" name="ZoneTexte 122">
+                    </a:prstGeom>
+                    <a:noFill/>
+                    <a:ln w="19050">
+                      <a:solidFill>
+                        <a:srgbClr val="C00000"/>
+                      </a:solidFill>
+                    </a:ln>
+                  </p:spPr>
+                  <p:style>
+                    <a:lnRef idx="2">
+                      <a:schemeClr val="accent1">
+                        <a:shade val="50000"/>
+                      </a:schemeClr>
+                    </a:lnRef>
+                    <a:fillRef idx="1">
+                      <a:schemeClr val="accent1"/>
+                    </a:fillRef>
+                    <a:effectRef idx="0">
+                      <a:schemeClr val="accent1"/>
+                    </a:effectRef>
+                    <a:fontRef idx="minor">
+                      <a:schemeClr val="lt1"/>
+                    </a:fontRef>
+                  </p:style>
+                  <p:txBody>
+                    <a:bodyPr rot="0" spcFirstLastPara="0" vert="horz" wrap="square" lIns="91440" tIns="45720" rIns="91440" bIns="45720" numCol="1" spcCol="0" rtlCol="0" fromWordArt="0" anchor="ctr" anchorCtr="0" forceAA="0" compatLnSpc="1">
+                      <a:prstTxWarp prst="textNoShape">
+                        <a:avLst/>
+                      </a:prstTxWarp>
+                      <a:noAutofit/>
+                    </a:bodyPr>
+                    <a:lstStyle/>
+                    <a:p>
+                      <a:pPr algn="ctr">
+                        <a:lnSpc>
+                          <a:spcPct val="107000"/>
+                        </a:lnSpc>
+                        <a:spcAft>
+                          <a:spcPts val="800"/>
+                        </a:spcAft>
+                      </a:pPr>
+                      <a:endParaRPr lang="fr-FR" sz="1400" b="1" dirty="0">
+                        <a:solidFill>
+                          <a:schemeClr val="accent2">
+                            <a:lumMod val="50000"/>
+                          </a:schemeClr>
+                        </a:solidFill>
+                        <a:effectLst/>
+                        <a:ea typeface="Calibri" panose="020F0502020204030204" pitchFamily="34" charset="0"/>
+                        <a:cs typeface="Times New Roman" panose="02020603050405020304" pitchFamily="18" charset="0"/>
+                      </a:endParaRPr>
+                    </a:p>
+                  </p:txBody>
+                </p:sp>
+                <p:sp>
+                  <p:nvSpPr>
+                    <p:cNvPr id="123" name="ZoneTexte 122">
+                      <a:extLst>
+                        <a:ext uri="{FF2B5EF4-FFF2-40B4-BE49-F238E27FC236}">
+                          <a16:creationId xmlns:a16="http://schemas.microsoft.com/office/drawing/2014/main" id="{37D1A162-4060-4307-9FBE-BEBD5D5CDE2B}"/>
+                        </a:ext>
+                      </a:extLst>
+                    </p:cNvPr>
+                    <p:cNvSpPr txBox="1"/>
+                    <p:nvPr/>
+                  </p:nvSpPr>
+                  <p:spPr>
+                    <a:xfrm>
+                      <a:off x="7921693" y="5807895"/>
+                      <a:ext cx="863349" cy="276999"/>
+                    </a:xfrm>
+                    <a:prstGeom prst="rect">
+                      <a:avLst/>
+                    </a:prstGeom>
+                    <a:noFill/>
+                  </p:spPr>
+                  <p:txBody>
+                    <a:bodyPr wrap="square" rtlCol="0">
+                      <a:spAutoFit/>
+                    </a:bodyPr>
+                    <a:lstStyle/>
+                    <a:p>
+                      <a:pPr algn="r"/>
+                      <a:r>
+                        <a:rPr lang="fr-FR" sz="1200" dirty="0">
+                          <a:solidFill>
+                            <a:srgbClr val="C00000"/>
+                          </a:solidFill>
+                        </a:rPr>
+                        <a:t>Feu</a:t>
+                      </a:r>
+                      <a:endParaRPr lang="fr-FR" sz="1600" dirty="0">
+                        <a:solidFill>
+                          <a:srgbClr val="C00000"/>
+                        </a:solidFill>
+                      </a:endParaRPr>
+                    </a:p>
+                  </p:txBody>
+                </p:sp>
+              </p:grpSp>
+              <p:grpSp>
+                <p:nvGrpSpPr>
+                  <p:cNvPr id="124" name="Groupe 123">
                     <a:extLst>
                       <a:ext uri="{FF2B5EF4-FFF2-40B4-BE49-F238E27FC236}">
-                        <a16:creationId xmlns:a16="http://schemas.microsoft.com/office/drawing/2014/main" id="{37D1A162-4060-4307-9FBE-BEBD5D5CDE2B}"/>
+                        <a16:creationId xmlns:a16="http://schemas.microsoft.com/office/drawing/2014/main" id="{8310A8BA-B0D0-4E07-94F1-0FCE11676E7B}"/>
                       </a:ext>
                     </a:extLst>
                   </p:cNvPr>
-                  <p:cNvSpPr txBox="1"/>
+                  <p:cNvGrpSpPr/>
                   <p:nvPr/>
-                </p:nvSpPr>
-                <p:spPr>
+                </p:nvGrpSpPr>
+                <p:grpSpPr>
                   <a:xfrm>
-                    <a:off x="7921693" y="5807895"/>
-                    <a:ext cx="863349" cy="276999"/>
+                    <a:off x="7921693" y="7163242"/>
+                    <a:ext cx="1492306" cy="422375"/>
+                    <a:chOff x="7921693" y="5678058"/>
+                    <a:chExt cx="1492306" cy="422375"/>
                   </a:xfrm>
-                  <a:prstGeom prst="rect">
-                    <a:avLst/>
-                  </a:prstGeom>
-                  <a:noFill/>
-                </p:spPr>
-                <p:txBody>
-                  <a:bodyPr wrap="square" rtlCol="0">
-                    <a:spAutoFit/>
-                  </a:bodyPr>
-                  <a:lstStyle/>
-                  <a:p>
-                    <a:pPr algn="r"/>
-                    <a:r>
-                      <a:rPr lang="fr-FR" sz="1200" dirty="0">
-                        <a:solidFill>
-                          <a:srgbClr val="C00000"/>
-                        </a:solidFill>
-                      </a:rPr>
-                      <a:t>Feu</a:t>
-                    </a:r>
-                    <a:endParaRPr lang="fr-FR" sz="1600" dirty="0">
-                      <a:solidFill>
-                        <a:srgbClr val="C00000"/>
-                      </a:solidFill>
-                    </a:endParaRPr>
-                  </a:p>
-                </p:txBody>
-              </p:sp>
-            </p:grpSp>
-            <p:grpSp>
-              <p:nvGrpSpPr>
-                <p:cNvPr id="124" name="Groupe 123">
-                  <a:extLst>
-                    <a:ext uri="{FF2B5EF4-FFF2-40B4-BE49-F238E27FC236}">
-                      <a16:creationId xmlns:a16="http://schemas.microsoft.com/office/drawing/2014/main" id="{8310A8BA-B0D0-4E07-94F1-0FCE11676E7B}"/>
-                    </a:ext>
-                  </a:extLst>
-                </p:cNvPr>
-                <p:cNvGrpSpPr/>
-                <p:nvPr/>
-              </p:nvGrpSpPr>
-              <p:grpSpPr>
-                <a:xfrm>
-                  <a:off x="7921693" y="7163242"/>
-                  <a:ext cx="1492306" cy="422375"/>
-                  <a:chOff x="7921693" y="5678058"/>
-                  <a:chExt cx="1492306" cy="422375"/>
-                </a:xfrm>
-              </p:grpSpPr>
-              <p:sp>
-                <p:nvSpPr>
-                  <p:cNvPr id="125" name="Rectangle : coins arrondis 124">
-                    <a:extLst>
-                      <a:ext uri="{FF2B5EF4-FFF2-40B4-BE49-F238E27FC236}">
-                        <a16:creationId xmlns:a16="http://schemas.microsoft.com/office/drawing/2014/main" id="{217E29FA-789F-4B44-B91D-BC72AFD45720}"/>
-                      </a:ext>
-                    </a:extLst>
-                  </p:cNvPr>
-                  <p:cNvSpPr/>
-                  <p:nvPr/>
-                </p:nvSpPr>
-                <p:spPr>
-                  <a:xfrm>
-                    <a:off x="8793120" y="5678058"/>
-                    <a:ext cx="620879" cy="422375"/>
-                  </a:xfrm>
-                  <a:prstGeom prst="roundRect">
-                    <a:avLst/>
-                  </a:prstGeom>
-                  <a:noFill/>
-                  <a:ln w="19050">
-                    <a:solidFill>
-                      <a:schemeClr val="accent6">
-                        <a:lumMod val="50000"/>
-                      </a:schemeClr>
-                    </a:solidFill>
-                  </a:ln>
-                </p:spPr>
-                <p:style>
-                  <a:lnRef idx="2">
-                    <a:schemeClr val="accent1">
-                      <a:shade val="50000"/>
-                    </a:schemeClr>
-                  </a:lnRef>
-                  <a:fillRef idx="1">
-                    <a:schemeClr val="accent1"/>
-                  </a:fillRef>
-                  <a:effectRef idx="0">
-                    <a:schemeClr val="accent1"/>
-                  </a:effectRef>
-                  <a:fontRef idx="minor">
-                    <a:schemeClr val="lt1"/>
-                  </a:fontRef>
-                </p:style>
-                <p:txBody>
-                  <a:bodyPr rot="0" spcFirstLastPara="0" vert="horz" wrap="square" lIns="91440" tIns="45720" rIns="91440" bIns="45720" numCol="1" spcCol="0" rtlCol="0" fromWordArt="0" anchor="ctr" anchorCtr="0" forceAA="0" compatLnSpc="1">
-                    <a:prstTxWarp prst="textNoShape">
+                </p:grpSpPr>
+                <p:sp>
+                  <p:nvSpPr>
+                    <p:cNvPr id="125" name="Rectangle : coins arrondis 124">
+                      <a:extLst>
+                        <a:ext uri="{FF2B5EF4-FFF2-40B4-BE49-F238E27FC236}">
+                          <a16:creationId xmlns:a16="http://schemas.microsoft.com/office/drawing/2014/main" id="{217E29FA-789F-4B44-B91D-BC72AFD45720}"/>
+                        </a:ext>
+                      </a:extLst>
+                    </p:cNvPr>
+                    <p:cNvSpPr/>
+                    <p:nvPr/>
+                  </p:nvSpPr>
+                  <p:spPr>
+                    <a:xfrm>
+                      <a:off x="8793120" y="5678058"/>
+                      <a:ext cx="620879" cy="422375"/>
+                    </a:xfrm>
+                    <a:prstGeom prst="roundRect">
                       <a:avLst/>
-                    </a:prstTxWarp>
-                    <a:noAutofit/>
-                  </a:bodyPr>
-                  <a:lstStyle/>
-                  <a:p>
-                    <a:pPr algn="ctr">
-                      <a:lnSpc>
-                        <a:spcPct val="107000"/>
-                      </a:lnSpc>
-                      <a:spcAft>
-                        <a:spcPts val="800"/>
-                      </a:spcAft>
-                    </a:pPr>
-                    <a:endParaRPr lang="fr-FR" sz="1400" b="1" dirty="0">
-                      <a:solidFill>
-                        <a:schemeClr val="accent2">
+                    </a:prstGeom>
+                    <a:noFill/>
+                    <a:ln w="19050">
+                      <a:solidFill>
+                        <a:schemeClr val="accent6">
                           <a:lumMod val="50000"/>
                         </a:schemeClr>
                       </a:solidFill>
-                      <a:effectLst/>
-                      <a:ea typeface="Calibri" panose="020F0502020204030204" pitchFamily="34" charset="0"/>
-                      <a:cs typeface="Times New Roman" panose="02020603050405020304" pitchFamily="18" charset="0"/>
-                    </a:endParaRPr>
-                  </a:p>
-                </p:txBody>
-              </p:sp>
-              <p:sp>
-                <p:nvSpPr>
-                  <p:cNvPr id="126" name="ZoneTexte 125">
-                    <a:extLst>
-                      <a:ext uri="{FF2B5EF4-FFF2-40B4-BE49-F238E27FC236}">
-                        <a16:creationId xmlns:a16="http://schemas.microsoft.com/office/drawing/2014/main" id="{59A29BDD-DE5C-4DAF-A4F8-51D8B0BB5BDA}"/>
-                      </a:ext>
-                    </a:extLst>
-                  </p:cNvPr>
-                  <p:cNvSpPr txBox="1"/>
-                  <p:nvPr/>
-                </p:nvSpPr>
-                <p:spPr>
-                  <a:xfrm>
-                    <a:off x="7921693" y="5804085"/>
-                    <a:ext cx="863349" cy="276999"/>
-                  </a:xfrm>
-                  <a:prstGeom prst="rect">
-                    <a:avLst/>
-                  </a:prstGeom>
-                  <a:noFill/>
-                </p:spPr>
-                <p:txBody>
-                  <a:bodyPr wrap="square" rtlCol="0">
-                    <a:spAutoFit/>
-                  </a:bodyPr>
-                  <a:lstStyle/>
-                  <a:p>
-                    <a:pPr algn="r"/>
-                    <a:r>
-                      <a:rPr lang="fr-FR" sz="1200" dirty="0">
+                    </a:ln>
+                  </p:spPr>
+                  <p:style>
+                    <a:lnRef idx="2">
+                      <a:schemeClr val="accent1">
+                        <a:shade val="50000"/>
+                      </a:schemeClr>
+                    </a:lnRef>
+                    <a:fillRef idx="1">
+                      <a:schemeClr val="accent1"/>
+                    </a:fillRef>
+                    <a:effectRef idx="0">
+                      <a:schemeClr val="accent1"/>
+                    </a:effectRef>
+                    <a:fontRef idx="minor">
+                      <a:schemeClr val="lt1"/>
+                    </a:fontRef>
+                  </p:style>
+                  <p:txBody>
+                    <a:bodyPr rot="0" spcFirstLastPara="0" vert="horz" wrap="square" lIns="91440" tIns="45720" rIns="91440" bIns="45720" numCol="1" spcCol="0" rtlCol="0" fromWordArt="0" anchor="ctr" anchorCtr="0" forceAA="0" compatLnSpc="1">
+                      <a:prstTxWarp prst="textNoShape">
+                        <a:avLst/>
+                      </a:prstTxWarp>
+                      <a:noAutofit/>
+                    </a:bodyPr>
+                    <a:lstStyle/>
+                    <a:p>
+                      <a:pPr algn="ctr">
+                        <a:lnSpc>
+                          <a:spcPct val="107000"/>
+                        </a:lnSpc>
+                        <a:spcAft>
+                          <a:spcPts val="800"/>
+                        </a:spcAft>
+                      </a:pPr>
+                      <a:endParaRPr lang="fr-FR" sz="1400" b="1" dirty="0">
+                        <a:solidFill>
+                          <a:schemeClr val="accent2">
+                            <a:lumMod val="50000"/>
+                          </a:schemeClr>
+                        </a:solidFill>
+                        <a:effectLst/>
+                        <a:ea typeface="Calibri" panose="020F0502020204030204" pitchFamily="34" charset="0"/>
+                        <a:cs typeface="Times New Roman" panose="02020603050405020304" pitchFamily="18" charset="0"/>
+                      </a:endParaRPr>
+                    </a:p>
+                  </p:txBody>
+                </p:sp>
+                <p:sp>
+                  <p:nvSpPr>
+                    <p:cNvPr id="126" name="ZoneTexte 125">
+                      <a:extLst>
+                        <a:ext uri="{FF2B5EF4-FFF2-40B4-BE49-F238E27FC236}">
+                          <a16:creationId xmlns:a16="http://schemas.microsoft.com/office/drawing/2014/main" id="{59A29BDD-DE5C-4DAF-A4F8-51D8B0BB5BDA}"/>
+                        </a:ext>
+                      </a:extLst>
+                    </p:cNvPr>
+                    <p:cNvSpPr txBox="1"/>
+                    <p:nvPr/>
+                  </p:nvSpPr>
+                  <p:spPr>
+                    <a:xfrm>
+                      <a:off x="7921693" y="5804085"/>
+                      <a:ext cx="863349" cy="276999"/>
+                    </a:xfrm>
+                    <a:prstGeom prst="rect">
+                      <a:avLst/>
+                    </a:prstGeom>
+                    <a:noFill/>
+                  </p:spPr>
+                  <p:txBody>
+                    <a:bodyPr wrap="square" rtlCol="0">
+                      <a:spAutoFit/>
+                    </a:bodyPr>
+                    <a:lstStyle/>
+                    <a:p>
+                      <a:pPr algn="r"/>
+                      <a:r>
+                        <a:rPr lang="fr-FR" sz="1200" dirty="0">
+                          <a:solidFill>
+                            <a:schemeClr val="accent6">
+                              <a:lumMod val="50000"/>
+                            </a:schemeClr>
+                          </a:solidFill>
+                        </a:rPr>
+                        <a:t>Air</a:t>
+                      </a:r>
+                      <a:endParaRPr lang="fr-FR" sz="1600" dirty="0">
                         <a:solidFill>
                           <a:schemeClr val="accent6">
                             <a:lumMod val="50000"/>
                           </a:schemeClr>
                         </a:solidFill>
-                      </a:rPr>
-                      <a:t>Air</a:t>
-                    </a:r>
-                    <a:endParaRPr lang="fr-FR" sz="1600" dirty="0">
-                      <a:solidFill>
-                        <a:schemeClr val="accent6">
-                          <a:lumMod val="50000"/>
-                        </a:schemeClr>
-                      </a:solidFill>
-                    </a:endParaRPr>
-                  </a:p>
-                </p:txBody>
-              </p:sp>
-            </p:grpSp>
-            <p:grpSp>
-              <p:nvGrpSpPr>
-                <p:cNvPr id="127" name="Groupe 126">
-                  <a:extLst>
-                    <a:ext uri="{FF2B5EF4-FFF2-40B4-BE49-F238E27FC236}">
-                      <a16:creationId xmlns:a16="http://schemas.microsoft.com/office/drawing/2014/main" id="{12FE6D47-1A7E-4D90-A3C7-5C8A74A1B321}"/>
-                    </a:ext>
-                  </a:extLst>
-                </p:cNvPr>
-                <p:cNvGrpSpPr/>
-                <p:nvPr/>
-              </p:nvGrpSpPr>
-              <p:grpSpPr>
-                <a:xfrm>
-                  <a:off x="7921693" y="7658304"/>
-                  <a:ext cx="1492306" cy="422375"/>
-                  <a:chOff x="7921693" y="5678058"/>
-                  <a:chExt cx="1492306" cy="422375"/>
-                </a:xfrm>
-              </p:grpSpPr>
-              <p:sp>
-                <p:nvSpPr>
-                  <p:cNvPr id="128" name="Rectangle : coins arrondis 127">
+                      </a:endParaRPr>
+                    </a:p>
+                  </p:txBody>
+                </p:sp>
+              </p:grpSp>
+              <p:grpSp>
+                <p:nvGrpSpPr>
+                  <p:cNvPr id="127" name="Groupe 126">
                     <a:extLst>
                       <a:ext uri="{FF2B5EF4-FFF2-40B4-BE49-F238E27FC236}">
-                        <a16:creationId xmlns:a16="http://schemas.microsoft.com/office/drawing/2014/main" id="{B84FE806-2F88-4197-B3D9-0431058E35CF}"/>
+                        <a16:creationId xmlns:a16="http://schemas.microsoft.com/office/drawing/2014/main" id="{12FE6D47-1A7E-4D90-A3C7-5C8A74A1B321}"/>
                       </a:ext>
                     </a:extLst>
                   </p:cNvPr>
-                  <p:cNvSpPr/>
+                  <p:cNvGrpSpPr/>
                   <p:nvPr/>
-                </p:nvSpPr>
-                <p:spPr>
+                </p:nvGrpSpPr>
+                <p:grpSpPr>
                   <a:xfrm>
-                    <a:off x="8793120" y="5678058"/>
-                    <a:ext cx="620879" cy="422375"/>
+                    <a:off x="7921693" y="7658304"/>
+                    <a:ext cx="1492306" cy="422375"/>
+                    <a:chOff x="7921693" y="5678058"/>
+                    <a:chExt cx="1492306" cy="422375"/>
                   </a:xfrm>
-                  <a:prstGeom prst="roundRect">
-                    <a:avLst/>
-                  </a:prstGeom>
-                  <a:noFill/>
-                  <a:ln w="19050">
-                    <a:solidFill>
+                </p:grpSpPr>
+                <p:sp>
+                  <p:nvSpPr>
+                    <p:cNvPr id="128" name="Rectangle : coins arrondis 127">
+                      <a:extLst>
+                        <a:ext uri="{FF2B5EF4-FFF2-40B4-BE49-F238E27FC236}">
+                          <a16:creationId xmlns:a16="http://schemas.microsoft.com/office/drawing/2014/main" id="{B84FE806-2F88-4197-B3D9-0431058E35CF}"/>
+                        </a:ext>
+                      </a:extLst>
+                    </p:cNvPr>
+                    <p:cNvSpPr/>
+                    <p:nvPr/>
+                  </p:nvSpPr>
+                  <p:spPr>
+                    <a:xfrm>
+                      <a:off x="8793120" y="5678058"/>
+                      <a:ext cx="620879" cy="422375"/>
+                    </a:xfrm>
+                    <a:prstGeom prst="roundRect">
+                      <a:avLst/>
+                    </a:prstGeom>
+                    <a:noFill/>
+                    <a:ln w="19050">
+                      <a:solidFill>
+                        <a:schemeClr val="accent1">
+                          <a:lumMod val="75000"/>
+                        </a:schemeClr>
+                      </a:solidFill>
+                    </a:ln>
+                  </p:spPr>
+                  <p:style>
+                    <a:lnRef idx="2">
                       <a:schemeClr val="accent1">
-                        <a:lumMod val="75000"/>
+                        <a:shade val="50000"/>
                       </a:schemeClr>
-                    </a:solidFill>
-                  </a:ln>
-                </p:spPr>
-                <p:style>
-                  <a:lnRef idx="2">
-                    <a:schemeClr val="accent1">
-                      <a:shade val="50000"/>
-                    </a:schemeClr>
-                  </a:lnRef>
-                  <a:fillRef idx="1">
-                    <a:schemeClr val="accent1"/>
-                  </a:fillRef>
-                  <a:effectRef idx="0">
-                    <a:schemeClr val="accent1"/>
-                  </a:effectRef>
-                  <a:fontRef idx="minor">
-                    <a:schemeClr val="lt1"/>
-                  </a:fontRef>
-                </p:style>
-                <p:txBody>
-                  <a:bodyPr rot="0" spcFirstLastPara="0" vert="horz" wrap="square" lIns="91440" tIns="45720" rIns="91440" bIns="45720" numCol="1" spcCol="0" rtlCol="0" fromWordArt="0" anchor="ctr" anchorCtr="0" forceAA="0" compatLnSpc="1">
-                    <a:prstTxWarp prst="textNoShape">
+                    </a:lnRef>
+                    <a:fillRef idx="1">
+                      <a:schemeClr val="accent1"/>
+                    </a:fillRef>
+                    <a:effectRef idx="0">
+                      <a:schemeClr val="accent1"/>
+                    </a:effectRef>
+                    <a:fontRef idx="minor">
+                      <a:schemeClr val="lt1"/>
+                    </a:fontRef>
+                  </p:style>
+                  <p:txBody>
+                    <a:bodyPr rot="0" spcFirstLastPara="0" vert="horz" wrap="square" lIns="91440" tIns="45720" rIns="91440" bIns="45720" numCol="1" spcCol="0" rtlCol="0" fromWordArt="0" anchor="ctr" anchorCtr="0" forceAA="0" compatLnSpc="1">
+                      <a:prstTxWarp prst="textNoShape">
+                        <a:avLst/>
+                      </a:prstTxWarp>
+                      <a:noAutofit/>
+                    </a:bodyPr>
+                    <a:lstStyle/>
+                    <a:p>
+                      <a:pPr algn="ctr">
+                        <a:lnSpc>
+                          <a:spcPct val="107000"/>
+                        </a:lnSpc>
+                        <a:spcAft>
+                          <a:spcPts val="800"/>
+                        </a:spcAft>
+                      </a:pPr>
+                      <a:endParaRPr lang="fr-FR" sz="1400" b="1" dirty="0">
+                        <a:solidFill>
+                          <a:schemeClr val="accent2">
+                            <a:lumMod val="50000"/>
+                          </a:schemeClr>
+                        </a:solidFill>
+                        <a:effectLst/>
+                        <a:ea typeface="Calibri" panose="020F0502020204030204" pitchFamily="34" charset="0"/>
+                        <a:cs typeface="Times New Roman" panose="02020603050405020304" pitchFamily="18" charset="0"/>
+                      </a:endParaRPr>
+                    </a:p>
+                  </p:txBody>
+                </p:sp>
+                <p:sp>
+                  <p:nvSpPr>
+                    <p:cNvPr id="129" name="ZoneTexte 128">
+                      <a:extLst>
+                        <a:ext uri="{FF2B5EF4-FFF2-40B4-BE49-F238E27FC236}">
+                          <a16:creationId xmlns:a16="http://schemas.microsoft.com/office/drawing/2014/main" id="{0449ABAD-AA8E-48C3-9508-F4B6A904ECB1}"/>
+                        </a:ext>
+                      </a:extLst>
+                    </p:cNvPr>
+                    <p:cNvSpPr txBox="1"/>
+                    <p:nvPr/>
+                  </p:nvSpPr>
+                  <p:spPr>
+                    <a:xfrm>
+                      <a:off x="7921693" y="5807895"/>
+                      <a:ext cx="863349" cy="276999"/>
+                    </a:xfrm>
+                    <a:prstGeom prst="rect">
                       <a:avLst/>
-                    </a:prstTxWarp>
-                    <a:noAutofit/>
-                  </a:bodyPr>
-                  <a:lstStyle/>
-                  <a:p>
-                    <a:pPr algn="ctr">
-                      <a:lnSpc>
-                        <a:spcPct val="107000"/>
-                      </a:lnSpc>
-                      <a:spcAft>
-                        <a:spcPts val="800"/>
-                      </a:spcAft>
-                    </a:pPr>
-                    <a:endParaRPr lang="fr-FR" sz="1400" b="1" dirty="0">
-                      <a:solidFill>
-                        <a:schemeClr val="accent2">
-                          <a:lumMod val="50000"/>
-                        </a:schemeClr>
-                      </a:solidFill>
-                      <a:effectLst/>
-                      <a:ea typeface="Calibri" panose="020F0502020204030204" pitchFamily="34" charset="0"/>
-                      <a:cs typeface="Times New Roman" panose="02020603050405020304" pitchFamily="18" charset="0"/>
-                    </a:endParaRPr>
-                  </a:p>
-                </p:txBody>
-              </p:sp>
-              <p:sp>
-                <p:nvSpPr>
-                  <p:cNvPr id="129" name="ZoneTexte 128">
-                    <a:extLst>
-                      <a:ext uri="{FF2B5EF4-FFF2-40B4-BE49-F238E27FC236}">
-                        <a16:creationId xmlns:a16="http://schemas.microsoft.com/office/drawing/2014/main" id="{0449ABAD-AA8E-48C3-9508-F4B6A904ECB1}"/>
-                      </a:ext>
-                    </a:extLst>
-                  </p:cNvPr>
-                  <p:cNvSpPr txBox="1"/>
-                  <p:nvPr/>
-                </p:nvSpPr>
-                <p:spPr>
-                  <a:xfrm>
-                    <a:off x="7921693" y="5807895"/>
-                    <a:ext cx="863349" cy="276999"/>
-                  </a:xfrm>
-                  <a:prstGeom prst="rect">
-                    <a:avLst/>
-                  </a:prstGeom>
-                  <a:noFill/>
-                </p:spPr>
-                <p:txBody>
-                  <a:bodyPr wrap="square" rtlCol="0">
-                    <a:spAutoFit/>
-                  </a:bodyPr>
-                  <a:lstStyle/>
-                  <a:p>
-                    <a:pPr algn="r"/>
-                    <a:r>
-                      <a:rPr lang="fr-FR" sz="1200" dirty="0">
+                    </a:prstGeom>
+                    <a:noFill/>
+                  </p:spPr>
+                  <p:txBody>
+                    <a:bodyPr wrap="square" rtlCol="0">
+                      <a:spAutoFit/>
+                    </a:bodyPr>
+                    <a:lstStyle/>
+                    <a:p>
+                      <a:pPr algn="r"/>
+                      <a:r>
+                        <a:rPr lang="fr-FR" sz="1200" dirty="0">
+                          <a:solidFill>
+                            <a:schemeClr val="accent1">
+                              <a:lumMod val="75000"/>
+                            </a:schemeClr>
+                          </a:solidFill>
+                        </a:rPr>
+                        <a:t>Eau</a:t>
+                      </a:r>
+                      <a:endParaRPr lang="fr-FR" sz="1600" dirty="0">
                         <a:solidFill>
                           <a:schemeClr val="accent1">
                             <a:lumMod val="75000"/>
                           </a:schemeClr>
                         </a:solidFill>
-                      </a:rPr>
-                      <a:t>Eau</a:t>
-                    </a:r>
-                    <a:endParaRPr lang="fr-FR" sz="1600" dirty="0">
-                      <a:solidFill>
-                        <a:schemeClr val="accent1">
-                          <a:lumMod val="75000"/>
-                        </a:schemeClr>
-                      </a:solidFill>
-                    </a:endParaRPr>
-                  </a:p>
-                </p:txBody>
-              </p:sp>
+                      </a:endParaRPr>
+                    </a:p>
+                  </p:txBody>
+                </p:sp>
+              </p:grpSp>
             </p:grpSp>
+            <p:pic>
+              <p:nvPicPr>
+                <p:cNvPr id="2052" name="Picture 4" descr="Résistance Terre">
+                  <a:extLst>
+                    <a:ext uri="{FF2B5EF4-FFF2-40B4-BE49-F238E27FC236}">
+                      <a16:creationId xmlns:a16="http://schemas.microsoft.com/office/drawing/2014/main" id="{1AA83440-535F-4B61-86C4-DC570E98AC08}"/>
+                    </a:ext>
+                  </a:extLst>
+                </p:cNvPr>
+                <p:cNvPicPr>
+                  <a:picLocks noChangeAspect="1" noChangeArrowheads="1"/>
+                </p:cNvPicPr>
+                <p:nvPr/>
+              </p:nvPicPr>
+              <p:blipFill>
+                <a:blip r:embed="rId18">
+                  <a:extLst>
+                    <a:ext uri="{28A0092B-C50C-407E-A947-70E740481C1C}">
+                      <a14:useLocalDpi xmlns:a14="http://schemas.microsoft.com/office/drawing/2010/main" val="0"/>
+                    </a:ext>
+                  </a:extLst>
+                </a:blip>
+                <a:srcRect/>
+                <a:stretch>
+                  <a:fillRect/>
+                </a:stretch>
+              </p:blipFill>
+              <p:spPr bwMode="auto">
+                <a:xfrm>
+                  <a:off x="8415629" y="8695093"/>
+                  <a:ext cx="190500" cy="171450"/>
+                </a:xfrm>
+                <a:prstGeom prst="rect">
+                  <a:avLst/>
+                </a:prstGeom>
+                <a:noFill/>
+                <a:extLst>
+                  <a:ext uri="{909E8E84-426E-40DD-AFC4-6F175D3DCCD1}">
+                    <a14:hiddenFill xmlns:a14="http://schemas.microsoft.com/office/drawing/2010/main">
+                      <a:solidFill>
+                        <a:srgbClr val="FFFFFF"/>
+                      </a:solidFill>
+                    </a14:hiddenFill>
+                  </a:ext>
+                </a:extLst>
+              </p:spPr>
+            </p:pic>
+            <p:pic>
+              <p:nvPicPr>
+                <p:cNvPr id="2054" name="Picture 6" descr="Résistance Feu">
+                  <a:extLst>
+                    <a:ext uri="{FF2B5EF4-FFF2-40B4-BE49-F238E27FC236}">
+                      <a16:creationId xmlns:a16="http://schemas.microsoft.com/office/drawing/2014/main" id="{7B26F2FC-A002-4D70-AAC4-BB606347A116}"/>
+                    </a:ext>
+                  </a:extLst>
+                </p:cNvPr>
+                <p:cNvPicPr>
+                  <a:picLocks noChangeAspect="1" noChangeArrowheads="1"/>
+                </p:cNvPicPr>
+                <p:nvPr/>
+              </p:nvPicPr>
+              <p:blipFill>
+                <a:blip r:embed="rId19">
+                  <a:extLst>
+                    <a:ext uri="{28A0092B-C50C-407E-A947-70E740481C1C}">
+                      <a14:useLocalDpi xmlns:a14="http://schemas.microsoft.com/office/drawing/2010/main" val="0"/>
+                    </a:ext>
+                  </a:extLst>
+                </a:blip>
+                <a:srcRect/>
+                <a:stretch>
+                  <a:fillRect/>
+                </a:stretch>
+              </p:blipFill>
+              <p:spPr bwMode="auto">
+                <a:xfrm>
+                  <a:off x="8411443" y="9181111"/>
+                  <a:ext cx="190500" cy="171450"/>
+                </a:xfrm>
+                <a:prstGeom prst="rect">
+                  <a:avLst/>
+                </a:prstGeom>
+                <a:noFill/>
+                <a:extLst>
+                  <a:ext uri="{909E8E84-426E-40DD-AFC4-6F175D3DCCD1}">
+                    <a14:hiddenFill xmlns:a14="http://schemas.microsoft.com/office/drawing/2010/main">
+                      <a:solidFill>
+                        <a:srgbClr val="FFFFFF"/>
+                      </a:solidFill>
+                    </a14:hiddenFill>
+                  </a:ext>
+                </a:extLst>
+              </p:spPr>
+            </p:pic>
+            <p:pic>
+              <p:nvPicPr>
+                <p:cNvPr id="2058" name="Picture 10" descr="Résistance Eau">
+                  <a:extLst>
+                    <a:ext uri="{FF2B5EF4-FFF2-40B4-BE49-F238E27FC236}">
+                      <a16:creationId xmlns:a16="http://schemas.microsoft.com/office/drawing/2014/main" id="{4B435AF2-D570-41BE-9B50-0AC6AFCDC927}"/>
+                    </a:ext>
+                  </a:extLst>
+                </p:cNvPr>
+                <p:cNvPicPr>
+                  <a:picLocks noChangeAspect="1" noChangeArrowheads="1"/>
+                </p:cNvPicPr>
+                <p:nvPr/>
+              </p:nvPicPr>
+              <p:blipFill>
+                <a:blip r:embed="rId20">
+                  <a:extLst>
+                    <a:ext uri="{28A0092B-C50C-407E-A947-70E740481C1C}">
+                      <a14:useLocalDpi xmlns:a14="http://schemas.microsoft.com/office/drawing/2010/main" val="0"/>
+                    </a:ext>
+                  </a:extLst>
+                </a:blip>
+                <a:srcRect/>
+                <a:stretch>
+                  <a:fillRect/>
+                </a:stretch>
+              </p:blipFill>
+              <p:spPr bwMode="auto">
+                <a:xfrm>
+                  <a:off x="8415311" y="10188047"/>
+                  <a:ext cx="190500" cy="171450"/>
+                </a:xfrm>
+                <a:prstGeom prst="rect">
+                  <a:avLst/>
+                </a:prstGeom>
+                <a:noFill/>
+                <a:extLst>
+                  <a:ext uri="{909E8E84-426E-40DD-AFC4-6F175D3DCCD1}">
+                    <a14:hiddenFill xmlns:a14="http://schemas.microsoft.com/office/drawing/2010/main">
+                      <a:solidFill>
+                        <a:srgbClr val="FFFFFF"/>
+                      </a:solidFill>
+                    </a14:hiddenFill>
+                  </a:ext>
+                </a:extLst>
+              </p:spPr>
+            </p:pic>
+            <p:pic>
+              <p:nvPicPr>
+                <p:cNvPr id="2060" name="Picture 12" descr="Résistance Air">
+                  <a:extLst>
+                    <a:ext uri="{FF2B5EF4-FFF2-40B4-BE49-F238E27FC236}">
+                      <a16:creationId xmlns:a16="http://schemas.microsoft.com/office/drawing/2014/main" id="{0D7D5593-624B-4591-BFC6-E4263873AC13}"/>
+                    </a:ext>
+                  </a:extLst>
+                </p:cNvPr>
+                <p:cNvPicPr>
+                  <a:picLocks noChangeAspect="1" noChangeArrowheads="1"/>
+                </p:cNvPicPr>
+                <p:nvPr/>
+              </p:nvPicPr>
+              <p:blipFill>
+                <a:blip r:embed="rId21">
+                  <a:extLst>
+                    <a:ext uri="{28A0092B-C50C-407E-A947-70E740481C1C}">
+                      <a14:useLocalDpi xmlns:a14="http://schemas.microsoft.com/office/drawing/2010/main" val="0"/>
+                    </a:ext>
+                  </a:extLst>
+                </a:blip>
+                <a:srcRect/>
+                <a:stretch>
+                  <a:fillRect/>
+                </a:stretch>
+              </p:blipFill>
+              <p:spPr bwMode="auto">
+                <a:xfrm>
+                  <a:off x="8411443" y="9681690"/>
+                  <a:ext cx="190500" cy="171450"/>
+                </a:xfrm>
+                <a:prstGeom prst="rect">
+                  <a:avLst/>
+                </a:prstGeom>
+                <a:noFill/>
+                <a:extLst>
+                  <a:ext uri="{909E8E84-426E-40DD-AFC4-6F175D3DCCD1}">
+                    <a14:hiddenFill xmlns:a14="http://schemas.microsoft.com/office/drawing/2010/main">
+                      <a:solidFill>
+                        <a:srgbClr val="FFFFFF"/>
+                      </a:solidFill>
+                    </a14:hiddenFill>
+                  </a:ext>
+                </a:extLst>
+              </p:spPr>
+            </p:pic>
+            <p:pic>
+              <p:nvPicPr>
+                <p:cNvPr id="2062" name="Picture 14" descr="Résistance Neutre">
+                  <a:extLst>
+                    <a:ext uri="{FF2B5EF4-FFF2-40B4-BE49-F238E27FC236}">
+                      <a16:creationId xmlns:a16="http://schemas.microsoft.com/office/drawing/2014/main" id="{DC049E50-F724-47A4-A591-2EDD124B4EC5}"/>
+                    </a:ext>
+                  </a:extLst>
+                </p:cNvPr>
+                <p:cNvPicPr>
+                  <a:picLocks noChangeAspect="1" noChangeArrowheads="1"/>
+                </p:cNvPicPr>
+                <p:nvPr/>
+              </p:nvPicPr>
+              <p:blipFill>
+                <a:blip r:embed="rId22">
+                  <a:extLst>
+                    <a:ext uri="{28A0092B-C50C-407E-A947-70E740481C1C}">
+                      <a14:useLocalDpi xmlns:a14="http://schemas.microsoft.com/office/drawing/2010/main" val="0"/>
+                    </a:ext>
+                  </a:extLst>
+                </a:blip>
+                <a:srcRect/>
+                <a:stretch>
+                  <a:fillRect/>
+                </a:stretch>
+              </p:blipFill>
+              <p:spPr bwMode="auto">
+                <a:xfrm>
+                  <a:off x="8415311" y="8195714"/>
+                  <a:ext cx="190500" cy="171450"/>
+                </a:xfrm>
+                <a:prstGeom prst="rect">
+                  <a:avLst/>
+                </a:prstGeom>
+                <a:noFill/>
+                <a:extLst>
+                  <a:ext uri="{909E8E84-426E-40DD-AFC4-6F175D3DCCD1}">
+                    <a14:hiddenFill xmlns:a14="http://schemas.microsoft.com/office/drawing/2010/main">
+                      <a:solidFill>
+                        <a:srgbClr val="FFFFFF"/>
+                      </a:solidFill>
+                    </a14:hiddenFill>
+                  </a:ext>
+                </a:extLst>
+              </p:spPr>
+            </p:pic>
           </p:grpSp>
-          <p:pic>
-            <p:nvPicPr>
-              <p:cNvPr id="2052" name="Picture 4" descr="Résistance Terre">
+          <p:sp>
+            <p:nvSpPr>
+              <p:cNvPr id="435" name="ZoneTexte 434">
                 <a:extLst>
                   <a:ext uri="{FF2B5EF4-FFF2-40B4-BE49-F238E27FC236}">
-                    <a16:creationId xmlns:a16="http://schemas.microsoft.com/office/drawing/2014/main" id="{1AA83440-535F-4B61-86C4-DC570E98AC08}"/>
-                  </a:ext>
-                </a:extLst>
-              </p:cNvPr>
-              <p:cNvPicPr>
-                <a:picLocks noChangeAspect="1" noChangeArrowheads="1"/>
-              </p:cNvPicPr>
-              <p:nvPr/>
-            </p:nvPicPr>
-            <p:blipFill>
-              <a:blip r:embed="rId18">
-                <a:extLst>
-                  <a:ext uri="{28A0092B-C50C-407E-A947-70E740481C1C}">
-                    <a14:useLocalDpi xmlns:a14="http://schemas.microsoft.com/office/drawing/2010/main" val="0"/>
-                  </a:ext>
-                </a:extLst>
-              </a:blip>
-              <a:srcRect/>
-              <a:stretch>
-                <a:fillRect/>
-              </a:stretch>
-            </p:blipFill>
-            <p:spPr bwMode="auto">
-              <a:xfrm>
-                <a:off x="8415629" y="8695093"/>
-                <a:ext cx="190500" cy="171450"/>
-              </a:xfrm>
-              <a:prstGeom prst="rect">
-                <a:avLst/>
-              </a:prstGeom>
-              <a:noFill/>
-              <a:extLst>
-                <a:ext uri="{909E8E84-426E-40DD-AFC4-6F175D3DCCD1}">
-                  <a14:hiddenFill xmlns:a14="http://schemas.microsoft.com/office/drawing/2010/main">
-                    <a:solidFill>
-                      <a:srgbClr val="FFFFFF"/>
-                    </a:solidFill>
-                  </a14:hiddenFill>
-                </a:ext>
-              </a:extLst>
-            </p:spPr>
-          </p:pic>
-          <p:pic>
-            <p:nvPicPr>
-              <p:cNvPr id="2054" name="Picture 6" descr="Résistance Feu">
-                <a:extLst>
-                  <a:ext uri="{FF2B5EF4-FFF2-40B4-BE49-F238E27FC236}">
-                    <a16:creationId xmlns:a16="http://schemas.microsoft.com/office/drawing/2014/main" id="{7B26F2FC-A002-4D70-AAC4-BB606347A116}"/>
-                  </a:ext>
-                </a:extLst>
-              </p:cNvPr>
-              <p:cNvPicPr>
-                <a:picLocks noChangeAspect="1" noChangeArrowheads="1"/>
-              </p:cNvPicPr>
-              <p:nvPr/>
-            </p:nvPicPr>
-            <p:blipFill>
-              <a:blip r:embed="rId19">
-                <a:extLst>
-                  <a:ext uri="{28A0092B-C50C-407E-A947-70E740481C1C}">
-                    <a14:useLocalDpi xmlns:a14="http://schemas.microsoft.com/office/drawing/2010/main" val="0"/>
-                  </a:ext>
-                </a:extLst>
-              </a:blip>
-              <a:srcRect/>
-              <a:stretch>
-                <a:fillRect/>
-              </a:stretch>
-            </p:blipFill>
-            <p:spPr bwMode="auto">
-              <a:xfrm>
-                <a:off x="8411443" y="9181111"/>
-                <a:ext cx="190500" cy="171450"/>
-              </a:xfrm>
-              <a:prstGeom prst="rect">
-                <a:avLst/>
-              </a:prstGeom>
-              <a:noFill/>
-              <a:extLst>
-                <a:ext uri="{909E8E84-426E-40DD-AFC4-6F175D3DCCD1}">
-                  <a14:hiddenFill xmlns:a14="http://schemas.microsoft.com/office/drawing/2010/main">
-                    <a:solidFill>
-                      <a:srgbClr val="FFFFFF"/>
-                    </a:solidFill>
-                  </a14:hiddenFill>
-                </a:ext>
-              </a:extLst>
-            </p:spPr>
-          </p:pic>
-          <p:pic>
-            <p:nvPicPr>
-              <p:cNvPr id="2058" name="Picture 10" descr="Résistance Eau">
-                <a:extLst>
-                  <a:ext uri="{FF2B5EF4-FFF2-40B4-BE49-F238E27FC236}">
-                    <a16:creationId xmlns:a16="http://schemas.microsoft.com/office/drawing/2014/main" id="{4B435AF2-D570-41BE-9B50-0AC6AFCDC927}"/>
-                  </a:ext>
-                </a:extLst>
-              </p:cNvPr>
-              <p:cNvPicPr>
-                <a:picLocks noChangeAspect="1" noChangeArrowheads="1"/>
-              </p:cNvPicPr>
-              <p:nvPr/>
-            </p:nvPicPr>
-            <p:blipFill>
-              <a:blip r:embed="rId20">
-                <a:extLst>
-                  <a:ext uri="{28A0092B-C50C-407E-A947-70E740481C1C}">
-                    <a14:useLocalDpi xmlns:a14="http://schemas.microsoft.com/office/drawing/2010/main" val="0"/>
-                  </a:ext>
-                </a:extLst>
-              </a:blip>
-              <a:srcRect/>
-              <a:stretch>
-                <a:fillRect/>
-              </a:stretch>
-            </p:blipFill>
-            <p:spPr bwMode="auto">
-              <a:xfrm>
-                <a:off x="8415311" y="10188047"/>
-                <a:ext cx="190500" cy="171450"/>
-              </a:xfrm>
-              <a:prstGeom prst="rect">
-                <a:avLst/>
-              </a:prstGeom>
-              <a:noFill/>
-              <a:extLst>
-                <a:ext uri="{909E8E84-426E-40DD-AFC4-6F175D3DCCD1}">
-                  <a14:hiddenFill xmlns:a14="http://schemas.microsoft.com/office/drawing/2010/main">
-                    <a:solidFill>
-                      <a:srgbClr val="FFFFFF"/>
-                    </a:solidFill>
-                  </a14:hiddenFill>
-                </a:ext>
-              </a:extLst>
-            </p:spPr>
-          </p:pic>
-          <p:pic>
-            <p:nvPicPr>
-              <p:cNvPr id="2060" name="Picture 12" descr="Résistance Air">
-                <a:extLst>
-                  <a:ext uri="{FF2B5EF4-FFF2-40B4-BE49-F238E27FC236}">
-                    <a16:creationId xmlns:a16="http://schemas.microsoft.com/office/drawing/2014/main" id="{0D7D5593-624B-4591-BFC6-E4263873AC13}"/>
-                  </a:ext>
-                </a:extLst>
-              </p:cNvPr>
-              <p:cNvPicPr>
-                <a:picLocks noChangeAspect="1" noChangeArrowheads="1"/>
-              </p:cNvPicPr>
-              <p:nvPr/>
-            </p:nvPicPr>
-            <p:blipFill>
-              <a:blip r:embed="rId21">
-                <a:extLst>
-                  <a:ext uri="{28A0092B-C50C-407E-A947-70E740481C1C}">
-                    <a14:useLocalDpi xmlns:a14="http://schemas.microsoft.com/office/drawing/2010/main" val="0"/>
-                  </a:ext>
-                </a:extLst>
-              </a:blip>
-              <a:srcRect/>
-              <a:stretch>
-                <a:fillRect/>
-              </a:stretch>
-            </p:blipFill>
-            <p:spPr bwMode="auto">
-              <a:xfrm>
-                <a:off x="8411443" y="9681690"/>
-                <a:ext cx="190500" cy="171450"/>
-              </a:xfrm>
-              <a:prstGeom prst="rect">
-                <a:avLst/>
-              </a:prstGeom>
-              <a:noFill/>
-              <a:extLst>
-                <a:ext uri="{909E8E84-426E-40DD-AFC4-6F175D3DCCD1}">
-                  <a14:hiddenFill xmlns:a14="http://schemas.microsoft.com/office/drawing/2010/main">
-                    <a:solidFill>
-                      <a:srgbClr val="FFFFFF"/>
-                    </a:solidFill>
-                  </a14:hiddenFill>
-                </a:ext>
-              </a:extLst>
-            </p:spPr>
-          </p:pic>
-          <p:pic>
-            <p:nvPicPr>
-              <p:cNvPr id="2062" name="Picture 14" descr="Résistance Neutre">
-                <a:extLst>
-                  <a:ext uri="{FF2B5EF4-FFF2-40B4-BE49-F238E27FC236}">
-                    <a16:creationId xmlns:a16="http://schemas.microsoft.com/office/drawing/2014/main" id="{DC049E50-F724-47A4-A591-2EDD124B4EC5}"/>
-                  </a:ext>
-                </a:extLst>
-              </p:cNvPr>
-              <p:cNvPicPr>
-                <a:picLocks noChangeAspect="1" noChangeArrowheads="1"/>
-              </p:cNvPicPr>
-              <p:nvPr/>
-            </p:nvPicPr>
-            <p:blipFill>
-              <a:blip r:embed="rId22">
-                <a:extLst>
-                  <a:ext uri="{28A0092B-C50C-407E-A947-70E740481C1C}">
-                    <a14:useLocalDpi xmlns:a14="http://schemas.microsoft.com/office/drawing/2010/main" val="0"/>
-                  </a:ext>
-                </a:extLst>
-              </a:blip>
-              <a:srcRect/>
-              <a:stretch>
-                <a:fillRect/>
-              </a:stretch>
-            </p:blipFill>
-            <p:spPr bwMode="auto">
-              <a:xfrm>
-                <a:off x="8415311" y="8195714"/>
-                <a:ext cx="190500" cy="171450"/>
-              </a:xfrm>
-              <a:prstGeom prst="rect">
-                <a:avLst/>
-              </a:prstGeom>
-              <a:noFill/>
-              <a:extLst>
-                <a:ext uri="{909E8E84-426E-40DD-AFC4-6F175D3DCCD1}">
-                  <a14:hiddenFill xmlns:a14="http://schemas.microsoft.com/office/drawing/2010/main">
-                    <a:solidFill>
-                      <a:srgbClr val="FFFFFF"/>
-                    </a:solidFill>
-                  </a14:hiddenFill>
-                </a:ext>
-              </a:extLst>
-            </p:spPr>
-          </p:pic>
-        </p:grpSp>
-        <p:sp>
-          <p:nvSpPr>
-            <p:cNvPr id="435" name="ZoneTexte 434">
-              <a:extLst>
-                <a:ext uri="{FF2B5EF4-FFF2-40B4-BE49-F238E27FC236}">
-                  <a16:creationId xmlns:a16="http://schemas.microsoft.com/office/drawing/2014/main" id="{4293A377-508A-45D1-8A7D-08BDAB041F10}"/>
-                </a:ext>
-              </a:extLst>
-            </p:cNvPr>
-            <p:cNvSpPr txBox="1"/>
-            <p:nvPr/>
-          </p:nvSpPr>
-          <p:spPr>
-            <a:xfrm>
-              <a:off x="9093321" y="11491436"/>
-              <a:ext cx="233667" cy="215444"/>
-            </a:xfrm>
-            <a:prstGeom prst="rect">
-              <a:avLst/>
-            </a:prstGeom>
-            <a:noFill/>
-          </p:spPr>
-          <p:txBody>
-            <a:bodyPr wrap="square" rtlCol="0">
-              <a:spAutoFit/>
-            </a:bodyPr>
-            <a:lstStyle/>
-            <a:p>
-              <a:r>
-                <a:rPr lang="fr-FR" sz="800" dirty="0">
-                  <a:solidFill>
-                    <a:srgbClr val="8FAADC"/>
-                  </a:solidFill>
-                </a:rPr>
-                <a:t>5</a:t>
-              </a:r>
-              <a:endParaRPr lang="fr-FR" sz="900" dirty="0">
-                <a:solidFill>
-                  <a:srgbClr val="8FAADC"/>
-                </a:solidFill>
-              </a:endParaRPr>
-            </a:p>
-          </p:txBody>
-        </p:sp>
-        <p:sp>
-          <p:nvSpPr>
-            <p:cNvPr id="436" name="ZoneTexte 435">
-              <a:extLst>
-                <a:ext uri="{FF2B5EF4-FFF2-40B4-BE49-F238E27FC236}">
-                  <a16:creationId xmlns:a16="http://schemas.microsoft.com/office/drawing/2014/main" id="{937AF3CC-CC48-4A1B-BC09-07932EB4CB29}"/>
-                </a:ext>
-              </a:extLst>
-            </p:cNvPr>
-            <p:cNvSpPr txBox="1"/>
-            <p:nvPr/>
-          </p:nvSpPr>
-          <p:spPr>
-            <a:xfrm>
-              <a:off x="9103602" y="11007120"/>
-              <a:ext cx="233667" cy="215444"/>
-            </a:xfrm>
-            <a:prstGeom prst="rect">
-              <a:avLst/>
-            </a:prstGeom>
-            <a:noFill/>
-          </p:spPr>
-          <p:txBody>
-            <a:bodyPr wrap="square" rtlCol="0">
-              <a:spAutoFit/>
-            </a:bodyPr>
-            <a:lstStyle/>
-            <a:p>
-              <a:r>
-                <a:rPr lang="fr-FR" sz="800" dirty="0">
-                  <a:solidFill>
-                    <a:srgbClr val="76B54B"/>
-                  </a:solidFill>
-                </a:rPr>
-                <a:t>5</a:t>
-              </a:r>
-              <a:endParaRPr lang="fr-FR" sz="900" dirty="0">
-                <a:solidFill>
-                  <a:srgbClr val="76B54B"/>
-                </a:solidFill>
-              </a:endParaRPr>
-            </a:p>
-          </p:txBody>
-        </p:sp>
-        <p:sp>
-          <p:nvSpPr>
-            <p:cNvPr id="437" name="ZoneTexte 436">
-              <a:extLst>
-                <a:ext uri="{FF2B5EF4-FFF2-40B4-BE49-F238E27FC236}">
-                  <a16:creationId xmlns:a16="http://schemas.microsoft.com/office/drawing/2014/main" id="{6D32D9F5-C1CC-4BD8-94DC-E6D61DCC4C77}"/>
-                </a:ext>
-              </a:extLst>
-            </p:cNvPr>
-            <p:cNvSpPr txBox="1"/>
-            <p:nvPr/>
-          </p:nvSpPr>
-          <p:spPr>
-            <a:xfrm>
-              <a:off x="9091888" y="9512204"/>
-              <a:ext cx="233667" cy="215444"/>
-            </a:xfrm>
-            <a:prstGeom prst="rect">
-              <a:avLst/>
-            </a:prstGeom>
-            <a:noFill/>
-          </p:spPr>
-          <p:txBody>
-            <a:bodyPr wrap="square" rtlCol="0">
-              <a:spAutoFit/>
-            </a:bodyPr>
-            <a:lstStyle/>
-            <a:p>
-              <a:r>
-                <a:rPr lang="fr-FR" sz="800" dirty="0">
-                  <a:solidFill>
-                    <a:schemeClr val="tx1">
-                      <a:lumMod val="50000"/>
-                      <a:lumOff val="50000"/>
-                    </a:schemeClr>
-                  </a:solidFill>
-                </a:rPr>
-                <a:t>5</a:t>
-              </a:r>
-              <a:endParaRPr lang="fr-FR" sz="900" dirty="0">
-                <a:solidFill>
-                  <a:schemeClr val="tx1">
-                    <a:lumMod val="50000"/>
-                    <a:lumOff val="50000"/>
-                  </a:schemeClr>
-                </a:solidFill>
-              </a:endParaRPr>
-            </a:p>
-          </p:txBody>
-        </p:sp>
-        <p:sp>
-          <p:nvSpPr>
-            <p:cNvPr id="439" name="ZoneTexte 438">
-              <a:extLst>
-                <a:ext uri="{FF2B5EF4-FFF2-40B4-BE49-F238E27FC236}">
-                  <a16:creationId xmlns:a16="http://schemas.microsoft.com/office/drawing/2014/main" id="{6B11346D-618A-43F6-A3C1-98DCA87A0732}"/>
-                </a:ext>
-              </a:extLst>
-            </p:cNvPr>
-            <p:cNvSpPr txBox="1"/>
-            <p:nvPr/>
-          </p:nvSpPr>
-          <p:spPr>
-            <a:xfrm>
-              <a:off x="9091888" y="10003910"/>
-              <a:ext cx="233667" cy="215444"/>
-            </a:xfrm>
-            <a:prstGeom prst="rect">
-              <a:avLst/>
-            </a:prstGeom>
-            <a:noFill/>
-          </p:spPr>
-          <p:txBody>
-            <a:bodyPr wrap="square" rtlCol="0">
-              <a:spAutoFit/>
-            </a:bodyPr>
-            <a:lstStyle/>
-            <a:p>
-              <a:r>
-                <a:rPr lang="fr-FR" sz="800" dirty="0">
-                  <a:solidFill>
-                    <a:srgbClr val="B49F86"/>
-                  </a:solidFill>
-                </a:rPr>
-                <a:t>5</a:t>
-              </a:r>
-              <a:endParaRPr lang="fr-FR" sz="900" dirty="0">
-                <a:solidFill>
-                  <a:srgbClr val="B49F86"/>
-                </a:solidFill>
-              </a:endParaRPr>
-            </a:p>
-          </p:txBody>
-        </p:sp>
-        <p:sp>
-          <p:nvSpPr>
-            <p:cNvPr id="440" name="ZoneTexte 439">
-              <a:extLst>
-                <a:ext uri="{FF2B5EF4-FFF2-40B4-BE49-F238E27FC236}">
-                  <a16:creationId xmlns:a16="http://schemas.microsoft.com/office/drawing/2014/main" id="{1BDEC0B4-B143-4F9C-817C-2E8265595036}"/>
-                </a:ext>
-              </a:extLst>
-            </p:cNvPr>
-            <p:cNvSpPr txBox="1"/>
-            <p:nvPr/>
-          </p:nvSpPr>
-          <p:spPr>
-            <a:xfrm>
-              <a:off x="9103601" y="10499186"/>
-              <a:ext cx="233667" cy="215444"/>
-            </a:xfrm>
-            <a:prstGeom prst="rect">
-              <a:avLst/>
-            </a:prstGeom>
-            <a:noFill/>
-          </p:spPr>
-          <p:txBody>
-            <a:bodyPr wrap="square" rtlCol="0">
-              <a:spAutoFit/>
-            </a:bodyPr>
-            <a:lstStyle/>
-            <a:p>
-              <a:r>
-                <a:rPr lang="fr-FR" sz="800" dirty="0">
-                  <a:solidFill>
-                    <a:srgbClr val="ED7049"/>
-                  </a:solidFill>
-                </a:rPr>
-                <a:t>5</a:t>
-              </a:r>
-              <a:endParaRPr lang="fr-FR" sz="900" dirty="0">
-                <a:solidFill>
-                  <a:srgbClr val="ED7049"/>
-                </a:solidFill>
-              </a:endParaRPr>
-            </a:p>
-          </p:txBody>
-        </p:sp>
-        <p:sp>
-          <p:nvSpPr>
-            <p:cNvPr id="491" name="ZoneTexte 490">
-              <a:extLst>
-                <a:ext uri="{FF2B5EF4-FFF2-40B4-BE49-F238E27FC236}">
-                  <a16:creationId xmlns:a16="http://schemas.microsoft.com/office/drawing/2014/main" id="{35939F73-DD66-5A04-C824-60146B20D2E8}"/>
-                </a:ext>
-              </a:extLst>
-            </p:cNvPr>
-            <p:cNvSpPr txBox="1"/>
-            <p:nvPr/>
-          </p:nvSpPr>
-          <p:spPr>
-            <a:xfrm>
-              <a:off x="8704643" y="9308462"/>
-              <a:ext cx="233667" cy="230832"/>
-            </a:xfrm>
-            <a:prstGeom prst="rect">
-              <a:avLst/>
-            </a:prstGeom>
-            <a:noFill/>
-          </p:spPr>
-          <p:txBody>
-            <a:bodyPr wrap="square" rtlCol="0">
-              <a:spAutoFit/>
-            </a:bodyPr>
-            <a:lstStyle/>
-            <a:p>
-              <a:r>
-                <a:rPr lang="fr-FR" sz="900" dirty="0">
-                  <a:solidFill>
-                    <a:schemeClr val="tx1">
-                      <a:lumMod val="50000"/>
-                      <a:lumOff val="50000"/>
-                    </a:schemeClr>
-                  </a:solidFill>
-                </a:rPr>
-                <a:t>0</a:t>
-              </a:r>
-            </a:p>
-          </p:txBody>
-        </p:sp>
-        <p:sp>
-          <p:nvSpPr>
-            <p:cNvPr id="492" name="ZoneTexte 491">
-              <a:extLst>
-                <a:ext uri="{FF2B5EF4-FFF2-40B4-BE49-F238E27FC236}">
-                  <a16:creationId xmlns:a16="http://schemas.microsoft.com/office/drawing/2014/main" id="{3DED9E76-6638-BC33-35D5-F57C2FB1409F}"/>
-                </a:ext>
-              </a:extLst>
-            </p:cNvPr>
-            <p:cNvSpPr txBox="1"/>
-            <p:nvPr/>
-          </p:nvSpPr>
-          <p:spPr>
-            <a:xfrm>
-              <a:off x="8704643" y="9800494"/>
-              <a:ext cx="233667" cy="215444"/>
-            </a:xfrm>
-            <a:prstGeom prst="rect">
-              <a:avLst/>
-            </a:prstGeom>
-            <a:noFill/>
-          </p:spPr>
-          <p:txBody>
-            <a:bodyPr wrap="square" rtlCol="0">
-              <a:spAutoFit/>
-            </a:bodyPr>
-            <a:lstStyle/>
-            <a:p>
-              <a:r>
-                <a:rPr lang="fr-FR" sz="800" dirty="0">
-                  <a:solidFill>
-                    <a:srgbClr val="B49F86"/>
-                  </a:solidFill>
-                </a:rPr>
-                <a:t>0</a:t>
-              </a:r>
-              <a:endParaRPr lang="fr-FR" sz="900" dirty="0">
-                <a:solidFill>
-                  <a:srgbClr val="B49F86"/>
-                </a:solidFill>
-              </a:endParaRPr>
-            </a:p>
-          </p:txBody>
-        </p:sp>
-        <p:sp>
-          <p:nvSpPr>
-            <p:cNvPr id="493" name="ZoneTexte 492">
-              <a:extLst>
-                <a:ext uri="{FF2B5EF4-FFF2-40B4-BE49-F238E27FC236}">
-                  <a16:creationId xmlns:a16="http://schemas.microsoft.com/office/drawing/2014/main" id="{A9179494-0FD2-6A5C-8739-F6D48F967E0E}"/>
-                </a:ext>
-              </a:extLst>
-            </p:cNvPr>
-            <p:cNvSpPr txBox="1"/>
-            <p:nvPr/>
-          </p:nvSpPr>
-          <p:spPr>
-            <a:xfrm>
-              <a:off x="8713927" y="10292909"/>
-              <a:ext cx="233667" cy="215444"/>
-            </a:xfrm>
-            <a:prstGeom prst="rect">
-              <a:avLst/>
-            </a:prstGeom>
-            <a:noFill/>
-          </p:spPr>
-          <p:txBody>
-            <a:bodyPr wrap="square" rtlCol="0">
-              <a:spAutoFit/>
-            </a:bodyPr>
-            <a:lstStyle/>
-            <a:p>
-              <a:r>
-                <a:rPr lang="fr-FR" sz="800" dirty="0">
-                  <a:solidFill>
-                    <a:srgbClr val="ED7049"/>
-                  </a:solidFill>
-                </a:rPr>
-                <a:t>0</a:t>
-              </a:r>
-              <a:endParaRPr lang="fr-FR" sz="900" dirty="0">
-                <a:solidFill>
-                  <a:srgbClr val="ED7049"/>
-                </a:solidFill>
-              </a:endParaRPr>
-            </a:p>
-          </p:txBody>
-        </p:sp>
-        <p:sp>
-          <p:nvSpPr>
-            <p:cNvPr id="494" name="ZoneTexte 493">
-              <a:extLst>
-                <a:ext uri="{FF2B5EF4-FFF2-40B4-BE49-F238E27FC236}">
-                  <a16:creationId xmlns:a16="http://schemas.microsoft.com/office/drawing/2014/main" id="{7D14949C-D1A5-C042-1322-7B82569FA9CC}"/>
-                </a:ext>
-              </a:extLst>
-            </p:cNvPr>
-            <p:cNvSpPr txBox="1"/>
-            <p:nvPr/>
-          </p:nvSpPr>
-          <p:spPr>
-            <a:xfrm>
-              <a:off x="8705974" y="10789670"/>
-              <a:ext cx="233667" cy="215444"/>
-            </a:xfrm>
-            <a:prstGeom prst="rect">
-              <a:avLst/>
-            </a:prstGeom>
-            <a:noFill/>
-          </p:spPr>
-          <p:txBody>
-            <a:bodyPr wrap="square" rtlCol="0">
-              <a:spAutoFit/>
-            </a:bodyPr>
-            <a:lstStyle/>
-            <a:p>
-              <a:r>
-                <a:rPr lang="fr-FR" sz="800" dirty="0">
-                  <a:solidFill>
-                    <a:srgbClr val="76B54B"/>
-                  </a:solidFill>
-                </a:rPr>
-                <a:t>0</a:t>
-              </a:r>
-              <a:endParaRPr lang="fr-FR" sz="900" dirty="0">
-                <a:solidFill>
-                  <a:srgbClr val="76B54B"/>
-                </a:solidFill>
-              </a:endParaRPr>
-            </a:p>
-          </p:txBody>
-        </p:sp>
-        <p:sp>
-          <p:nvSpPr>
-            <p:cNvPr id="495" name="ZoneTexte 494">
-              <a:extLst>
-                <a:ext uri="{FF2B5EF4-FFF2-40B4-BE49-F238E27FC236}">
-                  <a16:creationId xmlns:a16="http://schemas.microsoft.com/office/drawing/2014/main" id="{A3585F0B-06DE-36AA-E74C-968D23CFA157}"/>
-                </a:ext>
-              </a:extLst>
-            </p:cNvPr>
-            <p:cNvSpPr txBox="1"/>
-            <p:nvPr/>
-          </p:nvSpPr>
-          <p:spPr>
-            <a:xfrm>
-              <a:off x="8690411" y="11286827"/>
-              <a:ext cx="233667" cy="215444"/>
-            </a:xfrm>
-            <a:prstGeom prst="rect">
-              <a:avLst/>
-            </a:prstGeom>
-            <a:noFill/>
-          </p:spPr>
-          <p:txBody>
-            <a:bodyPr wrap="square" rtlCol="0">
-              <a:spAutoFit/>
-            </a:bodyPr>
-            <a:lstStyle/>
-            <a:p>
-              <a:r>
-                <a:rPr lang="fr-FR" sz="800" dirty="0">
-                  <a:solidFill>
-                    <a:srgbClr val="8FAADC"/>
-                  </a:solidFill>
-                </a:rPr>
-                <a:t>0</a:t>
-              </a:r>
-              <a:endParaRPr lang="fr-FR" sz="900" dirty="0">
-                <a:solidFill>
-                  <a:srgbClr val="8FAADC"/>
-                </a:solidFill>
-              </a:endParaRPr>
-            </a:p>
-          </p:txBody>
-        </p:sp>
-        <p:grpSp>
-          <p:nvGrpSpPr>
-            <p:cNvPr id="113" name="Groupe 112">
-              <a:extLst>
-                <a:ext uri="{FF2B5EF4-FFF2-40B4-BE49-F238E27FC236}">
-                  <a16:creationId xmlns:a16="http://schemas.microsoft.com/office/drawing/2014/main" id="{5AF114F6-266C-81A7-043F-71D722B3C1B6}"/>
-                </a:ext>
-              </a:extLst>
-            </p:cNvPr>
-            <p:cNvGrpSpPr/>
-            <p:nvPr/>
-          </p:nvGrpSpPr>
-          <p:grpSpPr>
-            <a:xfrm>
-              <a:off x="8957119" y="10800509"/>
-              <a:ext cx="473324" cy="249140"/>
-              <a:chOff x="5241244" y="4726836"/>
-              <a:chExt cx="473324" cy="249140"/>
-            </a:xfrm>
-          </p:grpSpPr>
-          <p:cxnSp>
-            <p:nvCxnSpPr>
-              <p:cNvPr id="136" name="Connecteur : en angle 135">
-                <a:extLst>
-                  <a:ext uri="{FF2B5EF4-FFF2-40B4-BE49-F238E27FC236}">
-                    <a16:creationId xmlns:a16="http://schemas.microsoft.com/office/drawing/2014/main" id="{B1669D46-C257-328E-ECBD-E858048F613E}"/>
-                  </a:ext>
-                </a:extLst>
-              </p:cNvPr>
-              <p:cNvCxnSpPr>
-                <a:cxnSpLocks/>
-              </p:cNvCxnSpPr>
-              <p:nvPr/>
-            </p:nvCxnSpPr>
-            <p:spPr>
-              <a:xfrm>
-                <a:off x="5348058" y="4726836"/>
-                <a:ext cx="252000" cy="216000"/>
-              </a:xfrm>
-              <a:prstGeom prst="bentConnector3">
-                <a:avLst>
-                  <a:gd name="adj1" fmla="val -1227"/>
-                </a:avLst>
-              </a:prstGeom>
-              <a:ln>
-                <a:solidFill>
-                  <a:srgbClr val="76B54B"/>
-                </a:solidFill>
-                <a:prstDash val="dash"/>
-              </a:ln>
-            </p:spPr>
-            <p:style>
-              <a:lnRef idx="1">
-                <a:schemeClr val="accent1"/>
-              </a:lnRef>
-              <a:fillRef idx="0">
-                <a:schemeClr val="accent1"/>
-              </a:fillRef>
-              <a:effectRef idx="0">
-                <a:schemeClr val="accent1"/>
-              </a:effectRef>
-              <a:fontRef idx="minor">
-                <a:schemeClr val="tx1"/>
-              </a:fontRef>
-            </p:style>
-          </p:cxnSp>
-          <p:sp>
-            <p:nvSpPr>
-              <p:cNvPr id="137" name="ZoneTexte 136">
-                <a:extLst>
-                  <a:ext uri="{FF2B5EF4-FFF2-40B4-BE49-F238E27FC236}">
-                    <a16:creationId xmlns:a16="http://schemas.microsoft.com/office/drawing/2014/main" id="{A65FE498-04C7-D8B1-3D67-1622270978CD}"/>
+                    <a16:creationId xmlns:a16="http://schemas.microsoft.com/office/drawing/2014/main" id="{4293A377-508A-45D1-8A7D-08BDAB041F10}"/>
                   </a:ext>
                 </a:extLst>
               </p:cNvPr>
@@ -25637,8 +25109,8 @@
             </p:nvSpPr>
             <p:spPr>
               <a:xfrm>
-                <a:off x="5241244" y="4822088"/>
-                <a:ext cx="473324" cy="153888"/>
+                <a:off x="9093321" y="11491436"/>
+                <a:ext cx="233667" cy="215444"/>
               </a:xfrm>
               <a:prstGeom prst="rect">
                 <a:avLst/>
@@ -25646,98 +25118,33 @@
               <a:noFill/>
             </p:spPr>
             <p:txBody>
-              <a:bodyPr wrap="square" rtlCol="0" anchor="ctr">
+              <a:bodyPr wrap="square" rtlCol="0">
                 <a:spAutoFit/>
               </a:bodyPr>
               <a:lstStyle/>
               <a:p>
-                <a:pPr algn="ctr"/>
                 <a:r>
-                  <a:rPr lang="fr-FR" sz="400" spc="-20" dirty="0">
+                  <a:rPr lang="fr-FR" sz="800" dirty="0">
                     <a:solidFill>
-                      <a:srgbClr val="76B54B"/>
+                      <a:srgbClr val="8FAADC"/>
                     </a:solidFill>
-                    <a:latin typeface="Segoe UI Semilight" panose="020B0402040204020203" pitchFamily="34" charset="0"/>
-                    <a:cs typeface="Segoe UI Semilight" panose="020B0402040204020203" pitchFamily="34" charset="0"/>
                   </a:rPr>
-                  <a:t>MONTURE</a:t>
+                  <a:t>5</a:t>
                 </a:r>
+                <a:endParaRPr lang="fr-FR" sz="900" dirty="0">
+                  <a:solidFill>
+                    <a:srgbClr val="8FAADC"/>
+                  </a:solidFill>
+                </a:endParaRPr>
               </a:p>
             </p:txBody>
           </p:sp>
-        </p:grpSp>
-        <p:grpSp>
-          <p:nvGrpSpPr>
-            <p:cNvPr id="223" name="Groupe 222">
-              <a:extLst>
-                <a:ext uri="{FF2B5EF4-FFF2-40B4-BE49-F238E27FC236}">
-                  <a16:creationId xmlns:a16="http://schemas.microsoft.com/office/drawing/2014/main" id="{B97850BA-2AB6-BFED-3DFC-D38D2381E865}"/>
-                </a:ext>
-              </a:extLst>
-            </p:cNvPr>
-            <p:cNvGrpSpPr/>
-            <p:nvPr/>
-          </p:nvGrpSpPr>
-          <p:grpSpPr>
-            <a:xfrm>
-              <a:off x="8959024" y="11293289"/>
-              <a:ext cx="473324" cy="249140"/>
-              <a:chOff x="5241244" y="4726836"/>
-              <a:chExt cx="473324" cy="249140"/>
-            </a:xfrm>
-          </p:grpSpPr>
-          <p:cxnSp>
-            <p:nvCxnSpPr>
-              <p:cNvPr id="224" name="Connecteur : en angle 223">
+          <p:sp>
+            <p:nvSpPr>
+              <p:cNvPr id="436" name="ZoneTexte 435">
                 <a:extLst>
                   <a:ext uri="{FF2B5EF4-FFF2-40B4-BE49-F238E27FC236}">
-                    <a16:creationId xmlns:a16="http://schemas.microsoft.com/office/drawing/2014/main" id="{E7640EFC-1693-9524-651A-4BAAA7D62404}"/>
-                  </a:ext>
-                </a:extLst>
-              </p:cNvPr>
-              <p:cNvCxnSpPr>
-                <a:cxnSpLocks/>
-              </p:cNvCxnSpPr>
-              <p:nvPr/>
-            </p:nvCxnSpPr>
-            <p:spPr>
-              <a:xfrm>
-                <a:off x="5348058" y="4726836"/>
-                <a:ext cx="252000" cy="216000"/>
-              </a:xfrm>
-              <a:prstGeom prst="bentConnector3">
-                <a:avLst>
-                  <a:gd name="adj1" fmla="val -1227"/>
-                </a:avLst>
-              </a:prstGeom>
-              <a:ln>
-                <a:solidFill>
-                  <a:srgbClr val="8FAADC"/>
-                </a:solidFill>
-                <a:prstDash val="dash"/>
-              </a:ln>
-            </p:spPr>
-            <p:style>
-              <a:lnRef idx="1">
-                <a:schemeClr val="accent1"/>
-              </a:lnRef>
-              <a:fillRef idx="0">
-                <a:schemeClr val="accent1"/>
-              </a:fillRef>
-              <a:effectRef idx="0">
-                <a:schemeClr val="accent1"/>
-              </a:effectRef>
-              <a:fontRef idx="minor">
-                <a:schemeClr val="tx1"/>
-              </a:fontRef>
-            </p:style>
-          </p:cxnSp>
-          <p:sp>
-            <p:nvSpPr>
-              <p:cNvPr id="225" name="ZoneTexte 224">
-                <a:extLst>
-                  <a:ext uri="{FF2B5EF4-FFF2-40B4-BE49-F238E27FC236}">
-                    <a16:creationId xmlns:a16="http://schemas.microsoft.com/office/drawing/2014/main" id="{F204F6A9-2A61-65E0-5040-B19EAF0A8DEA}"/>
+                    <a16:creationId xmlns:a16="http://schemas.microsoft.com/office/drawing/2014/main" id="{937AF3CC-CC48-4A1B-BC09-07932EB4CB29}"/>
                   </a:ext>
                 </a:extLst>
               </p:cNvPr>
@@ -25746,8 +25153,8 @@
             </p:nvSpPr>
             <p:spPr>
               <a:xfrm>
-                <a:off x="5241244" y="4822088"/>
-                <a:ext cx="473324" cy="153888"/>
+                <a:off x="9103602" y="11007120"/>
+                <a:ext cx="233667" cy="215444"/>
               </a:xfrm>
               <a:prstGeom prst="rect">
                 <a:avLst/>
@@ -25755,98 +25162,33 @@
               <a:noFill/>
             </p:spPr>
             <p:txBody>
-              <a:bodyPr wrap="square" rtlCol="0" anchor="ctr">
+              <a:bodyPr wrap="square" rtlCol="0">
                 <a:spAutoFit/>
               </a:bodyPr>
               <a:lstStyle/>
               <a:p>
-                <a:pPr algn="ctr"/>
                 <a:r>
-                  <a:rPr lang="fr-FR" sz="400" spc="-20" dirty="0">
+                  <a:rPr lang="fr-FR" sz="800" dirty="0">
                     <a:solidFill>
-                      <a:srgbClr val="8FAADC"/>
+                      <a:srgbClr val="76B54B"/>
                     </a:solidFill>
-                    <a:latin typeface="Segoe UI Semilight" panose="020B0402040204020203" pitchFamily="34" charset="0"/>
-                    <a:cs typeface="Segoe UI Semilight" panose="020B0402040204020203" pitchFamily="34" charset="0"/>
                   </a:rPr>
-                  <a:t>MONTURE</a:t>
+                  <a:t>5</a:t>
                 </a:r>
+                <a:endParaRPr lang="fr-FR" sz="900" dirty="0">
+                  <a:solidFill>
+                    <a:srgbClr val="76B54B"/>
+                  </a:solidFill>
+                </a:endParaRPr>
               </a:p>
             </p:txBody>
           </p:sp>
-        </p:grpSp>
-        <p:grpSp>
-          <p:nvGrpSpPr>
-            <p:cNvPr id="2048" name="Groupe 2047">
-              <a:extLst>
-                <a:ext uri="{FF2B5EF4-FFF2-40B4-BE49-F238E27FC236}">
-                  <a16:creationId xmlns:a16="http://schemas.microsoft.com/office/drawing/2014/main" id="{687FB9F7-187F-040B-4C9A-1C522F7FD844}"/>
-                </a:ext>
-              </a:extLst>
-            </p:cNvPr>
-            <p:cNvGrpSpPr/>
-            <p:nvPr/>
-          </p:nvGrpSpPr>
-          <p:grpSpPr>
-            <a:xfrm>
-              <a:off x="8957450" y="9316474"/>
-              <a:ext cx="473324" cy="249140"/>
-              <a:chOff x="5241244" y="4726836"/>
-              <a:chExt cx="473324" cy="249140"/>
-            </a:xfrm>
-          </p:grpSpPr>
-          <p:cxnSp>
-            <p:nvCxnSpPr>
-              <p:cNvPr id="2049" name="Connecteur : en angle 2048">
+          <p:sp>
+            <p:nvSpPr>
+              <p:cNvPr id="437" name="ZoneTexte 436">
                 <a:extLst>
                   <a:ext uri="{FF2B5EF4-FFF2-40B4-BE49-F238E27FC236}">
-                    <a16:creationId xmlns:a16="http://schemas.microsoft.com/office/drawing/2014/main" id="{0E7033E3-834F-3BDA-FF99-D99418101CE9}"/>
-                  </a:ext>
-                </a:extLst>
-              </p:cNvPr>
-              <p:cNvCxnSpPr>
-                <a:cxnSpLocks/>
-              </p:cNvCxnSpPr>
-              <p:nvPr/>
-            </p:nvCxnSpPr>
-            <p:spPr>
-              <a:xfrm>
-                <a:off x="5348058" y="4726836"/>
-                <a:ext cx="252000" cy="216000"/>
-              </a:xfrm>
-              <a:prstGeom prst="bentConnector3">
-                <a:avLst>
-                  <a:gd name="adj1" fmla="val -1227"/>
-                </a:avLst>
-              </a:prstGeom>
-              <a:ln>
-                <a:solidFill>
-                  <a:srgbClr val="B5B5B5"/>
-                </a:solidFill>
-                <a:prstDash val="dash"/>
-              </a:ln>
-            </p:spPr>
-            <p:style>
-              <a:lnRef idx="1">
-                <a:schemeClr val="accent1"/>
-              </a:lnRef>
-              <a:fillRef idx="0">
-                <a:schemeClr val="accent1"/>
-              </a:fillRef>
-              <a:effectRef idx="0">
-                <a:schemeClr val="accent1"/>
-              </a:effectRef>
-              <a:fontRef idx="minor">
-                <a:schemeClr val="tx1"/>
-              </a:fontRef>
-            </p:style>
-          </p:cxnSp>
-          <p:sp>
-            <p:nvSpPr>
-              <p:cNvPr id="2050" name="ZoneTexte 2049">
-                <a:extLst>
-                  <a:ext uri="{FF2B5EF4-FFF2-40B4-BE49-F238E27FC236}">
-                    <a16:creationId xmlns:a16="http://schemas.microsoft.com/office/drawing/2014/main" id="{CADE23C2-6015-CAB5-0A7D-A65B1D3E708D}"/>
+                    <a16:creationId xmlns:a16="http://schemas.microsoft.com/office/drawing/2014/main" id="{6D32D9F5-C1CC-4BD8-94DC-E6D61DCC4C77}"/>
                   </a:ext>
                 </a:extLst>
               </p:cNvPr>
@@ -25855,8 +25197,8 @@
             </p:nvSpPr>
             <p:spPr>
               <a:xfrm>
-                <a:off x="5241244" y="4822088"/>
-                <a:ext cx="473324" cy="153888"/>
+                <a:off x="9091888" y="9512204"/>
+                <a:ext cx="233667" cy="215444"/>
               </a:xfrm>
               <a:prstGeom prst="rect">
                 <a:avLst/>
@@ -25864,98 +25206,39 @@
               <a:noFill/>
             </p:spPr>
             <p:txBody>
-              <a:bodyPr wrap="square" rtlCol="0" anchor="ctr">
+              <a:bodyPr wrap="square" rtlCol="0">
                 <a:spAutoFit/>
               </a:bodyPr>
               <a:lstStyle/>
               <a:p>
-                <a:pPr algn="ctr"/>
                 <a:r>
-                  <a:rPr lang="fr-FR" sz="400" spc="-20" dirty="0">
+                  <a:rPr lang="fr-FR" sz="800" dirty="0">
                     <a:solidFill>
-                      <a:srgbClr val="B5B5B5"/>
+                      <a:schemeClr val="tx1">
+                        <a:lumMod val="50000"/>
+                        <a:lumOff val="50000"/>
+                      </a:schemeClr>
                     </a:solidFill>
-                    <a:latin typeface="Segoe UI Semilight" panose="020B0402040204020203" pitchFamily="34" charset="0"/>
-                    <a:cs typeface="Segoe UI Semilight" panose="020B0402040204020203" pitchFamily="34" charset="0"/>
                   </a:rPr>
-                  <a:t>MONTURE</a:t>
+                  <a:t>5</a:t>
                 </a:r>
+                <a:endParaRPr lang="fr-FR" sz="900" dirty="0">
+                  <a:solidFill>
+                    <a:schemeClr val="tx1">
+                      <a:lumMod val="50000"/>
+                      <a:lumOff val="50000"/>
+                    </a:schemeClr>
+                  </a:solidFill>
+                </a:endParaRPr>
               </a:p>
             </p:txBody>
           </p:sp>
-        </p:grpSp>
-        <p:grpSp>
-          <p:nvGrpSpPr>
-            <p:cNvPr id="2053" name="Groupe 2052">
-              <a:extLst>
-                <a:ext uri="{FF2B5EF4-FFF2-40B4-BE49-F238E27FC236}">
-                  <a16:creationId xmlns:a16="http://schemas.microsoft.com/office/drawing/2014/main" id="{6DEFAFF8-E9D9-B98C-8697-BE5D5E27248F}"/>
-                </a:ext>
-              </a:extLst>
-            </p:cNvPr>
-            <p:cNvGrpSpPr/>
-            <p:nvPr/>
-          </p:nvGrpSpPr>
-          <p:grpSpPr>
-            <a:xfrm>
-              <a:off x="8957976" y="10306977"/>
-              <a:ext cx="473324" cy="249140"/>
-              <a:chOff x="5241244" y="4726836"/>
-              <a:chExt cx="473324" cy="249140"/>
-            </a:xfrm>
-          </p:grpSpPr>
-          <p:cxnSp>
-            <p:nvCxnSpPr>
-              <p:cNvPr id="2055" name="Connecteur : en angle 2054">
+          <p:sp>
+            <p:nvSpPr>
+              <p:cNvPr id="439" name="ZoneTexte 438">
                 <a:extLst>
                   <a:ext uri="{FF2B5EF4-FFF2-40B4-BE49-F238E27FC236}">
-                    <a16:creationId xmlns:a16="http://schemas.microsoft.com/office/drawing/2014/main" id="{24F5227C-002A-03F7-3469-5A5DDF27A9E6}"/>
-                  </a:ext>
-                </a:extLst>
-              </p:cNvPr>
-              <p:cNvCxnSpPr>
-                <a:cxnSpLocks/>
-              </p:cNvCxnSpPr>
-              <p:nvPr/>
-            </p:nvCxnSpPr>
-            <p:spPr>
-              <a:xfrm>
-                <a:off x="5348058" y="4726836"/>
-                <a:ext cx="252000" cy="216000"/>
-              </a:xfrm>
-              <a:prstGeom prst="bentConnector3">
-                <a:avLst>
-                  <a:gd name="adj1" fmla="val -1227"/>
-                </a:avLst>
-              </a:prstGeom>
-              <a:ln>
-                <a:solidFill>
-                  <a:srgbClr val="ED7049"/>
-                </a:solidFill>
-                <a:prstDash val="dash"/>
-              </a:ln>
-            </p:spPr>
-            <p:style>
-              <a:lnRef idx="1">
-                <a:schemeClr val="accent1"/>
-              </a:lnRef>
-              <a:fillRef idx="0">
-                <a:schemeClr val="accent1"/>
-              </a:fillRef>
-              <a:effectRef idx="0">
-                <a:schemeClr val="accent1"/>
-              </a:effectRef>
-              <a:fontRef idx="minor">
-                <a:schemeClr val="tx1"/>
-              </a:fontRef>
-            </p:style>
-          </p:cxnSp>
-          <p:sp>
-            <p:nvSpPr>
-              <p:cNvPr id="2056" name="ZoneTexte 2055">
-                <a:extLst>
-                  <a:ext uri="{FF2B5EF4-FFF2-40B4-BE49-F238E27FC236}">
-                    <a16:creationId xmlns:a16="http://schemas.microsoft.com/office/drawing/2014/main" id="{6D722B53-E20A-EB22-805A-1AFE1AA6A102}"/>
+                    <a16:creationId xmlns:a16="http://schemas.microsoft.com/office/drawing/2014/main" id="{6B11346D-618A-43F6-A3C1-98DCA87A0732}"/>
                   </a:ext>
                 </a:extLst>
               </p:cNvPr>
@@ -25964,8 +25247,8 @@
             </p:nvSpPr>
             <p:spPr>
               <a:xfrm>
-                <a:off x="5241244" y="4822088"/>
-                <a:ext cx="473324" cy="153888"/>
+                <a:off x="9091888" y="10003910"/>
+                <a:ext cx="233667" cy="215444"/>
               </a:xfrm>
               <a:prstGeom prst="rect">
                 <a:avLst/>
@@ -25973,98 +25256,33 @@
               <a:noFill/>
             </p:spPr>
             <p:txBody>
-              <a:bodyPr wrap="square" rtlCol="0" anchor="ctr">
+              <a:bodyPr wrap="square" rtlCol="0">
                 <a:spAutoFit/>
               </a:bodyPr>
               <a:lstStyle/>
               <a:p>
-                <a:pPr algn="ctr"/>
                 <a:r>
-                  <a:rPr lang="fr-FR" sz="400" spc="-20" dirty="0">
+                  <a:rPr lang="fr-FR" sz="800" dirty="0">
                     <a:solidFill>
-                      <a:srgbClr val="ED7049"/>
+                      <a:srgbClr val="B49F86"/>
                     </a:solidFill>
-                    <a:latin typeface="Segoe UI Semilight" panose="020B0402040204020203" pitchFamily="34" charset="0"/>
-                    <a:cs typeface="Segoe UI Semilight" panose="020B0402040204020203" pitchFamily="34" charset="0"/>
                   </a:rPr>
-                  <a:t>MONTURE</a:t>
+                  <a:t>5</a:t>
                 </a:r>
+                <a:endParaRPr lang="fr-FR" sz="900" dirty="0">
+                  <a:solidFill>
+                    <a:srgbClr val="B49F86"/>
+                  </a:solidFill>
+                </a:endParaRPr>
               </a:p>
             </p:txBody>
           </p:sp>
-        </p:grpSp>
-        <p:grpSp>
-          <p:nvGrpSpPr>
-            <p:cNvPr id="2057" name="Groupe 2056">
-              <a:extLst>
-                <a:ext uri="{FF2B5EF4-FFF2-40B4-BE49-F238E27FC236}">
-                  <a16:creationId xmlns:a16="http://schemas.microsoft.com/office/drawing/2014/main" id="{D827E1D9-A054-2910-FF0E-0BB6BA61773C}"/>
-                </a:ext>
-              </a:extLst>
-            </p:cNvPr>
-            <p:cNvGrpSpPr/>
-            <p:nvPr/>
-          </p:nvGrpSpPr>
-          <p:grpSpPr>
-            <a:xfrm>
-              <a:off x="8949499" y="9810641"/>
-              <a:ext cx="473324" cy="249140"/>
-              <a:chOff x="5241244" y="4726836"/>
-              <a:chExt cx="473324" cy="249140"/>
-            </a:xfrm>
-          </p:grpSpPr>
-          <p:cxnSp>
-            <p:nvCxnSpPr>
-              <p:cNvPr id="2059" name="Connecteur : en angle 2058">
+          <p:sp>
+            <p:nvSpPr>
+              <p:cNvPr id="440" name="ZoneTexte 439">
                 <a:extLst>
                   <a:ext uri="{FF2B5EF4-FFF2-40B4-BE49-F238E27FC236}">
-                    <a16:creationId xmlns:a16="http://schemas.microsoft.com/office/drawing/2014/main" id="{6EF8FE4B-D4CE-95CF-05B1-4DF54B04A5CE}"/>
-                  </a:ext>
-                </a:extLst>
-              </p:cNvPr>
-              <p:cNvCxnSpPr>
-                <a:cxnSpLocks/>
-              </p:cNvCxnSpPr>
-              <p:nvPr/>
-            </p:nvCxnSpPr>
-            <p:spPr>
-              <a:xfrm>
-                <a:off x="5348058" y="4726836"/>
-                <a:ext cx="252000" cy="216000"/>
-              </a:xfrm>
-              <a:prstGeom prst="bentConnector3">
-                <a:avLst>
-                  <a:gd name="adj1" fmla="val -1227"/>
-                </a:avLst>
-              </a:prstGeom>
-              <a:ln>
-                <a:solidFill>
-                  <a:srgbClr val="B49F86"/>
-                </a:solidFill>
-                <a:prstDash val="dash"/>
-              </a:ln>
-            </p:spPr>
-            <p:style>
-              <a:lnRef idx="1">
-                <a:schemeClr val="accent1"/>
-              </a:lnRef>
-              <a:fillRef idx="0">
-                <a:schemeClr val="accent1"/>
-              </a:fillRef>
-              <a:effectRef idx="0">
-                <a:schemeClr val="accent1"/>
-              </a:effectRef>
-              <a:fontRef idx="minor">
-                <a:schemeClr val="tx1"/>
-              </a:fontRef>
-            </p:style>
-          </p:cxnSp>
-          <p:sp>
-            <p:nvSpPr>
-              <p:cNvPr id="2061" name="ZoneTexte 2060">
-                <a:extLst>
-                  <a:ext uri="{FF2B5EF4-FFF2-40B4-BE49-F238E27FC236}">
-                    <a16:creationId xmlns:a16="http://schemas.microsoft.com/office/drawing/2014/main" id="{147EF47C-5072-35D3-0CA3-F3CD695E77BE}"/>
+                    <a16:creationId xmlns:a16="http://schemas.microsoft.com/office/drawing/2014/main" id="{1BDEC0B4-B143-4F9C-817C-2E8265595036}"/>
                   </a:ext>
                 </a:extLst>
               </p:cNvPr>
@@ -26073,8 +25291,8 @@
             </p:nvSpPr>
             <p:spPr>
               <a:xfrm>
-                <a:off x="5241244" y="4822088"/>
-                <a:ext cx="473324" cy="153888"/>
+                <a:off x="9103601" y="10499186"/>
+                <a:ext cx="233667" cy="215444"/>
               </a:xfrm>
               <a:prstGeom prst="rect">
                 <a:avLst/>
@@ -26082,25 +25300,790 @@
               <a:noFill/>
             </p:spPr>
             <p:txBody>
-              <a:bodyPr wrap="square" rtlCol="0" anchor="ctr">
+              <a:bodyPr wrap="square" rtlCol="0">
                 <a:spAutoFit/>
               </a:bodyPr>
               <a:lstStyle/>
               <a:p>
-                <a:pPr algn="ctr"/>
                 <a:r>
-                  <a:rPr lang="fr-FR" sz="400" spc="-20" dirty="0">
+                  <a:rPr lang="fr-FR" sz="800" dirty="0">
                     <a:solidFill>
-                      <a:srgbClr val="B49F86"/>
+                      <a:srgbClr val="ED7049"/>
                     </a:solidFill>
-                    <a:latin typeface="Segoe UI Semilight" panose="020B0402040204020203" pitchFamily="34" charset="0"/>
-                    <a:cs typeface="Segoe UI Semilight" panose="020B0402040204020203" pitchFamily="34" charset="0"/>
                   </a:rPr>
-                  <a:t>MONTURE</a:t>
+                  <a:t>5</a:t>
+                </a:r>
+                <a:endParaRPr lang="fr-FR" sz="900" dirty="0">
+                  <a:solidFill>
+                    <a:srgbClr val="ED7049"/>
+                  </a:solidFill>
+                </a:endParaRPr>
+              </a:p>
+            </p:txBody>
+          </p:sp>
+          <p:sp>
+            <p:nvSpPr>
+              <p:cNvPr id="491" name="ZoneTexte 490">
+                <a:extLst>
+                  <a:ext uri="{FF2B5EF4-FFF2-40B4-BE49-F238E27FC236}">
+                    <a16:creationId xmlns:a16="http://schemas.microsoft.com/office/drawing/2014/main" id="{35939F73-DD66-5A04-C824-60146B20D2E8}"/>
+                  </a:ext>
+                </a:extLst>
+              </p:cNvPr>
+              <p:cNvSpPr txBox="1"/>
+              <p:nvPr/>
+            </p:nvSpPr>
+            <p:spPr>
+              <a:xfrm>
+                <a:off x="8704643" y="9308462"/>
+                <a:ext cx="233667" cy="230832"/>
+              </a:xfrm>
+              <a:prstGeom prst="rect">
+                <a:avLst/>
+              </a:prstGeom>
+              <a:noFill/>
+            </p:spPr>
+            <p:txBody>
+              <a:bodyPr wrap="square" rtlCol="0">
+                <a:spAutoFit/>
+              </a:bodyPr>
+              <a:lstStyle/>
+              <a:p>
+                <a:r>
+                  <a:rPr lang="fr-FR" sz="900" dirty="0">
+                    <a:solidFill>
+                      <a:schemeClr val="tx1">
+                        <a:lumMod val="50000"/>
+                        <a:lumOff val="50000"/>
+                      </a:schemeClr>
+                    </a:solidFill>
+                  </a:rPr>
+                  <a:t>0</a:t>
                 </a:r>
               </a:p>
             </p:txBody>
           </p:sp>
+          <p:sp>
+            <p:nvSpPr>
+              <p:cNvPr id="492" name="ZoneTexte 491">
+                <a:extLst>
+                  <a:ext uri="{FF2B5EF4-FFF2-40B4-BE49-F238E27FC236}">
+                    <a16:creationId xmlns:a16="http://schemas.microsoft.com/office/drawing/2014/main" id="{3DED9E76-6638-BC33-35D5-F57C2FB1409F}"/>
+                  </a:ext>
+                </a:extLst>
+              </p:cNvPr>
+              <p:cNvSpPr txBox="1"/>
+              <p:nvPr/>
+            </p:nvSpPr>
+            <p:spPr>
+              <a:xfrm>
+                <a:off x="8704643" y="9800494"/>
+                <a:ext cx="233667" cy="215444"/>
+              </a:xfrm>
+              <a:prstGeom prst="rect">
+                <a:avLst/>
+              </a:prstGeom>
+              <a:noFill/>
+            </p:spPr>
+            <p:txBody>
+              <a:bodyPr wrap="square" rtlCol="0">
+                <a:spAutoFit/>
+              </a:bodyPr>
+              <a:lstStyle/>
+              <a:p>
+                <a:r>
+                  <a:rPr lang="fr-FR" sz="800" dirty="0">
+                    <a:solidFill>
+                      <a:srgbClr val="B49F86"/>
+                    </a:solidFill>
+                  </a:rPr>
+                  <a:t>0</a:t>
+                </a:r>
+                <a:endParaRPr lang="fr-FR" sz="900" dirty="0">
+                  <a:solidFill>
+                    <a:srgbClr val="B49F86"/>
+                  </a:solidFill>
+                </a:endParaRPr>
+              </a:p>
+            </p:txBody>
+          </p:sp>
+          <p:sp>
+            <p:nvSpPr>
+              <p:cNvPr id="493" name="ZoneTexte 492">
+                <a:extLst>
+                  <a:ext uri="{FF2B5EF4-FFF2-40B4-BE49-F238E27FC236}">
+                    <a16:creationId xmlns:a16="http://schemas.microsoft.com/office/drawing/2014/main" id="{A9179494-0FD2-6A5C-8739-F6D48F967E0E}"/>
+                  </a:ext>
+                </a:extLst>
+              </p:cNvPr>
+              <p:cNvSpPr txBox="1"/>
+              <p:nvPr/>
+            </p:nvSpPr>
+            <p:spPr>
+              <a:xfrm>
+                <a:off x="8713927" y="10292909"/>
+                <a:ext cx="233667" cy="215444"/>
+              </a:xfrm>
+              <a:prstGeom prst="rect">
+                <a:avLst/>
+              </a:prstGeom>
+              <a:noFill/>
+            </p:spPr>
+            <p:txBody>
+              <a:bodyPr wrap="square" rtlCol="0">
+                <a:spAutoFit/>
+              </a:bodyPr>
+              <a:lstStyle/>
+              <a:p>
+                <a:r>
+                  <a:rPr lang="fr-FR" sz="800" dirty="0">
+                    <a:solidFill>
+                      <a:srgbClr val="ED7049"/>
+                    </a:solidFill>
+                  </a:rPr>
+                  <a:t>0</a:t>
+                </a:r>
+                <a:endParaRPr lang="fr-FR" sz="900" dirty="0">
+                  <a:solidFill>
+                    <a:srgbClr val="ED7049"/>
+                  </a:solidFill>
+                </a:endParaRPr>
+              </a:p>
+            </p:txBody>
+          </p:sp>
+          <p:sp>
+            <p:nvSpPr>
+              <p:cNvPr id="494" name="ZoneTexte 493">
+                <a:extLst>
+                  <a:ext uri="{FF2B5EF4-FFF2-40B4-BE49-F238E27FC236}">
+                    <a16:creationId xmlns:a16="http://schemas.microsoft.com/office/drawing/2014/main" id="{7D14949C-D1A5-C042-1322-7B82569FA9CC}"/>
+                  </a:ext>
+                </a:extLst>
+              </p:cNvPr>
+              <p:cNvSpPr txBox="1"/>
+              <p:nvPr/>
+            </p:nvSpPr>
+            <p:spPr>
+              <a:xfrm>
+                <a:off x="8705974" y="10789670"/>
+                <a:ext cx="233667" cy="215444"/>
+              </a:xfrm>
+              <a:prstGeom prst="rect">
+                <a:avLst/>
+              </a:prstGeom>
+              <a:noFill/>
+            </p:spPr>
+            <p:txBody>
+              <a:bodyPr wrap="square" rtlCol="0">
+                <a:spAutoFit/>
+              </a:bodyPr>
+              <a:lstStyle/>
+              <a:p>
+                <a:r>
+                  <a:rPr lang="fr-FR" sz="800" dirty="0">
+                    <a:solidFill>
+                      <a:srgbClr val="76B54B"/>
+                    </a:solidFill>
+                  </a:rPr>
+                  <a:t>0</a:t>
+                </a:r>
+                <a:endParaRPr lang="fr-FR" sz="900" dirty="0">
+                  <a:solidFill>
+                    <a:srgbClr val="76B54B"/>
+                  </a:solidFill>
+                </a:endParaRPr>
+              </a:p>
+            </p:txBody>
+          </p:sp>
+          <p:sp>
+            <p:nvSpPr>
+              <p:cNvPr id="495" name="ZoneTexte 494">
+                <a:extLst>
+                  <a:ext uri="{FF2B5EF4-FFF2-40B4-BE49-F238E27FC236}">
+                    <a16:creationId xmlns:a16="http://schemas.microsoft.com/office/drawing/2014/main" id="{A3585F0B-06DE-36AA-E74C-968D23CFA157}"/>
+                  </a:ext>
+                </a:extLst>
+              </p:cNvPr>
+              <p:cNvSpPr txBox="1"/>
+              <p:nvPr/>
+            </p:nvSpPr>
+            <p:spPr>
+              <a:xfrm>
+                <a:off x="8690411" y="11286827"/>
+                <a:ext cx="233667" cy="215444"/>
+              </a:xfrm>
+              <a:prstGeom prst="rect">
+                <a:avLst/>
+              </a:prstGeom>
+              <a:noFill/>
+            </p:spPr>
+            <p:txBody>
+              <a:bodyPr wrap="square" rtlCol="0">
+                <a:spAutoFit/>
+              </a:bodyPr>
+              <a:lstStyle/>
+              <a:p>
+                <a:r>
+                  <a:rPr lang="fr-FR" sz="800" dirty="0">
+                    <a:solidFill>
+                      <a:srgbClr val="8FAADC"/>
+                    </a:solidFill>
+                  </a:rPr>
+                  <a:t>0</a:t>
+                </a:r>
+                <a:endParaRPr lang="fr-FR" sz="900" dirty="0">
+                  <a:solidFill>
+                    <a:srgbClr val="8FAADC"/>
+                  </a:solidFill>
+                </a:endParaRPr>
+              </a:p>
+            </p:txBody>
+          </p:sp>
+          <p:grpSp>
+            <p:nvGrpSpPr>
+              <p:cNvPr id="113" name="Groupe 112">
+                <a:extLst>
+                  <a:ext uri="{FF2B5EF4-FFF2-40B4-BE49-F238E27FC236}">
+                    <a16:creationId xmlns:a16="http://schemas.microsoft.com/office/drawing/2014/main" id="{5AF114F6-266C-81A7-043F-71D722B3C1B6}"/>
+                  </a:ext>
+                </a:extLst>
+              </p:cNvPr>
+              <p:cNvGrpSpPr/>
+              <p:nvPr/>
+            </p:nvGrpSpPr>
+            <p:grpSpPr>
+              <a:xfrm>
+                <a:off x="8957119" y="10800509"/>
+                <a:ext cx="473324" cy="249140"/>
+                <a:chOff x="5241244" y="4726836"/>
+                <a:chExt cx="473324" cy="249140"/>
+              </a:xfrm>
+            </p:grpSpPr>
+            <p:cxnSp>
+              <p:nvCxnSpPr>
+                <p:cNvPr id="136" name="Connecteur : en angle 135">
+                  <a:extLst>
+                    <a:ext uri="{FF2B5EF4-FFF2-40B4-BE49-F238E27FC236}">
+                      <a16:creationId xmlns:a16="http://schemas.microsoft.com/office/drawing/2014/main" id="{B1669D46-C257-328E-ECBD-E858048F613E}"/>
+                    </a:ext>
+                  </a:extLst>
+                </p:cNvPr>
+                <p:cNvCxnSpPr>
+                  <a:cxnSpLocks/>
+                </p:cNvCxnSpPr>
+                <p:nvPr/>
+              </p:nvCxnSpPr>
+              <p:spPr>
+                <a:xfrm>
+                  <a:off x="5348058" y="4726836"/>
+                  <a:ext cx="252000" cy="216000"/>
+                </a:xfrm>
+                <a:prstGeom prst="bentConnector3">
+                  <a:avLst>
+                    <a:gd name="adj1" fmla="val -1227"/>
+                  </a:avLst>
+                </a:prstGeom>
+                <a:ln>
+                  <a:solidFill>
+                    <a:srgbClr val="76B54B"/>
+                  </a:solidFill>
+                  <a:prstDash val="dash"/>
+                </a:ln>
+              </p:spPr>
+              <p:style>
+                <a:lnRef idx="1">
+                  <a:schemeClr val="accent1"/>
+                </a:lnRef>
+                <a:fillRef idx="0">
+                  <a:schemeClr val="accent1"/>
+                </a:fillRef>
+                <a:effectRef idx="0">
+                  <a:schemeClr val="accent1"/>
+                </a:effectRef>
+                <a:fontRef idx="minor">
+                  <a:schemeClr val="tx1"/>
+                </a:fontRef>
+              </p:style>
+            </p:cxnSp>
+            <p:sp>
+              <p:nvSpPr>
+                <p:cNvPr id="137" name="ZoneTexte 136">
+                  <a:extLst>
+                    <a:ext uri="{FF2B5EF4-FFF2-40B4-BE49-F238E27FC236}">
+                      <a16:creationId xmlns:a16="http://schemas.microsoft.com/office/drawing/2014/main" id="{A65FE498-04C7-D8B1-3D67-1622270978CD}"/>
+                    </a:ext>
+                  </a:extLst>
+                </p:cNvPr>
+                <p:cNvSpPr txBox="1"/>
+                <p:nvPr/>
+              </p:nvSpPr>
+              <p:spPr>
+                <a:xfrm>
+                  <a:off x="5241244" y="4822088"/>
+                  <a:ext cx="473324" cy="153888"/>
+                </a:xfrm>
+                <a:prstGeom prst="rect">
+                  <a:avLst/>
+                </a:prstGeom>
+                <a:noFill/>
+              </p:spPr>
+              <p:txBody>
+                <a:bodyPr wrap="square" rtlCol="0" anchor="ctr">
+                  <a:spAutoFit/>
+                </a:bodyPr>
+                <a:lstStyle/>
+                <a:p>
+                  <a:pPr algn="ctr"/>
+                  <a:r>
+                    <a:rPr lang="fr-FR" sz="400" spc="-20" dirty="0">
+                      <a:solidFill>
+                        <a:srgbClr val="76B54B"/>
+                      </a:solidFill>
+                      <a:latin typeface="Segoe UI Semilight" panose="020B0402040204020203" pitchFamily="34" charset="0"/>
+                      <a:cs typeface="Segoe UI Semilight" panose="020B0402040204020203" pitchFamily="34" charset="0"/>
+                    </a:rPr>
+                    <a:t>MONTURE</a:t>
+                  </a:r>
+                </a:p>
+              </p:txBody>
+            </p:sp>
+          </p:grpSp>
+          <p:grpSp>
+            <p:nvGrpSpPr>
+              <p:cNvPr id="223" name="Groupe 222">
+                <a:extLst>
+                  <a:ext uri="{FF2B5EF4-FFF2-40B4-BE49-F238E27FC236}">
+                    <a16:creationId xmlns:a16="http://schemas.microsoft.com/office/drawing/2014/main" id="{B97850BA-2AB6-BFED-3DFC-D38D2381E865}"/>
+                  </a:ext>
+                </a:extLst>
+              </p:cNvPr>
+              <p:cNvGrpSpPr/>
+              <p:nvPr/>
+            </p:nvGrpSpPr>
+            <p:grpSpPr>
+              <a:xfrm>
+                <a:off x="8959024" y="11293289"/>
+                <a:ext cx="473324" cy="249140"/>
+                <a:chOff x="5241244" y="4726836"/>
+                <a:chExt cx="473324" cy="249140"/>
+              </a:xfrm>
+            </p:grpSpPr>
+            <p:cxnSp>
+              <p:nvCxnSpPr>
+                <p:cNvPr id="224" name="Connecteur : en angle 223">
+                  <a:extLst>
+                    <a:ext uri="{FF2B5EF4-FFF2-40B4-BE49-F238E27FC236}">
+                      <a16:creationId xmlns:a16="http://schemas.microsoft.com/office/drawing/2014/main" id="{E7640EFC-1693-9524-651A-4BAAA7D62404}"/>
+                    </a:ext>
+                  </a:extLst>
+                </p:cNvPr>
+                <p:cNvCxnSpPr>
+                  <a:cxnSpLocks/>
+                </p:cNvCxnSpPr>
+                <p:nvPr/>
+              </p:nvCxnSpPr>
+              <p:spPr>
+                <a:xfrm>
+                  <a:off x="5348058" y="4726836"/>
+                  <a:ext cx="252000" cy="216000"/>
+                </a:xfrm>
+                <a:prstGeom prst="bentConnector3">
+                  <a:avLst>
+                    <a:gd name="adj1" fmla="val -1227"/>
+                  </a:avLst>
+                </a:prstGeom>
+                <a:ln>
+                  <a:solidFill>
+                    <a:srgbClr val="8FAADC"/>
+                  </a:solidFill>
+                  <a:prstDash val="dash"/>
+                </a:ln>
+              </p:spPr>
+              <p:style>
+                <a:lnRef idx="1">
+                  <a:schemeClr val="accent1"/>
+                </a:lnRef>
+                <a:fillRef idx="0">
+                  <a:schemeClr val="accent1"/>
+                </a:fillRef>
+                <a:effectRef idx="0">
+                  <a:schemeClr val="accent1"/>
+                </a:effectRef>
+                <a:fontRef idx="minor">
+                  <a:schemeClr val="tx1"/>
+                </a:fontRef>
+              </p:style>
+            </p:cxnSp>
+            <p:sp>
+              <p:nvSpPr>
+                <p:cNvPr id="225" name="ZoneTexte 224">
+                  <a:extLst>
+                    <a:ext uri="{FF2B5EF4-FFF2-40B4-BE49-F238E27FC236}">
+                      <a16:creationId xmlns:a16="http://schemas.microsoft.com/office/drawing/2014/main" id="{F204F6A9-2A61-65E0-5040-B19EAF0A8DEA}"/>
+                    </a:ext>
+                  </a:extLst>
+                </p:cNvPr>
+                <p:cNvSpPr txBox="1"/>
+                <p:nvPr/>
+              </p:nvSpPr>
+              <p:spPr>
+                <a:xfrm>
+                  <a:off x="5241244" y="4822088"/>
+                  <a:ext cx="473324" cy="153888"/>
+                </a:xfrm>
+                <a:prstGeom prst="rect">
+                  <a:avLst/>
+                </a:prstGeom>
+                <a:noFill/>
+              </p:spPr>
+              <p:txBody>
+                <a:bodyPr wrap="square" rtlCol="0" anchor="ctr">
+                  <a:spAutoFit/>
+                </a:bodyPr>
+                <a:lstStyle/>
+                <a:p>
+                  <a:pPr algn="ctr"/>
+                  <a:r>
+                    <a:rPr lang="fr-FR" sz="400" spc="-20" dirty="0">
+                      <a:solidFill>
+                        <a:srgbClr val="8FAADC"/>
+                      </a:solidFill>
+                      <a:latin typeface="Segoe UI Semilight" panose="020B0402040204020203" pitchFamily="34" charset="0"/>
+                      <a:cs typeface="Segoe UI Semilight" panose="020B0402040204020203" pitchFamily="34" charset="0"/>
+                    </a:rPr>
+                    <a:t>MONTURE</a:t>
+                  </a:r>
+                </a:p>
+              </p:txBody>
+            </p:sp>
+          </p:grpSp>
+          <p:grpSp>
+            <p:nvGrpSpPr>
+              <p:cNvPr id="2048" name="Groupe 2047">
+                <a:extLst>
+                  <a:ext uri="{FF2B5EF4-FFF2-40B4-BE49-F238E27FC236}">
+                    <a16:creationId xmlns:a16="http://schemas.microsoft.com/office/drawing/2014/main" id="{687FB9F7-187F-040B-4C9A-1C522F7FD844}"/>
+                  </a:ext>
+                </a:extLst>
+              </p:cNvPr>
+              <p:cNvGrpSpPr/>
+              <p:nvPr/>
+            </p:nvGrpSpPr>
+            <p:grpSpPr>
+              <a:xfrm>
+                <a:off x="8957450" y="9316474"/>
+                <a:ext cx="473324" cy="249140"/>
+                <a:chOff x="5241244" y="4726836"/>
+                <a:chExt cx="473324" cy="249140"/>
+              </a:xfrm>
+            </p:grpSpPr>
+            <p:cxnSp>
+              <p:nvCxnSpPr>
+                <p:cNvPr id="2049" name="Connecteur : en angle 2048">
+                  <a:extLst>
+                    <a:ext uri="{FF2B5EF4-FFF2-40B4-BE49-F238E27FC236}">
+                      <a16:creationId xmlns:a16="http://schemas.microsoft.com/office/drawing/2014/main" id="{0E7033E3-834F-3BDA-FF99-D99418101CE9}"/>
+                    </a:ext>
+                  </a:extLst>
+                </p:cNvPr>
+                <p:cNvCxnSpPr>
+                  <a:cxnSpLocks/>
+                </p:cNvCxnSpPr>
+                <p:nvPr/>
+              </p:nvCxnSpPr>
+              <p:spPr>
+                <a:xfrm>
+                  <a:off x="5348058" y="4726836"/>
+                  <a:ext cx="252000" cy="216000"/>
+                </a:xfrm>
+                <a:prstGeom prst="bentConnector3">
+                  <a:avLst>
+                    <a:gd name="adj1" fmla="val -1227"/>
+                  </a:avLst>
+                </a:prstGeom>
+                <a:ln>
+                  <a:solidFill>
+                    <a:srgbClr val="B5B5B5"/>
+                  </a:solidFill>
+                  <a:prstDash val="dash"/>
+                </a:ln>
+              </p:spPr>
+              <p:style>
+                <a:lnRef idx="1">
+                  <a:schemeClr val="accent1"/>
+                </a:lnRef>
+                <a:fillRef idx="0">
+                  <a:schemeClr val="accent1"/>
+                </a:fillRef>
+                <a:effectRef idx="0">
+                  <a:schemeClr val="accent1"/>
+                </a:effectRef>
+                <a:fontRef idx="minor">
+                  <a:schemeClr val="tx1"/>
+                </a:fontRef>
+              </p:style>
+            </p:cxnSp>
+            <p:sp>
+              <p:nvSpPr>
+                <p:cNvPr id="2050" name="ZoneTexte 2049">
+                  <a:extLst>
+                    <a:ext uri="{FF2B5EF4-FFF2-40B4-BE49-F238E27FC236}">
+                      <a16:creationId xmlns:a16="http://schemas.microsoft.com/office/drawing/2014/main" id="{CADE23C2-6015-CAB5-0A7D-A65B1D3E708D}"/>
+                    </a:ext>
+                  </a:extLst>
+                </p:cNvPr>
+                <p:cNvSpPr txBox="1"/>
+                <p:nvPr/>
+              </p:nvSpPr>
+              <p:spPr>
+                <a:xfrm>
+                  <a:off x="5241244" y="4822088"/>
+                  <a:ext cx="473324" cy="153888"/>
+                </a:xfrm>
+                <a:prstGeom prst="rect">
+                  <a:avLst/>
+                </a:prstGeom>
+                <a:noFill/>
+              </p:spPr>
+              <p:txBody>
+                <a:bodyPr wrap="square" rtlCol="0" anchor="ctr">
+                  <a:spAutoFit/>
+                </a:bodyPr>
+                <a:lstStyle/>
+                <a:p>
+                  <a:pPr algn="ctr"/>
+                  <a:r>
+                    <a:rPr lang="fr-FR" sz="400" spc="-20" dirty="0">
+                      <a:solidFill>
+                        <a:srgbClr val="B5B5B5"/>
+                      </a:solidFill>
+                      <a:latin typeface="Segoe UI Semilight" panose="020B0402040204020203" pitchFamily="34" charset="0"/>
+                      <a:cs typeface="Segoe UI Semilight" panose="020B0402040204020203" pitchFamily="34" charset="0"/>
+                    </a:rPr>
+                    <a:t>MONTURE</a:t>
+                  </a:r>
+                </a:p>
+              </p:txBody>
+            </p:sp>
+          </p:grpSp>
+          <p:grpSp>
+            <p:nvGrpSpPr>
+              <p:cNvPr id="2053" name="Groupe 2052">
+                <a:extLst>
+                  <a:ext uri="{FF2B5EF4-FFF2-40B4-BE49-F238E27FC236}">
+                    <a16:creationId xmlns:a16="http://schemas.microsoft.com/office/drawing/2014/main" id="{6DEFAFF8-E9D9-B98C-8697-BE5D5E27248F}"/>
+                  </a:ext>
+                </a:extLst>
+              </p:cNvPr>
+              <p:cNvGrpSpPr/>
+              <p:nvPr/>
+            </p:nvGrpSpPr>
+            <p:grpSpPr>
+              <a:xfrm>
+                <a:off x="8957976" y="10306977"/>
+                <a:ext cx="473324" cy="249140"/>
+                <a:chOff x="5241244" y="4726836"/>
+                <a:chExt cx="473324" cy="249140"/>
+              </a:xfrm>
+            </p:grpSpPr>
+            <p:cxnSp>
+              <p:nvCxnSpPr>
+                <p:cNvPr id="2055" name="Connecteur : en angle 2054">
+                  <a:extLst>
+                    <a:ext uri="{FF2B5EF4-FFF2-40B4-BE49-F238E27FC236}">
+                      <a16:creationId xmlns:a16="http://schemas.microsoft.com/office/drawing/2014/main" id="{24F5227C-002A-03F7-3469-5A5DDF27A9E6}"/>
+                    </a:ext>
+                  </a:extLst>
+                </p:cNvPr>
+                <p:cNvCxnSpPr>
+                  <a:cxnSpLocks/>
+                </p:cNvCxnSpPr>
+                <p:nvPr/>
+              </p:nvCxnSpPr>
+              <p:spPr>
+                <a:xfrm>
+                  <a:off x="5348058" y="4726836"/>
+                  <a:ext cx="252000" cy="216000"/>
+                </a:xfrm>
+                <a:prstGeom prst="bentConnector3">
+                  <a:avLst>
+                    <a:gd name="adj1" fmla="val -1227"/>
+                  </a:avLst>
+                </a:prstGeom>
+                <a:ln>
+                  <a:solidFill>
+                    <a:srgbClr val="ED7049"/>
+                  </a:solidFill>
+                  <a:prstDash val="dash"/>
+                </a:ln>
+              </p:spPr>
+              <p:style>
+                <a:lnRef idx="1">
+                  <a:schemeClr val="accent1"/>
+                </a:lnRef>
+                <a:fillRef idx="0">
+                  <a:schemeClr val="accent1"/>
+                </a:fillRef>
+                <a:effectRef idx="0">
+                  <a:schemeClr val="accent1"/>
+                </a:effectRef>
+                <a:fontRef idx="minor">
+                  <a:schemeClr val="tx1"/>
+                </a:fontRef>
+              </p:style>
+            </p:cxnSp>
+            <p:sp>
+              <p:nvSpPr>
+                <p:cNvPr id="2056" name="ZoneTexte 2055">
+                  <a:extLst>
+                    <a:ext uri="{FF2B5EF4-FFF2-40B4-BE49-F238E27FC236}">
+                      <a16:creationId xmlns:a16="http://schemas.microsoft.com/office/drawing/2014/main" id="{6D722B53-E20A-EB22-805A-1AFE1AA6A102}"/>
+                    </a:ext>
+                  </a:extLst>
+                </p:cNvPr>
+                <p:cNvSpPr txBox="1"/>
+                <p:nvPr/>
+              </p:nvSpPr>
+              <p:spPr>
+                <a:xfrm>
+                  <a:off x="5241244" y="4822088"/>
+                  <a:ext cx="473324" cy="153888"/>
+                </a:xfrm>
+                <a:prstGeom prst="rect">
+                  <a:avLst/>
+                </a:prstGeom>
+                <a:noFill/>
+              </p:spPr>
+              <p:txBody>
+                <a:bodyPr wrap="square" rtlCol="0" anchor="ctr">
+                  <a:spAutoFit/>
+                </a:bodyPr>
+                <a:lstStyle/>
+                <a:p>
+                  <a:pPr algn="ctr"/>
+                  <a:r>
+                    <a:rPr lang="fr-FR" sz="400" spc="-20" dirty="0">
+                      <a:solidFill>
+                        <a:srgbClr val="ED7049"/>
+                      </a:solidFill>
+                      <a:latin typeface="Segoe UI Semilight" panose="020B0402040204020203" pitchFamily="34" charset="0"/>
+                      <a:cs typeface="Segoe UI Semilight" panose="020B0402040204020203" pitchFamily="34" charset="0"/>
+                    </a:rPr>
+                    <a:t>MONTURE</a:t>
+                  </a:r>
+                </a:p>
+              </p:txBody>
+            </p:sp>
+          </p:grpSp>
+          <p:grpSp>
+            <p:nvGrpSpPr>
+              <p:cNvPr id="2057" name="Groupe 2056">
+                <a:extLst>
+                  <a:ext uri="{FF2B5EF4-FFF2-40B4-BE49-F238E27FC236}">
+                    <a16:creationId xmlns:a16="http://schemas.microsoft.com/office/drawing/2014/main" id="{D827E1D9-A054-2910-FF0E-0BB6BA61773C}"/>
+                  </a:ext>
+                </a:extLst>
+              </p:cNvPr>
+              <p:cNvGrpSpPr/>
+              <p:nvPr/>
+            </p:nvGrpSpPr>
+            <p:grpSpPr>
+              <a:xfrm>
+                <a:off x="8949499" y="9810641"/>
+                <a:ext cx="473324" cy="249140"/>
+                <a:chOff x="5241244" y="4726836"/>
+                <a:chExt cx="473324" cy="249140"/>
+              </a:xfrm>
+            </p:grpSpPr>
+            <p:cxnSp>
+              <p:nvCxnSpPr>
+                <p:cNvPr id="2059" name="Connecteur : en angle 2058">
+                  <a:extLst>
+                    <a:ext uri="{FF2B5EF4-FFF2-40B4-BE49-F238E27FC236}">
+                      <a16:creationId xmlns:a16="http://schemas.microsoft.com/office/drawing/2014/main" id="{6EF8FE4B-D4CE-95CF-05B1-4DF54B04A5CE}"/>
+                    </a:ext>
+                  </a:extLst>
+                </p:cNvPr>
+                <p:cNvCxnSpPr>
+                  <a:cxnSpLocks/>
+                </p:cNvCxnSpPr>
+                <p:nvPr/>
+              </p:nvCxnSpPr>
+              <p:spPr>
+                <a:xfrm>
+                  <a:off x="5348058" y="4726836"/>
+                  <a:ext cx="252000" cy="216000"/>
+                </a:xfrm>
+                <a:prstGeom prst="bentConnector3">
+                  <a:avLst>
+                    <a:gd name="adj1" fmla="val -1227"/>
+                  </a:avLst>
+                </a:prstGeom>
+                <a:ln>
+                  <a:solidFill>
+                    <a:srgbClr val="B49F86"/>
+                  </a:solidFill>
+                  <a:prstDash val="dash"/>
+                </a:ln>
+              </p:spPr>
+              <p:style>
+                <a:lnRef idx="1">
+                  <a:schemeClr val="accent1"/>
+                </a:lnRef>
+                <a:fillRef idx="0">
+                  <a:schemeClr val="accent1"/>
+                </a:fillRef>
+                <a:effectRef idx="0">
+                  <a:schemeClr val="accent1"/>
+                </a:effectRef>
+                <a:fontRef idx="minor">
+                  <a:schemeClr val="tx1"/>
+                </a:fontRef>
+              </p:style>
+            </p:cxnSp>
+            <p:sp>
+              <p:nvSpPr>
+                <p:cNvPr id="2061" name="ZoneTexte 2060">
+                  <a:extLst>
+                    <a:ext uri="{FF2B5EF4-FFF2-40B4-BE49-F238E27FC236}">
+                      <a16:creationId xmlns:a16="http://schemas.microsoft.com/office/drawing/2014/main" id="{147EF47C-5072-35D3-0CA3-F3CD695E77BE}"/>
+                    </a:ext>
+                  </a:extLst>
+                </p:cNvPr>
+                <p:cNvSpPr txBox="1"/>
+                <p:nvPr/>
+              </p:nvSpPr>
+              <p:spPr>
+                <a:xfrm>
+                  <a:off x="5241244" y="4822088"/>
+                  <a:ext cx="473324" cy="153888"/>
+                </a:xfrm>
+                <a:prstGeom prst="rect">
+                  <a:avLst/>
+                </a:prstGeom>
+                <a:noFill/>
+              </p:spPr>
+              <p:txBody>
+                <a:bodyPr wrap="square" rtlCol="0" anchor="ctr">
+                  <a:spAutoFit/>
+                </a:bodyPr>
+                <a:lstStyle/>
+                <a:p>
+                  <a:pPr algn="ctr"/>
+                  <a:r>
+                    <a:rPr lang="fr-FR" sz="400" spc="-20" dirty="0">
+                      <a:solidFill>
+                        <a:srgbClr val="B49F86"/>
+                      </a:solidFill>
+                      <a:latin typeface="Segoe UI Semilight" panose="020B0402040204020203" pitchFamily="34" charset="0"/>
+                      <a:cs typeface="Segoe UI Semilight" panose="020B0402040204020203" pitchFamily="34" charset="0"/>
+                    </a:rPr>
+                    <a:t>MONTURE</a:t>
+                  </a:r>
+                </a:p>
+              </p:txBody>
+            </p:sp>
+          </p:grpSp>
         </p:grpSp>
       </p:grpSp>
       <p:grpSp>
@@ -29329,7 +29312,7 @@
                 <a:effectLst/>
                 <a:latin typeface="Segoe UI" panose="020B0502040204020203" pitchFamily="34" charset="0"/>
               </a:rPr>
-              <a:t>β 1.</a:t>
+              <a:t>α 1</a:t>
             </a:r>
             <a:r>
               <a:rPr lang="fr-FR" sz="1000" b="0" i="0" dirty="0">
@@ -29339,7 +29322,7 @@
                 <a:effectLst/>
                 <a:latin typeface="Segoe UI" panose="020B0502040204020203" pitchFamily="34" charset="0"/>
               </a:rPr>
-              <a:t>3</a:t>
+              <a:t>.x</a:t>
             </a:r>
           </a:p>
           <a:p>
@@ -29351,7 +29334,7 @@
                 </a:solidFill>
                 <a:latin typeface="Segoe UI" panose="020B0502040204020203" pitchFamily="34" charset="0"/>
               </a:rPr>
-              <a:t>Version fiche personnage 1.1</a:t>
+              <a:t>Version fiche personnage 1.2</a:t>
             </a:r>
             <a:endParaRPr lang="fr-FR" sz="1000" dirty="0"/>
           </a:p>
@@ -29450,6 +29433,360 @@
           </a:p>
         </p:txBody>
       </p:sp>
+      <p:grpSp>
+        <p:nvGrpSpPr>
+          <p:cNvPr id="458" name="Groupe 457">
+            <a:extLst>
+              <a:ext uri="{FF2B5EF4-FFF2-40B4-BE49-F238E27FC236}">
+                <a16:creationId xmlns:a16="http://schemas.microsoft.com/office/drawing/2014/main" id="{F208D072-D2FF-1D39-29ED-77EF73D8A53B}"/>
+              </a:ext>
+            </a:extLst>
+          </p:cNvPr>
+          <p:cNvGrpSpPr/>
+          <p:nvPr/>
+        </p:nvGrpSpPr>
+        <p:grpSpPr>
+          <a:xfrm>
+            <a:off x="7700397" y="3307764"/>
+            <a:ext cx="1787550" cy="608160"/>
+            <a:chOff x="7700397" y="3271188"/>
+            <a:chExt cx="1787550" cy="608160"/>
+          </a:xfrm>
+        </p:grpSpPr>
+        <p:sp>
+          <p:nvSpPr>
+            <p:cNvPr id="405" name="ZoneTexte 404">
+              <a:extLst>
+                <a:ext uri="{FF2B5EF4-FFF2-40B4-BE49-F238E27FC236}">
+                  <a16:creationId xmlns:a16="http://schemas.microsoft.com/office/drawing/2014/main" id="{7974927D-7DC5-11D0-8678-A07CA29F3180}"/>
+                </a:ext>
+              </a:extLst>
+            </p:cNvPr>
+            <p:cNvSpPr txBox="1"/>
+            <p:nvPr/>
+          </p:nvSpPr>
+          <p:spPr>
+            <a:xfrm>
+              <a:off x="7700397" y="3271188"/>
+              <a:ext cx="565959" cy="461665"/>
+            </a:xfrm>
+            <a:prstGeom prst="rect">
+              <a:avLst/>
+            </a:prstGeom>
+            <a:noFill/>
+          </p:spPr>
+          <p:txBody>
+            <a:bodyPr wrap="square" rtlCol="0">
+              <a:spAutoFit/>
+            </a:bodyPr>
+            <a:lstStyle/>
+            <a:p>
+              <a:pPr algn="ctr"/>
+              <a:r>
+                <a:rPr lang="fr-FR" sz="1200" dirty="0">
+                  <a:solidFill>
+                    <a:schemeClr val="bg2">
+                      <a:lumMod val="25000"/>
+                    </a:schemeClr>
+                  </a:solidFill>
+                </a:rPr>
+                <a:t>Dés de vie</a:t>
+              </a:r>
+            </a:p>
+          </p:txBody>
+        </p:sp>
+        <p:sp>
+          <p:nvSpPr>
+            <p:cNvPr id="451" name="Zone de texte 80">
+              <a:extLst>
+                <a:ext uri="{FF2B5EF4-FFF2-40B4-BE49-F238E27FC236}">
+                  <a16:creationId xmlns:a16="http://schemas.microsoft.com/office/drawing/2014/main" id="{1E39ED9C-DC79-ABD7-DDA9-A076FE54ABC0}"/>
+                </a:ext>
+              </a:extLst>
+            </p:cNvPr>
+            <p:cNvSpPr txBox="1"/>
+            <p:nvPr/>
+          </p:nvSpPr>
+          <p:spPr>
+            <a:xfrm>
+              <a:off x="8189022" y="3662720"/>
+              <a:ext cx="1166907" cy="216628"/>
+            </a:xfrm>
+            <a:prstGeom prst="rect">
+              <a:avLst/>
+            </a:prstGeom>
+            <a:noFill/>
+            <a:ln w="6350">
+              <a:noFill/>
+            </a:ln>
+          </p:spPr>
+          <p:txBody>
+            <a:bodyPr rot="0" spcFirstLastPara="0" vert="horz" wrap="none" lIns="91440" tIns="45720" rIns="91440" bIns="45720" numCol="1" spcCol="0" rtlCol="0" fromWordArt="0" anchor="t" anchorCtr="0" forceAA="0" compatLnSpc="1">
+              <a:prstTxWarp prst="textNoShape">
+                <a:avLst/>
+              </a:prstTxWarp>
+              <a:noAutofit/>
+            </a:bodyPr>
+            <a:lstStyle/>
+            <a:p>
+              <a:pPr algn="ctr">
+                <a:lnSpc>
+                  <a:spcPct val="107000"/>
+                </a:lnSpc>
+                <a:spcAft>
+                  <a:spcPts val="800"/>
+                </a:spcAft>
+              </a:pPr>
+              <a:r>
+                <a:rPr lang="fr-FR" sz="800" dirty="0">
+                  <a:solidFill>
+                    <a:srgbClr val="BFBFBF"/>
+                  </a:solidFill>
+                  <a:effectLst/>
+                  <a:latin typeface="Segoe UI Semibold" panose="020B0702040204020203" pitchFamily="34" charset="0"/>
+                  <a:ea typeface="Calibri" panose="020F0502020204030204" pitchFamily="34" charset="0"/>
+                  <a:cs typeface="Times New Roman" panose="02020603050405020304" pitchFamily="18" charset="0"/>
+                </a:rPr>
+                <a:t>[niveau / 2]</a:t>
+              </a:r>
+              <a:endParaRPr lang="fr-FR" sz="1600" dirty="0">
+                <a:effectLst/>
+                <a:latin typeface="Calibri" panose="020F0502020204030204" pitchFamily="34" charset="0"/>
+                <a:ea typeface="Calibri" panose="020F0502020204030204" pitchFamily="34" charset="0"/>
+                <a:cs typeface="Times New Roman" panose="02020603050405020304" pitchFamily="18" charset="0"/>
+              </a:endParaRPr>
+            </a:p>
+          </p:txBody>
+        </p:sp>
+        <p:grpSp>
+          <p:nvGrpSpPr>
+            <p:cNvPr id="457" name="Groupe 456">
+              <a:extLst>
+                <a:ext uri="{FF2B5EF4-FFF2-40B4-BE49-F238E27FC236}">
+                  <a16:creationId xmlns:a16="http://schemas.microsoft.com/office/drawing/2014/main" id="{19A76CFC-7E8A-87C8-3A9A-C5B53B77D943}"/>
+                </a:ext>
+              </a:extLst>
+            </p:cNvPr>
+            <p:cNvGrpSpPr/>
+            <p:nvPr/>
+          </p:nvGrpSpPr>
+          <p:grpSpPr>
+            <a:xfrm>
+              <a:off x="8209273" y="3308185"/>
+              <a:ext cx="1278674" cy="371643"/>
+              <a:chOff x="8378791" y="3480905"/>
+              <a:chExt cx="1098879" cy="371643"/>
+            </a:xfrm>
+          </p:grpSpPr>
+          <p:sp>
+            <p:nvSpPr>
+              <p:cNvPr id="404" name="Rectangle : coins arrondis 403">
+                <a:extLst>
+                  <a:ext uri="{FF2B5EF4-FFF2-40B4-BE49-F238E27FC236}">
+                    <a16:creationId xmlns:a16="http://schemas.microsoft.com/office/drawing/2014/main" id="{BFE96D8A-92B5-A7B3-185A-7D0DE54BFEEA}"/>
+                  </a:ext>
+                </a:extLst>
+              </p:cNvPr>
+              <p:cNvSpPr/>
+              <p:nvPr/>
+            </p:nvSpPr>
+            <p:spPr>
+              <a:xfrm>
+                <a:off x="8416320" y="3493762"/>
+                <a:ext cx="968010" cy="332696"/>
+              </a:xfrm>
+              <a:prstGeom prst="roundRect">
+                <a:avLst/>
+              </a:prstGeom>
+              <a:solidFill>
+                <a:schemeClr val="bg2"/>
+              </a:solidFill>
+              <a:ln>
+                <a:solidFill>
+                  <a:schemeClr val="bg2">
+                    <a:lumMod val="25000"/>
+                  </a:schemeClr>
+                </a:solidFill>
+              </a:ln>
+            </p:spPr>
+            <p:style>
+              <a:lnRef idx="2">
+                <a:schemeClr val="accent1">
+                  <a:shade val="50000"/>
+                </a:schemeClr>
+              </a:lnRef>
+              <a:fillRef idx="1">
+                <a:schemeClr val="accent1"/>
+              </a:fillRef>
+              <a:effectRef idx="0">
+                <a:schemeClr val="accent1"/>
+              </a:effectRef>
+              <a:fontRef idx="minor">
+                <a:schemeClr val="lt1"/>
+              </a:fontRef>
+            </p:style>
+            <p:txBody>
+              <a:bodyPr rot="0" spcFirstLastPara="0" vert="horz" wrap="square" lIns="91440" tIns="45720" rIns="91440" bIns="45720" numCol="1" spcCol="0" rtlCol="0" fromWordArt="0" anchor="ctr" anchorCtr="0" forceAA="0" compatLnSpc="1">
+                <a:prstTxWarp prst="textNoShape">
+                  <a:avLst/>
+                </a:prstTxWarp>
+                <a:noAutofit/>
+              </a:bodyPr>
+              <a:lstStyle/>
+              <a:p>
+                <a:pPr algn="ctr">
+                  <a:lnSpc>
+                    <a:spcPct val="107000"/>
+                  </a:lnSpc>
+                  <a:spcAft>
+                    <a:spcPts val="800"/>
+                  </a:spcAft>
+                </a:pPr>
+                <a:r>
+                  <a:rPr lang="fr-FR" sz="1200" dirty="0">
+                    <a:ln>
+                      <a:solidFill>
+                        <a:schemeClr val="bg2">
+                          <a:lumMod val="25000"/>
+                        </a:schemeClr>
+                      </a:solidFill>
+                    </a:ln>
+                    <a:solidFill>
+                      <a:schemeClr val="bg2">
+                        <a:lumMod val="50000"/>
+                      </a:schemeClr>
+                    </a:solidFill>
+                    <a:effectLst/>
+                    <a:ea typeface="Calibri" panose="020F0502020204030204" pitchFamily="34" charset="0"/>
+                    <a:cs typeface="Times New Roman" panose="02020603050405020304" pitchFamily="18" charset="0"/>
+                  </a:rPr>
+                  <a:t>/</a:t>
+                </a:r>
+                <a:endParaRPr lang="fr-FR" sz="1400" dirty="0">
+                  <a:ln>
+                    <a:solidFill>
+                      <a:schemeClr val="bg2">
+                        <a:lumMod val="25000"/>
+                      </a:schemeClr>
+                    </a:solidFill>
+                  </a:ln>
+                  <a:solidFill>
+                    <a:schemeClr val="bg2">
+                      <a:lumMod val="50000"/>
+                    </a:schemeClr>
+                  </a:solidFill>
+                  <a:effectLst/>
+                  <a:ea typeface="Calibri" panose="020F0502020204030204" pitchFamily="34" charset="0"/>
+                  <a:cs typeface="Times New Roman" panose="02020603050405020304" pitchFamily="18" charset="0"/>
+                </a:endParaRPr>
+              </a:p>
+            </p:txBody>
+          </p:sp>
+          <p:grpSp>
+            <p:nvGrpSpPr>
+              <p:cNvPr id="456" name="Groupe 455">
+                <a:extLst>
+                  <a:ext uri="{FF2B5EF4-FFF2-40B4-BE49-F238E27FC236}">
+                    <a16:creationId xmlns:a16="http://schemas.microsoft.com/office/drawing/2014/main" id="{B0E98E76-D211-B7E0-98AC-06EB1786C4D3}"/>
+                  </a:ext>
+                </a:extLst>
+              </p:cNvPr>
+              <p:cNvGrpSpPr/>
+              <p:nvPr/>
+            </p:nvGrpSpPr>
+            <p:grpSpPr>
+              <a:xfrm>
+                <a:off x="8378791" y="3480905"/>
+                <a:ext cx="1098879" cy="371643"/>
+                <a:chOff x="8378791" y="3480905"/>
+                <a:chExt cx="1098879" cy="371643"/>
+              </a:xfrm>
+            </p:grpSpPr>
+            <p:sp>
+              <p:nvSpPr>
+                <p:cNvPr id="454" name="ZoneTexte 453">
+                  <a:extLst>
+                    <a:ext uri="{FF2B5EF4-FFF2-40B4-BE49-F238E27FC236}">
+                      <a16:creationId xmlns:a16="http://schemas.microsoft.com/office/drawing/2014/main" id="{DA996A77-C50F-6EC9-1AB9-3831AB097B45}"/>
+                    </a:ext>
+                  </a:extLst>
+                </p:cNvPr>
+                <p:cNvSpPr txBox="1"/>
+                <p:nvPr/>
+              </p:nvSpPr>
+              <p:spPr>
+                <a:xfrm>
+                  <a:off x="8378791" y="3480905"/>
+                  <a:ext cx="233667" cy="230832"/>
+                </a:xfrm>
+                <a:prstGeom prst="rect">
+                  <a:avLst/>
+                </a:prstGeom>
+                <a:noFill/>
+              </p:spPr>
+              <p:txBody>
+                <a:bodyPr wrap="square" rtlCol="0">
+                  <a:spAutoFit/>
+                </a:bodyPr>
+                <a:lstStyle/>
+                <a:p>
+                  <a:r>
+                    <a:rPr lang="fr-FR" sz="900" dirty="0">
+                      <a:solidFill>
+                        <a:schemeClr val="bg2">
+                          <a:lumMod val="75000"/>
+                        </a:schemeClr>
+                      </a:solidFill>
+                    </a:rPr>
+                    <a:t>1</a:t>
+                  </a:r>
+                </a:p>
+              </p:txBody>
+            </p:sp>
+            <p:sp>
+              <p:nvSpPr>
+                <p:cNvPr id="455" name="ZoneTexte 454">
+                  <a:extLst>
+                    <a:ext uri="{FF2B5EF4-FFF2-40B4-BE49-F238E27FC236}">
+                      <a16:creationId xmlns:a16="http://schemas.microsoft.com/office/drawing/2014/main" id="{7AE0426E-90D8-8CD3-5D3A-B58E37499966}"/>
+                    </a:ext>
+                  </a:extLst>
+                </p:cNvPr>
+                <p:cNvSpPr txBox="1"/>
+                <p:nvPr/>
+              </p:nvSpPr>
+              <p:spPr>
+                <a:xfrm>
+                  <a:off x="9175314" y="3621716"/>
+                  <a:ext cx="302356" cy="230832"/>
+                </a:xfrm>
+                <a:prstGeom prst="rect">
+                  <a:avLst/>
+                </a:prstGeom>
+                <a:noFill/>
+              </p:spPr>
+              <p:txBody>
+                <a:bodyPr wrap="square" rtlCol="0">
+                  <a:spAutoFit/>
+                </a:bodyPr>
+                <a:lstStyle/>
+                <a:p>
+                  <a:r>
+                    <a:rPr lang="fr-FR" sz="900" dirty="0">
+                      <a:solidFill>
+                        <a:schemeClr val="bg2">
+                          <a:lumMod val="75000"/>
+                        </a:schemeClr>
+                      </a:solidFill>
+                    </a:rPr>
+                    <a:t>10</a:t>
+                  </a:r>
+                </a:p>
+              </p:txBody>
+            </p:sp>
+          </p:grpSp>
+        </p:grpSp>
+      </p:grpSp>
     </p:spTree>
     <p:extLst>
       <p:ext uri="{BB962C8B-B14F-4D97-AF65-F5344CB8AC3E}">
@@ -40693,18 +41030,24 @@
                 <a:effectLst/>
                 <a:latin typeface="Segoe UI" panose="020B0502040204020203" pitchFamily="34" charset="0"/>
               </a:rPr>
-              <a:t>β 1.</a:t>
+              <a:t>α 1.</a:t>
             </a:r>
             <a:r>
-              <a:rPr lang="fr-FR" sz="1000" b="0" i="0" dirty="0">
+              <a:rPr lang="fr-FR" sz="1000" dirty="0">
                 <a:solidFill>
                   <a:srgbClr val="90A4AE"/>
                 </a:solidFill>
-                <a:effectLst/>
                 <a:latin typeface="Segoe UI" panose="020B0502040204020203" pitchFamily="34" charset="0"/>
               </a:rPr>
-              <a:t>3</a:t>
+              <a:t>x</a:t>
             </a:r>
+            <a:endParaRPr lang="fr-FR" sz="1000" b="0" i="0" dirty="0">
+              <a:solidFill>
+                <a:srgbClr val="90A4AE"/>
+              </a:solidFill>
+              <a:effectLst/>
+              <a:latin typeface="Segoe UI" panose="020B0502040204020203" pitchFamily="34" charset="0"/>
+            </a:endParaRPr>
           </a:p>
           <a:p>
             <a:pPr algn="ctr"/>
@@ -40715,7 +41058,7 @@
                 </a:solidFill>
                 <a:latin typeface="Segoe UI" panose="020B0502040204020203" pitchFamily="34" charset="0"/>
               </a:rPr>
-              <a:t>Version fiche personnage 1.1</a:t>
+              <a:t>Version fiche personnage 1.2</a:t>
             </a:r>
             <a:endParaRPr lang="fr-FR" sz="1000" dirty="0"/>
           </a:p>

--- a/medias/help/fiche_perso.pptx
+++ b/medias/help/fiche_perso.pptx
@@ -244,7 +244,7 @@
           <a:p>
             <a:fld id="{73F300BA-884B-492F-9DA2-6FBA3E12B197}" type="datetimeFigureOut">
               <a:rPr lang="fr-FR" smtClean="0"/>
-              <a:t>04/04/2023</a:t>
+              <a:t>09/04/2023</a:t>
             </a:fld>
             <a:endParaRPr lang="fr-FR"/>
           </a:p>
@@ -414,7 +414,7 @@
           <a:p>
             <a:fld id="{73F300BA-884B-492F-9DA2-6FBA3E12B197}" type="datetimeFigureOut">
               <a:rPr lang="fr-FR" smtClean="0"/>
-              <a:t>04/04/2023</a:t>
+              <a:t>09/04/2023</a:t>
             </a:fld>
             <a:endParaRPr lang="fr-FR"/>
           </a:p>
@@ -594,7 +594,7 @@
           <a:p>
             <a:fld id="{73F300BA-884B-492F-9DA2-6FBA3E12B197}" type="datetimeFigureOut">
               <a:rPr lang="fr-FR" smtClean="0"/>
-              <a:t>04/04/2023</a:t>
+              <a:t>09/04/2023</a:t>
             </a:fld>
             <a:endParaRPr lang="fr-FR"/>
           </a:p>
@@ -764,7 +764,7 @@
           <a:p>
             <a:fld id="{73F300BA-884B-492F-9DA2-6FBA3E12B197}" type="datetimeFigureOut">
               <a:rPr lang="fr-FR" smtClean="0"/>
-              <a:t>04/04/2023</a:t>
+              <a:t>09/04/2023</a:t>
             </a:fld>
             <a:endParaRPr lang="fr-FR"/>
           </a:p>
@@ -1008,7 +1008,7 @@
           <a:p>
             <a:fld id="{73F300BA-884B-492F-9DA2-6FBA3E12B197}" type="datetimeFigureOut">
               <a:rPr lang="fr-FR" smtClean="0"/>
-              <a:t>04/04/2023</a:t>
+              <a:t>09/04/2023</a:t>
             </a:fld>
             <a:endParaRPr lang="fr-FR"/>
           </a:p>
@@ -1240,7 +1240,7 @@
           <a:p>
             <a:fld id="{73F300BA-884B-492F-9DA2-6FBA3E12B197}" type="datetimeFigureOut">
               <a:rPr lang="fr-FR" smtClean="0"/>
-              <a:t>04/04/2023</a:t>
+              <a:t>09/04/2023</a:t>
             </a:fld>
             <a:endParaRPr lang="fr-FR"/>
           </a:p>
@@ -1607,7 +1607,7 @@
           <a:p>
             <a:fld id="{73F300BA-884B-492F-9DA2-6FBA3E12B197}" type="datetimeFigureOut">
               <a:rPr lang="fr-FR" smtClean="0"/>
-              <a:t>04/04/2023</a:t>
+              <a:t>09/04/2023</a:t>
             </a:fld>
             <a:endParaRPr lang="fr-FR"/>
           </a:p>
@@ -1725,7 +1725,7 @@
           <a:p>
             <a:fld id="{73F300BA-884B-492F-9DA2-6FBA3E12B197}" type="datetimeFigureOut">
               <a:rPr lang="fr-FR" smtClean="0"/>
-              <a:t>04/04/2023</a:t>
+              <a:t>09/04/2023</a:t>
             </a:fld>
             <a:endParaRPr lang="fr-FR"/>
           </a:p>
@@ -1820,7 +1820,7 @@
           <a:p>
             <a:fld id="{73F300BA-884B-492F-9DA2-6FBA3E12B197}" type="datetimeFigureOut">
               <a:rPr lang="fr-FR" smtClean="0"/>
-              <a:t>04/04/2023</a:t>
+              <a:t>09/04/2023</a:t>
             </a:fld>
             <a:endParaRPr lang="fr-FR"/>
           </a:p>
@@ -2097,7 +2097,7 @@
           <a:p>
             <a:fld id="{73F300BA-884B-492F-9DA2-6FBA3E12B197}" type="datetimeFigureOut">
               <a:rPr lang="fr-FR" smtClean="0"/>
-              <a:t>04/04/2023</a:t>
+              <a:t>09/04/2023</a:t>
             </a:fld>
             <a:endParaRPr lang="fr-FR"/>
           </a:p>
@@ -2354,7 +2354,7 @@
           <a:p>
             <a:fld id="{73F300BA-884B-492F-9DA2-6FBA3E12B197}" type="datetimeFigureOut">
               <a:rPr lang="fr-FR" smtClean="0"/>
-              <a:t>04/04/2023</a:t>
+              <a:t>09/04/2023</a:t>
             </a:fld>
             <a:endParaRPr lang="fr-FR"/>
           </a:p>
@@ -2567,7 +2567,7 @@
           <a:p>
             <a:fld id="{73F300BA-884B-492F-9DA2-6FBA3E12B197}" type="datetimeFigureOut">
               <a:rPr lang="fr-FR" smtClean="0"/>
-              <a:t>04/04/2023</a:t>
+              <a:t>09/04/2023</a:t>
             </a:fld>
             <a:endParaRPr lang="fr-FR"/>
           </a:p>
@@ -29547,7 +29547,7 @@
                   <a:ea typeface="Calibri" panose="020F0502020204030204" pitchFamily="34" charset="0"/>
                   <a:cs typeface="Times New Roman" panose="02020603050405020304" pitchFamily="18" charset="0"/>
                 </a:rPr>
-                <a:t>[niveau / 2]</a:t>
+                <a:t>[niveau]</a:t>
               </a:r>
               <a:endParaRPr lang="fr-FR" sz="1600" dirty="0">
                 <a:effectLst/>
@@ -29779,7 +29779,7 @@
                         </a:schemeClr>
                       </a:solidFill>
                     </a:rPr>
-                    <a:t>10</a:t>
+                    <a:t>20</a:t>
                   </a:r>
                 </a:p>
               </p:txBody>

--- a/medias/help/fiche_perso.pptx
+++ b/medias/help/fiche_perso.pptx
@@ -244,7 +244,7 @@
           <a:p>
             <a:fld id="{73F300BA-884B-492F-9DA2-6FBA3E12B197}" type="datetimeFigureOut">
               <a:rPr lang="fr-FR" smtClean="0"/>
-              <a:t>09/04/2023</a:t>
+              <a:t>18/04/2023</a:t>
             </a:fld>
             <a:endParaRPr lang="fr-FR"/>
           </a:p>
@@ -414,7 +414,7 @@
           <a:p>
             <a:fld id="{73F300BA-884B-492F-9DA2-6FBA3E12B197}" type="datetimeFigureOut">
               <a:rPr lang="fr-FR" smtClean="0"/>
-              <a:t>09/04/2023</a:t>
+              <a:t>18/04/2023</a:t>
             </a:fld>
             <a:endParaRPr lang="fr-FR"/>
           </a:p>
@@ -594,7 +594,7 @@
           <a:p>
             <a:fld id="{73F300BA-884B-492F-9DA2-6FBA3E12B197}" type="datetimeFigureOut">
               <a:rPr lang="fr-FR" smtClean="0"/>
-              <a:t>09/04/2023</a:t>
+              <a:t>18/04/2023</a:t>
             </a:fld>
             <a:endParaRPr lang="fr-FR"/>
           </a:p>
@@ -764,7 +764,7 @@
           <a:p>
             <a:fld id="{73F300BA-884B-492F-9DA2-6FBA3E12B197}" type="datetimeFigureOut">
               <a:rPr lang="fr-FR" smtClean="0"/>
-              <a:t>09/04/2023</a:t>
+              <a:t>18/04/2023</a:t>
             </a:fld>
             <a:endParaRPr lang="fr-FR"/>
           </a:p>
@@ -1008,7 +1008,7 @@
           <a:p>
             <a:fld id="{73F300BA-884B-492F-9DA2-6FBA3E12B197}" type="datetimeFigureOut">
               <a:rPr lang="fr-FR" smtClean="0"/>
-              <a:t>09/04/2023</a:t>
+              <a:t>18/04/2023</a:t>
             </a:fld>
             <a:endParaRPr lang="fr-FR"/>
           </a:p>
@@ -1240,7 +1240,7 @@
           <a:p>
             <a:fld id="{73F300BA-884B-492F-9DA2-6FBA3E12B197}" type="datetimeFigureOut">
               <a:rPr lang="fr-FR" smtClean="0"/>
-              <a:t>09/04/2023</a:t>
+              <a:t>18/04/2023</a:t>
             </a:fld>
             <a:endParaRPr lang="fr-FR"/>
           </a:p>
@@ -1607,7 +1607,7 @@
           <a:p>
             <a:fld id="{73F300BA-884B-492F-9DA2-6FBA3E12B197}" type="datetimeFigureOut">
               <a:rPr lang="fr-FR" smtClean="0"/>
-              <a:t>09/04/2023</a:t>
+              <a:t>18/04/2023</a:t>
             </a:fld>
             <a:endParaRPr lang="fr-FR"/>
           </a:p>
@@ -1725,7 +1725,7 @@
           <a:p>
             <a:fld id="{73F300BA-884B-492F-9DA2-6FBA3E12B197}" type="datetimeFigureOut">
               <a:rPr lang="fr-FR" smtClean="0"/>
-              <a:t>09/04/2023</a:t>
+              <a:t>18/04/2023</a:t>
             </a:fld>
             <a:endParaRPr lang="fr-FR"/>
           </a:p>
@@ -1820,7 +1820,7 @@
           <a:p>
             <a:fld id="{73F300BA-884B-492F-9DA2-6FBA3E12B197}" type="datetimeFigureOut">
               <a:rPr lang="fr-FR" smtClean="0"/>
-              <a:t>09/04/2023</a:t>
+              <a:t>18/04/2023</a:t>
             </a:fld>
             <a:endParaRPr lang="fr-FR"/>
           </a:p>
@@ -2097,7 +2097,7 @@
           <a:p>
             <a:fld id="{73F300BA-884B-492F-9DA2-6FBA3E12B197}" type="datetimeFigureOut">
               <a:rPr lang="fr-FR" smtClean="0"/>
-              <a:t>09/04/2023</a:t>
+              <a:t>18/04/2023</a:t>
             </a:fld>
             <a:endParaRPr lang="fr-FR"/>
           </a:p>
@@ -2354,7 +2354,7 @@
           <a:p>
             <a:fld id="{73F300BA-884B-492F-9DA2-6FBA3E12B197}" type="datetimeFigureOut">
               <a:rPr lang="fr-FR" smtClean="0"/>
-              <a:t>09/04/2023</a:t>
+              <a:t>18/04/2023</a:t>
             </a:fld>
             <a:endParaRPr lang="fr-FR"/>
           </a:p>
@@ -2567,7 +2567,7 @@
           <a:p>
             <a:fld id="{73F300BA-884B-492F-9DA2-6FBA3E12B197}" type="datetimeFigureOut">
               <a:rPr lang="fr-FR" smtClean="0"/>
-              <a:t>09/04/2023</a:t>
+              <a:t>18/04/2023</a:t>
             </a:fld>
             <a:endParaRPr lang="fr-FR"/>
           </a:p>
@@ -39771,7 +39771,7 @@
                     <a:ea typeface="Calibri" panose="020F0502020204030204" pitchFamily="34" charset="0"/>
                     <a:cs typeface="Times New Roman" panose="02020603050405020304" pitchFamily="18" charset="0"/>
                   </a:rPr>
-                  <a:t>Capacités / Compétences</a:t>
+                  <a:t>Capacités</a:t>
                 </a:r>
               </a:p>
             </p:txBody>

--- a/medias/help/fiche_perso.pptx
+++ b/medias/help/fiche_perso.pptx
@@ -244,7 +244,7 @@
           <a:p>
             <a:fld id="{73F300BA-884B-492F-9DA2-6FBA3E12B197}" type="datetimeFigureOut">
               <a:rPr lang="fr-FR" smtClean="0"/>
-              <a:t>18/04/2023</a:t>
+              <a:t>26/04/2023</a:t>
             </a:fld>
             <a:endParaRPr lang="fr-FR"/>
           </a:p>
@@ -414,7 +414,7 @@
           <a:p>
             <a:fld id="{73F300BA-884B-492F-9DA2-6FBA3E12B197}" type="datetimeFigureOut">
               <a:rPr lang="fr-FR" smtClean="0"/>
-              <a:t>18/04/2023</a:t>
+              <a:t>26/04/2023</a:t>
             </a:fld>
             <a:endParaRPr lang="fr-FR"/>
           </a:p>
@@ -594,7 +594,7 @@
           <a:p>
             <a:fld id="{73F300BA-884B-492F-9DA2-6FBA3E12B197}" type="datetimeFigureOut">
               <a:rPr lang="fr-FR" smtClean="0"/>
-              <a:t>18/04/2023</a:t>
+              <a:t>26/04/2023</a:t>
             </a:fld>
             <a:endParaRPr lang="fr-FR"/>
           </a:p>
@@ -764,7 +764,7 @@
           <a:p>
             <a:fld id="{73F300BA-884B-492F-9DA2-6FBA3E12B197}" type="datetimeFigureOut">
               <a:rPr lang="fr-FR" smtClean="0"/>
-              <a:t>18/04/2023</a:t>
+              <a:t>26/04/2023</a:t>
             </a:fld>
             <a:endParaRPr lang="fr-FR"/>
           </a:p>
@@ -1008,7 +1008,7 @@
           <a:p>
             <a:fld id="{73F300BA-884B-492F-9DA2-6FBA3E12B197}" type="datetimeFigureOut">
               <a:rPr lang="fr-FR" smtClean="0"/>
-              <a:t>18/04/2023</a:t>
+              <a:t>26/04/2023</a:t>
             </a:fld>
             <a:endParaRPr lang="fr-FR"/>
           </a:p>
@@ -1240,7 +1240,7 @@
           <a:p>
             <a:fld id="{73F300BA-884B-492F-9DA2-6FBA3E12B197}" type="datetimeFigureOut">
               <a:rPr lang="fr-FR" smtClean="0"/>
-              <a:t>18/04/2023</a:t>
+              <a:t>26/04/2023</a:t>
             </a:fld>
             <a:endParaRPr lang="fr-FR"/>
           </a:p>
@@ -1607,7 +1607,7 @@
           <a:p>
             <a:fld id="{73F300BA-884B-492F-9DA2-6FBA3E12B197}" type="datetimeFigureOut">
               <a:rPr lang="fr-FR" smtClean="0"/>
-              <a:t>18/04/2023</a:t>
+              <a:t>26/04/2023</a:t>
             </a:fld>
             <a:endParaRPr lang="fr-FR"/>
           </a:p>
@@ -1725,7 +1725,7 @@
           <a:p>
             <a:fld id="{73F300BA-884B-492F-9DA2-6FBA3E12B197}" type="datetimeFigureOut">
               <a:rPr lang="fr-FR" smtClean="0"/>
-              <a:t>18/04/2023</a:t>
+              <a:t>26/04/2023</a:t>
             </a:fld>
             <a:endParaRPr lang="fr-FR"/>
           </a:p>
@@ -1820,7 +1820,7 @@
           <a:p>
             <a:fld id="{73F300BA-884B-492F-9DA2-6FBA3E12B197}" type="datetimeFigureOut">
               <a:rPr lang="fr-FR" smtClean="0"/>
-              <a:t>18/04/2023</a:t>
+              <a:t>26/04/2023</a:t>
             </a:fld>
             <a:endParaRPr lang="fr-FR"/>
           </a:p>
@@ -2097,7 +2097,7 @@
           <a:p>
             <a:fld id="{73F300BA-884B-492F-9DA2-6FBA3E12B197}" type="datetimeFigureOut">
               <a:rPr lang="fr-FR" smtClean="0"/>
-              <a:t>18/04/2023</a:t>
+              <a:t>26/04/2023</a:t>
             </a:fld>
             <a:endParaRPr lang="fr-FR"/>
           </a:p>
@@ -2354,7 +2354,7 @@
           <a:p>
             <a:fld id="{73F300BA-884B-492F-9DA2-6FBA3E12B197}" type="datetimeFigureOut">
               <a:rPr lang="fr-FR" smtClean="0"/>
-              <a:t>18/04/2023</a:t>
+              <a:t>26/04/2023</a:t>
             </a:fld>
             <a:endParaRPr lang="fr-FR"/>
           </a:p>
@@ -2567,7 +2567,7 @@
           <a:p>
             <a:fld id="{73F300BA-884B-492F-9DA2-6FBA3E12B197}" type="datetimeFigureOut">
               <a:rPr lang="fr-FR" smtClean="0"/>
-              <a:t>18/04/2023</a:t>
+              <a:t>26/04/2023</a:t>
             </a:fld>
             <a:endParaRPr lang="fr-FR"/>
           </a:p>
@@ -39771,7 +39771,7 @@
                     <a:ea typeface="Calibri" panose="020F0502020204030204" pitchFamily="34" charset="0"/>
                     <a:cs typeface="Times New Roman" panose="02020603050405020304" pitchFamily="18" charset="0"/>
                   </a:rPr>
-                  <a:t>Capacités</a:t>
+                  <a:t>Aptitudes et Capacités</a:t>
                 </a:r>
               </a:p>
             </p:txBody>
